--- a/docs/diagrams/UndoRedoExecuteUndoStateListDiagram.pptx
+++ b/docs/diagrams/UndoRedoExecuteUndoStateListDiagram.pptx
@@ -6,6 +6,10 @@
   </p:sldMasterIdLst>
   <p:sldIdLst>
     <p:sldId id="256" r:id="rId2"/>
+    <p:sldId id="260" r:id="rId3"/>
+    <p:sldId id="262" r:id="rId4"/>
+    <p:sldId id="263" r:id="rId5"/>
+    <p:sldId id="261" r:id="rId6"/>
   </p:sldIdLst>
   <p:sldSz cx="12192000" cy="6858000"/>
   <p:notesSz cx="6858000" cy="9144000"/>
@@ -112,8 +116,16 @@
 </p:presentation>
 </file>
 
-<file path=ppt/revisionInfo.xml><?xml version="1.0" encoding="utf-8"?>
-<p1510:revInfo xmlns:a="http://schemas.openxmlformats.org/drawingml/2006/main" xmlns:r="http://schemas.openxmlformats.org/officeDocument/2006/relationships" xmlns:p1510="http://schemas.microsoft.com/office/powerpoint/2015/10/main"/>
+<file path=ppt/commentAuthors.xml><?xml version="1.0" encoding="utf-8"?>
+<p:cmAuthorLst xmlns:a="http://schemas.openxmlformats.org/drawingml/2006/main" xmlns:r="http://schemas.openxmlformats.org/officeDocument/2006/relationships" xmlns:p="http://schemas.openxmlformats.org/presentationml/2006/main">
+  <p:cmAuthor id="1" name="Yow Ren Jie" initials="YRJ" lastIdx="1" clrIdx="0">
+    <p:extLst>
+      <p:ext uri="{19B8F6BF-5375-455C-9EA6-DF929625EA0E}">
+        <p15:presenceInfo xmlns:p15="http://schemas.microsoft.com/office/powerpoint/2012/main" userId="Yow Ren Jie" providerId="None"/>
+      </p:ext>
+    </p:extLst>
+  </p:cmAuthor>
+</p:cmAuthorLst>
 </file>
 
 <file path=ppt/slideLayouts/slideLayout1.xml><?xml version="1.0" encoding="utf-8"?>
@@ -265,7 +277,7 @@
           <a:p>
             <a:fld id="{03EC4E3E-8101-482F-A883-8B55DAFF7C07}" type="datetimeFigureOut">
               <a:rPr lang="en-SG" smtClean="0"/>
-              <a:t>6/7/2018</a:t>
+              <a:t>26/3/2019</a:t>
             </a:fld>
             <a:endParaRPr lang="en-SG"/>
           </a:p>
@@ -465,7 +477,7 @@
           <a:p>
             <a:fld id="{03EC4E3E-8101-482F-A883-8B55DAFF7C07}" type="datetimeFigureOut">
               <a:rPr lang="en-SG" smtClean="0"/>
-              <a:t>6/7/2018</a:t>
+              <a:t>26/3/2019</a:t>
             </a:fld>
             <a:endParaRPr lang="en-SG"/>
           </a:p>
@@ -675,7 +687,7 @@
           <a:p>
             <a:fld id="{03EC4E3E-8101-482F-A883-8B55DAFF7C07}" type="datetimeFigureOut">
               <a:rPr lang="en-SG" smtClean="0"/>
-              <a:t>6/7/2018</a:t>
+              <a:t>26/3/2019</a:t>
             </a:fld>
             <a:endParaRPr lang="en-SG"/>
           </a:p>
@@ -875,7 +887,7 @@
           <a:p>
             <a:fld id="{03EC4E3E-8101-482F-A883-8B55DAFF7C07}" type="datetimeFigureOut">
               <a:rPr lang="en-SG" smtClean="0"/>
-              <a:t>6/7/2018</a:t>
+              <a:t>26/3/2019</a:t>
             </a:fld>
             <a:endParaRPr lang="en-SG"/>
           </a:p>
@@ -1151,7 +1163,7 @@
           <a:p>
             <a:fld id="{03EC4E3E-8101-482F-A883-8B55DAFF7C07}" type="datetimeFigureOut">
               <a:rPr lang="en-SG" smtClean="0"/>
-              <a:t>6/7/2018</a:t>
+              <a:t>26/3/2019</a:t>
             </a:fld>
             <a:endParaRPr lang="en-SG"/>
           </a:p>
@@ -1419,7 +1431,7 @@
           <a:p>
             <a:fld id="{03EC4E3E-8101-482F-A883-8B55DAFF7C07}" type="datetimeFigureOut">
               <a:rPr lang="en-SG" smtClean="0"/>
-              <a:t>6/7/2018</a:t>
+              <a:t>26/3/2019</a:t>
             </a:fld>
             <a:endParaRPr lang="en-SG"/>
           </a:p>
@@ -1834,7 +1846,7 @@
           <a:p>
             <a:fld id="{03EC4E3E-8101-482F-A883-8B55DAFF7C07}" type="datetimeFigureOut">
               <a:rPr lang="en-SG" smtClean="0"/>
-              <a:t>6/7/2018</a:t>
+              <a:t>26/3/2019</a:t>
             </a:fld>
             <a:endParaRPr lang="en-SG"/>
           </a:p>
@@ -1976,7 +1988,7 @@
           <a:p>
             <a:fld id="{03EC4E3E-8101-482F-A883-8B55DAFF7C07}" type="datetimeFigureOut">
               <a:rPr lang="en-SG" smtClean="0"/>
-              <a:t>6/7/2018</a:t>
+              <a:t>26/3/2019</a:t>
             </a:fld>
             <a:endParaRPr lang="en-SG"/>
           </a:p>
@@ -2089,7 +2101,7 @@
           <a:p>
             <a:fld id="{03EC4E3E-8101-482F-A883-8B55DAFF7C07}" type="datetimeFigureOut">
               <a:rPr lang="en-SG" smtClean="0"/>
-              <a:t>6/7/2018</a:t>
+              <a:t>26/3/2019</a:t>
             </a:fld>
             <a:endParaRPr lang="en-SG"/>
           </a:p>
@@ -2402,7 +2414,7 @@
           <a:p>
             <a:fld id="{03EC4E3E-8101-482F-A883-8B55DAFF7C07}" type="datetimeFigureOut">
               <a:rPr lang="en-SG" smtClean="0"/>
-              <a:t>6/7/2018</a:t>
+              <a:t>26/3/2019</a:t>
             </a:fld>
             <a:endParaRPr lang="en-SG"/>
           </a:p>
@@ -2691,7 +2703,7 @@
           <a:p>
             <a:fld id="{03EC4E3E-8101-482F-A883-8B55DAFF7C07}" type="datetimeFigureOut">
               <a:rPr lang="en-SG" smtClean="0"/>
-              <a:t>6/7/2018</a:t>
+              <a:t>26/3/2019</a:t>
             </a:fld>
             <a:endParaRPr lang="en-SG"/>
           </a:p>
@@ -2934,7 +2946,7 @@
           <a:p>
             <a:fld id="{03EC4E3E-8101-482F-A883-8B55DAFF7C07}" type="datetimeFigureOut">
               <a:rPr lang="en-SG" smtClean="0"/>
-              <a:t>6/7/2018</a:t>
+              <a:t>26/3/2019</a:t>
             </a:fld>
             <a:endParaRPr lang="en-SG"/>
           </a:p>
@@ -3407,7 +3419,7 @@
             <a:pPr algn="ctr"/>
             <a:r>
               <a:rPr lang="en-SG" dirty="0"/>
-              <a:t>The state of the address book (before ‘add n/David …’ was executed) will be restored to state ab1.</a:t>
+              <a:t>The state of the project (before ‘add n/Submit …’ was executed) will be restored to state p1.</a:t>
             </a:r>
           </a:p>
         </p:txBody>
@@ -3470,7 +3482,7 @@
         </p:nvSpPr>
         <p:spPr>
           <a:xfrm>
-            <a:off x="3917960" y="2726030"/>
+            <a:off x="2177937" y="2731691"/>
             <a:ext cx="3207000" cy="369332"/>
           </a:xfrm>
           <a:prstGeom prst="rect">
@@ -3515,14 +3527,14 @@
           <p:nvPr>
             <p:extLst>
               <p:ext uri="{D42A27DB-BD31-4B8C-83A1-F6EECF244321}">
-                <p14:modId xmlns:p14="http://schemas.microsoft.com/office/powerpoint/2010/main" val="1674993041"/>
+                <p14:modId xmlns:p14="http://schemas.microsoft.com/office/powerpoint/2010/main" val="612746814"/>
               </p:ext>
             </p:extLst>
           </p:nvPr>
         </p:nvGraphicFramePr>
         <p:xfrm>
           <a:off x="473240" y="1476102"/>
-          <a:ext cx="1825824" cy="417888"/>
+          <a:ext cx="1186878" cy="417888"/>
         </p:xfrm>
         <a:graphic>
           <a:graphicData uri="http://schemas.openxmlformats.org/drawingml/2006/table">
@@ -3531,7 +3543,7 @@
                 <a:tableStyleId>{638B1855-1B75-4FBE-930C-398BA8C253C6}</a:tableStyleId>
               </a:tblPr>
               <a:tblGrid>
-                <a:gridCol w="1825824">
+                <a:gridCol w="1186878">
                   <a:extLst>
                     <a:ext uri="{9D8B030D-6E8A-4147-A177-3AD203B41FA5}">
                       <a16:colId xmlns:a16="http://schemas.microsoft.com/office/drawing/2014/main" val="4240773277"/>
@@ -3547,11 +3559,11 @@
                     <a:p>
                       <a:r>
                         <a:rPr lang="en-SG" u="sng" dirty="0"/>
-                        <a:t>ab0:</a:t>
+                        <a:t>p0:</a:t>
                       </a:r>
                       <a:r>
                         <a:rPr lang="en-SG" sz="1800" u="sng" dirty="0"/>
-                        <a:t>AddressBook</a:t>
+                        <a:t>Project</a:t>
                       </a:r>
                       <a:endParaRPr lang="en-SG" u="sng" dirty="0"/>
                     </a:p>
@@ -3628,7 +3640,7 @@
         </p:nvSpPr>
         <p:spPr>
           <a:xfrm>
-            <a:off x="1939992" y="5234888"/>
+            <a:off x="1066679" y="5205318"/>
             <a:ext cx="3207000" cy="369332"/>
           </a:xfrm>
           <a:prstGeom prst="rect">
@@ -3704,346 +3716,6 @@
           </a:p>
         </p:txBody>
       </p:sp>
-      <p:graphicFrame>
-        <p:nvGraphicFramePr>
-          <p:cNvPr id="16" name="Table 15">
-            <a:extLst>
-              <a:ext uri="{FF2B5EF4-FFF2-40B4-BE49-F238E27FC236}">
-                <a16:creationId xmlns:a16="http://schemas.microsoft.com/office/drawing/2014/main" id="{F545FAB8-F1CE-4886-9BDE-E772BCB0A9C4}"/>
-              </a:ext>
-            </a:extLst>
-          </p:cNvPr>
-          <p:cNvGraphicFramePr>
-            <a:graphicFrameLocks noGrp="1"/>
-          </p:cNvGraphicFramePr>
-          <p:nvPr>
-            <p:extLst>
-              <p:ext uri="{D42A27DB-BD31-4B8C-83A1-F6EECF244321}">
-                <p14:modId xmlns:p14="http://schemas.microsoft.com/office/powerpoint/2010/main" val="3085921390"/>
-              </p:ext>
-            </p:extLst>
-          </p:nvPr>
-        </p:nvGraphicFramePr>
-        <p:xfrm>
-          <a:off x="2440458" y="1476102"/>
-          <a:ext cx="1825824" cy="417888"/>
-        </p:xfrm>
-        <a:graphic>
-          <a:graphicData uri="http://schemas.openxmlformats.org/drawingml/2006/table">
-            <a:tbl>
-              <a:tblPr>
-                <a:tableStyleId>{638B1855-1B75-4FBE-930C-398BA8C253C6}</a:tableStyleId>
-              </a:tblPr>
-              <a:tblGrid>
-                <a:gridCol w="1825824">
-                  <a:extLst>
-                    <a:ext uri="{9D8B030D-6E8A-4147-A177-3AD203B41FA5}">
-                      <a16:colId xmlns:a16="http://schemas.microsoft.com/office/drawing/2014/main" val="4240773277"/>
-                    </a:ext>
-                  </a:extLst>
-                </a:gridCol>
-              </a:tblGrid>
-              <a:tr h="417888">
-                <a:tc>
-                  <a:txBody>
-                    <a:bodyPr/>
-                    <a:lstStyle/>
-                    <a:p>
-                      <a:r>
-                        <a:rPr lang="en-SG" u="sng" dirty="0"/>
-                        <a:t>ab1:</a:t>
-                      </a:r>
-                      <a:r>
-                        <a:rPr lang="en-SG" sz="1800" u="sng" dirty="0"/>
-                        <a:t>AddressBook</a:t>
-                      </a:r>
-                      <a:endParaRPr lang="en-SG" u="sng" dirty="0"/>
-                    </a:p>
-                  </a:txBody>
-                  <a:tcPr/>
-                </a:tc>
-                <a:extLst>
-                  <a:ext uri="{0D108BD9-81ED-4DB2-BD59-A6C34878D82A}">
-                    <a16:rowId xmlns:a16="http://schemas.microsoft.com/office/drawing/2014/main" val="2194462629"/>
-                  </a:ext>
-                </a:extLst>
-              </a:tr>
-            </a:tbl>
-          </a:graphicData>
-        </a:graphic>
-      </p:graphicFrame>
-      <p:graphicFrame>
-        <p:nvGraphicFramePr>
-          <p:cNvPr id="20" name="Table 19">
-            <a:extLst>
-              <a:ext uri="{FF2B5EF4-FFF2-40B4-BE49-F238E27FC236}">
-                <a16:creationId xmlns:a16="http://schemas.microsoft.com/office/drawing/2014/main" id="{F545FAB8-F1CE-4886-9BDE-E772BCB0A9C4}"/>
-              </a:ext>
-            </a:extLst>
-          </p:cNvPr>
-          <p:cNvGraphicFramePr>
-            <a:graphicFrameLocks noGrp="1"/>
-          </p:cNvGraphicFramePr>
-          <p:nvPr>
-            <p:extLst>
-              <p:ext uri="{D42A27DB-BD31-4B8C-83A1-F6EECF244321}">
-                <p14:modId xmlns:p14="http://schemas.microsoft.com/office/powerpoint/2010/main" val="3504448791"/>
-              </p:ext>
-            </p:extLst>
-          </p:nvPr>
-        </p:nvGraphicFramePr>
-        <p:xfrm>
-          <a:off x="4409785" y="1476102"/>
-          <a:ext cx="1825824" cy="417888"/>
-        </p:xfrm>
-        <a:graphic>
-          <a:graphicData uri="http://schemas.openxmlformats.org/drawingml/2006/table">
-            <a:tbl>
-              <a:tblPr>
-                <a:tableStyleId>{638B1855-1B75-4FBE-930C-398BA8C253C6}</a:tableStyleId>
-              </a:tblPr>
-              <a:tblGrid>
-                <a:gridCol w="1825824">
-                  <a:extLst>
-                    <a:ext uri="{9D8B030D-6E8A-4147-A177-3AD203B41FA5}">
-                      <a16:colId xmlns:a16="http://schemas.microsoft.com/office/drawing/2014/main" val="4240773277"/>
-                    </a:ext>
-                  </a:extLst>
-                </a:gridCol>
-              </a:tblGrid>
-              <a:tr h="417888">
-                <a:tc>
-                  <a:txBody>
-                    <a:bodyPr/>
-                    <a:lstStyle/>
-                    <a:p>
-                      <a:r>
-                        <a:rPr lang="en-SG" u="sng" dirty="0"/>
-                        <a:t>ab2:</a:t>
-                      </a:r>
-                      <a:r>
-                        <a:rPr lang="en-SG" sz="1800" u="sng" dirty="0"/>
-                        <a:t>AddressBook</a:t>
-                      </a:r>
-                      <a:endParaRPr lang="en-SG" u="sng" dirty="0"/>
-                    </a:p>
-                  </a:txBody>
-                  <a:tcPr/>
-                </a:tc>
-                <a:extLst>
-                  <a:ext uri="{0D108BD9-81ED-4DB2-BD59-A6C34878D82A}">
-                    <a16:rowId xmlns:a16="http://schemas.microsoft.com/office/drawing/2014/main" val="2194462629"/>
-                  </a:ext>
-                </a:extLst>
-              </a:tr>
-            </a:tbl>
-          </a:graphicData>
-        </a:graphic>
-      </p:graphicFrame>
-      <p:graphicFrame>
-        <p:nvGraphicFramePr>
-          <p:cNvPr id="21" name="Table 20">
-            <a:extLst>
-              <a:ext uri="{FF2B5EF4-FFF2-40B4-BE49-F238E27FC236}">
-                <a16:creationId xmlns:a16="http://schemas.microsoft.com/office/drawing/2014/main" id="{F545FAB8-F1CE-4886-9BDE-E772BCB0A9C4}"/>
-              </a:ext>
-            </a:extLst>
-          </p:cNvPr>
-          <p:cNvGraphicFramePr>
-            <a:graphicFrameLocks noGrp="1"/>
-          </p:cNvGraphicFramePr>
-          <p:nvPr>
-            <p:extLst>
-              <p:ext uri="{D42A27DB-BD31-4B8C-83A1-F6EECF244321}">
-                <p14:modId xmlns:p14="http://schemas.microsoft.com/office/powerpoint/2010/main" val="3880678430"/>
-              </p:ext>
-            </p:extLst>
-          </p:nvPr>
-        </p:nvGraphicFramePr>
-        <p:xfrm>
-          <a:off x="473240" y="3922133"/>
-          <a:ext cx="1825824" cy="417888"/>
-        </p:xfrm>
-        <a:graphic>
-          <a:graphicData uri="http://schemas.openxmlformats.org/drawingml/2006/table">
-            <a:tbl>
-              <a:tblPr>
-                <a:tableStyleId>{638B1855-1B75-4FBE-930C-398BA8C253C6}</a:tableStyleId>
-              </a:tblPr>
-              <a:tblGrid>
-                <a:gridCol w="1825824">
-                  <a:extLst>
-                    <a:ext uri="{9D8B030D-6E8A-4147-A177-3AD203B41FA5}">
-                      <a16:colId xmlns:a16="http://schemas.microsoft.com/office/drawing/2014/main" val="4240773277"/>
-                    </a:ext>
-                  </a:extLst>
-                </a:gridCol>
-              </a:tblGrid>
-              <a:tr h="417888">
-                <a:tc>
-                  <a:txBody>
-                    <a:bodyPr/>
-                    <a:lstStyle/>
-                    <a:p>
-                      <a:r>
-                        <a:rPr lang="en-SG" u="sng" dirty="0"/>
-                        <a:t>ab0:</a:t>
-                      </a:r>
-                      <a:r>
-                        <a:rPr lang="en-SG" sz="1800" u="sng" dirty="0"/>
-                        <a:t>AddressBook</a:t>
-                      </a:r>
-                      <a:endParaRPr lang="en-SG" u="sng" dirty="0"/>
-                    </a:p>
-                  </a:txBody>
-                  <a:tcPr/>
-                </a:tc>
-                <a:extLst>
-                  <a:ext uri="{0D108BD9-81ED-4DB2-BD59-A6C34878D82A}">
-                    <a16:rowId xmlns:a16="http://schemas.microsoft.com/office/drawing/2014/main" val="2194462629"/>
-                  </a:ext>
-                </a:extLst>
-              </a:tr>
-            </a:tbl>
-          </a:graphicData>
-        </a:graphic>
-      </p:graphicFrame>
-      <p:graphicFrame>
-        <p:nvGraphicFramePr>
-          <p:cNvPr id="22" name="Table 21">
-            <a:extLst>
-              <a:ext uri="{FF2B5EF4-FFF2-40B4-BE49-F238E27FC236}">
-                <a16:creationId xmlns:a16="http://schemas.microsoft.com/office/drawing/2014/main" id="{F545FAB8-F1CE-4886-9BDE-E772BCB0A9C4}"/>
-              </a:ext>
-            </a:extLst>
-          </p:cNvPr>
-          <p:cNvGraphicFramePr>
-            <a:graphicFrameLocks noGrp="1"/>
-          </p:cNvGraphicFramePr>
-          <p:nvPr>
-            <p:extLst>
-              <p:ext uri="{D42A27DB-BD31-4B8C-83A1-F6EECF244321}">
-                <p14:modId xmlns:p14="http://schemas.microsoft.com/office/powerpoint/2010/main" val="719723626"/>
-              </p:ext>
-            </p:extLst>
-          </p:nvPr>
-        </p:nvGraphicFramePr>
-        <p:xfrm>
-          <a:off x="2440458" y="3922133"/>
-          <a:ext cx="1825824" cy="417888"/>
-        </p:xfrm>
-        <a:graphic>
-          <a:graphicData uri="http://schemas.openxmlformats.org/drawingml/2006/table">
-            <a:tbl>
-              <a:tblPr>
-                <a:tableStyleId>{638B1855-1B75-4FBE-930C-398BA8C253C6}</a:tableStyleId>
-              </a:tblPr>
-              <a:tblGrid>
-                <a:gridCol w="1825824">
-                  <a:extLst>
-                    <a:ext uri="{9D8B030D-6E8A-4147-A177-3AD203B41FA5}">
-                      <a16:colId xmlns:a16="http://schemas.microsoft.com/office/drawing/2014/main" val="4240773277"/>
-                    </a:ext>
-                  </a:extLst>
-                </a:gridCol>
-              </a:tblGrid>
-              <a:tr h="417888">
-                <a:tc>
-                  <a:txBody>
-                    <a:bodyPr/>
-                    <a:lstStyle/>
-                    <a:p>
-                      <a:r>
-                        <a:rPr lang="en-SG" u="sng" dirty="0"/>
-                        <a:t>ab1:</a:t>
-                      </a:r>
-                      <a:r>
-                        <a:rPr lang="en-SG" sz="1800" u="sng" dirty="0"/>
-                        <a:t>AddressBook</a:t>
-                      </a:r>
-                      <a:endParaRPr lang="en-SG" u="sng" dirty="0"/>
-                    </a:p>
-                  </a:txBody>
-                  <a:tcPr/>
-                </a:tc>
-                <a:extLst>
-                  <a:ext uri="{0D108BD9-81ED-4DB2-BD59-A6C34878D82A}">
-                    <a16:rowId xmlns:a16="http://schemas.microsoft.com/office/drawing/2014/main" val="2194462629"/>
-                  </a:ext>
-                </a:extLst>
-              </a:tr>
-            </a:tbl>
-          </a:graphicData>
-        </a:graphic>
-      </p:graphicFrame>
-      <p:graphicFrame>
-        <p:nvGraphicFramePr>
-          <p:cNvPr id="23" name="Table 22">
-            <a:extLst>
-              <a:ext uri="{FF2B5EF4-FFF2-40B4-BE49-F238E27FC236}">
-                <a16:creationId xmlns:a16="http://schemas.microsoft.com/office/drawing/2014/main" id="{F545FAB8-F1CE-4886-9BDE-E772BCB0A9C4}"/>
-              </a:ext>
-            </a:extLst>
-          </p:cNvPr>
-          <p:cNvGraphicFramePr>
-            <a:graphicFrameLocks noGrp="1"/>
-          </p:cNvGraphicFramePr>
-          <p:nvPr>
-            <p:extLst>
-              <p:ext uri="{D42A27DB-BD31-4B8C-83A1-F6EECF244321}">
-                <p14:modId xmlns:p14="http://schemas.microsoft.com/office/powerpoint/2010/main" val="3592690620"/>
-              </p:ext>
-            </p:extLst>
-          </p:nvPr>
-        </p:nvGraphicFramePr>
-        <p:xfrm>
-          <a:off x="4409785" y="3922133"/>
-          <a:ext cx="1825824" cy="417888"/>
-        </p:xfrm>
-        <a:graphic>
-          <a:graphicData uri="http://schemas.openxmlformats.org/drawingml/2006/table">
-            <a:tbl>
-              <a:tblPr>
-                <a:tableStyleId>{638B1855-1B75-4FBE-930C-398BA8C253C6}</a:tableStyleId>
-              </a:tblPr>
-              <a:tblGrid>
-                <a:gridCol w="1825824">
-                  <a:extLst>
-                    <a:ext uri="{9D8B030D-6E8A-4147-A177-3AD203B41FA5}">
-                      <a16:colId xmlns:a16="http://schemas.microsoft.com/office/drawing/2014/main" val="4240773277"/>
-                    </a:ext>
-                  </a:extLst>
-                </a:gridCol>
-              </a:tblGrid>
-              <a:tr h="417888">
-                <a:tc>
-                  <a:txBody>
-                    <a:bodyPr/>
-                    <a:lstStyle/>
-                    <a:p>
-                      <a:r>
-                        <a:rPr lang="en-SG" u="sng" dirty="0"/>
-                        <a:t>ab2:</a:t>
-                      </a:r>
-                      <a:r>
-                        <a:rPr lang="en-SG" sz="1800" u="sng" dirty="0"/>
-                        <a:t>AddressBook</a:t>
-                      </a:r>
-                      <a:endParaRPr lang="en-SG" u="sng" dirty="0"/>
-                    </a:p>
-                  </a:txBody>
-                  <a:tcPr/>
-                </a:tc>
-                <a:extLst>
-                  <a:ext uri="{0D108BD9-81ED-4DB2-BD59-A6C34878D82A}">
-                    <a16:rowId xmlns:a16="http://schemas.microsoft.com/office/drawing/2014/main" val="2194462629"/>
-                  </a:ext>
-                </a:extLst>
-              </a:tr>
-            </a:tbl>
-          </a:graphicData>
-        </a:graphic>
-      </p:graphicFrame>
       <p:cxnSp>
         <p:nvCxnSpPr>
           <p:cNvPr id="19" name="Straight Arrow Connector 18">
@@ -4060,7 +3732,7 @@
         </p:nvCxnSpPr>
         <p:spPr>
           <a:xfrm flipV="1">
-            <a:off x="5377343" y="2019157"/>
+            <a:off x="3637320" y="2024818"/>
             <a:ext cx="0" cy="706873"/>
           </a:xfrm>
           <a:prstGeom prst="straightConnector1">
@@ -4104,7 +3776,7 @@
         </p:nvCxnSpPr>
         <p:spPr>
           <a:xfrm flipV="1">
-            <a:off x="3380763" y="4504888"/>
+            <a:off x="2377587" y="4504887"/>
             <a:ext cx="0" cy="730001"/>
           </a:xfrm>
           <a:prstGeom prst="straightConnector1">
@@ -4132,10 +3804,5911 @@
           </a:fontRef>
         </p:style>
       </p:cxnSp>
+      <p:graphicFrame>
+        <p:nvGraphicFramePr>
+          <p:cNvPr id="26" name="Table 25">
+            <a:extLst>
+              <a:ext uri="{FF2B5EF4-FFF2-40B4-BE49-F238E27FC236}">
+                <a16:creationId xmlns:a16="http://schemas.microsoft.com/office/drawing/2014/main" id="{E4DDA650-0931-409C-87F3-CA6D45311556}"/>
+              </a:ext>
+            </a:extLst>
+          </p:cNvPr>
+          <p:cNvGraphicFramePr>
+            <a:graphicFrameLocks noGrp="1"/>
+          </p:cNvGraphicFramePr>
+          <p:nvPr>
+            <p:extLst>
+              <p:ext uri="{D42A27DB-BD31-4B8C-83A1-F6EECF244321}">
+                <p14:modId xmlns:p14="http://schemas.microsoft.com/office/powerpoint/2010/main" val="5096377"/>
+              </p:ext>
+            </p:extLst>
+          </p:nvPr>
+        </p:nvGraphicFramePr>
+        <p:xfrm>
+          <a:off x="1768561" y="1476102"/>
+          <a:ext cx="1186878" cy="417888"/>
+        </p:xfrm>
+        <a:graphic>
+          <a:graphicData uri="http://schemas.openxmlformats.org/drawingml/2006/table">
+            <a:tbl>
+              <a:tblPr>
+                <a:tableStyleId>{638B1855-1B75-4FBE-930C-398BA8C253C6}</a:tableStyleId>
+              </a:tblPr>
+              <a:tblGrid>
+                <a:gridCol w="1186878">
+                  <a:extLst>
+                    <a:ext uri="{9D8B030D-6E8A-4147-A177-3AD203B41FA5}">
+                      <a16:colId xmlns:a16="http://schemas.microsoft.com/office/drawing/2014/main" val="4240773277"/>
+                    </a:ext>
+                  </a:extLst>
+                </a:gridCol>
+              </a:tblGrid>
+              <a:tr h="417888">
+                <a:tc>
+                  <a:txBody>
+                    <a:bodyPr/>
+                    <a:lstStyle/>
+                    <a:p>
+                      <a:r>
+                        <a:rPr lang="en-SG" u="sng" dirty="0"/>
+                        <a:t>p1:</a:t>
+                      </a:r>
+                      <a:r>
+                        <a:rPr lang="en-SG" sz="1800" u="sng" dirty="0"/>
+                        <a:t>Project</a:t>
+                      </a:r>
+                      <a:endParaRPr lang="en-SG" u="sng" dirty="0"/>
+                    </a:p>
+                  </a:txBody>
+                  <a:tcPr/>
+                </a:tc>
+                <a:extLst>
+                  <a:ext uri="{0D108BD9-81ED-4DB2-BD59-A6C34878D82A}">
+                    <a16:rowId xmlns:a16="http://schemas.microsoft.com/office/drawing/2014/main" val="2194462629"/>
+                  </a:ext>
+                </a:extLst>
+              </a:tr>
+            </a:tbl>
+          </a:graphicData>
+        </a:graphic>
+      </p:graphicFrame>
+      <p:graphicFrame>
+        <p:nvGraphicFramePr>
+          <p:cNvPr id="27" name="Table 26">
+            <a:extLst>
+              <a:ext uri="{FF2B5EF4-FFF2-40B4-BE49-F238E27FC236}">
+                <a16:creationId xmlns:a16="http://schemas.microsoft.com/office/drawing/2014/main" id="{17A0B057-3F21-4446-BD0E-32F13EFBC95C}"/>
+              </a:ext>
+            </a:extLst>
+          </p:cNvPr>
+          <p:cNvGraphicFramePr>
+            <a:graphicFrameLocks noGrp="1"/>
+          </p:cNvGraphicFramePr>
+          <p:nvPr>
+            <p:extLst>
+              <p:ext uri="{D42A27DB-BD31-4B8C-83A1-F6EECF244321}">
+                <p14:modId xmlns:p14="http://schemas.microsoft.com/office/powerpoint/2010/main" val="1579617229"/>
+              </p:ext>
+            </p:extLst>
+          </p:nvPr>
+        </p:nvGraphicFramePr>
+        <p:xfrm>
+          <a:off x="3063882" y="1476102"/>
+          <a:ext cx="1186878" cy="417888"/>
+        </p:xfrm>
+        <a:graphic>
+          <a:graphicData uri="http://schemas.openxmlformats.org/drawingml/2006/table">
+            <a:tbl>
+              <a:tblPr>
+                <a:tableStyleId>{638B1855-1B75-4FBE-930C-398BA8C253C6}</a:tableStyleId>
+              </a:tblPr>
+              <a:tblGrid>
+                <a:gridCol w="1186878">
+                  <a:extLst>
+                    <a:ext uri="{9D8B030D-6E8A-4147-A177-3AD203B41FA5}">
+                      <a16:colId xmlns:a16="http://schemas.microsoft.com/office/drawing/2014/main" val="4240773277"/>
+                    </a:ext>
+                  </a:extLst>
+                </a:gridCol>
+              </a:tblGrid>
+              <a:tr h="417888">
+                <a:tc>
+                  <a:txBody>
+                    <a:bodyPr/>
+                    <a:lstStyle/>
+                    <a:p>
+                      <a:r>
+                        <a:rPr lang="en-SG" u="sng" dirty="0"/>
+                        <a:t>p2:</a:t>
+                      </a:r>
+                      <a:r>
+                        <a:rPr lang="en-SG" sz="1800" u="sng" dirty="0"/>
+                        <a:t>Project</a:t>
+                      </a:r>
+                      <a:endParaRPr lang="en-SG" u="sng" dirty="0"/>
+                    </a:p>
+                  </a:txBody>
+                  <a:tcPr/>
+                </a:tc>
+                <a:extLst>
+                  <a:ext uri="{0D108BD9-81ED-4DB2-BD59-A6C34878D82A}">
+                    <a16:rowId xmlns:a16="http://schemas.microsoft.com/office/drawing/2014/main" val="2194462629"/>
+                  </a:ext>
+                </a:extLst>
+              </a:tr>
+            </a:tbl>
+          </a:graphicData>
+        </a:graphic>
+      </p:graphicFrame>
+      <p:graphicFrame>
+        <p:nvGraphicFramePr>
+          <p:cNvPr id="30" name="Table 29">
+            <a:extLst>
+              <a:ext uri="{FF2B5EF4-FFF2-40B4-BE49-F238E27FC236}">
+                <a16:creationId xmlns:a16="http://schemas.microsoft.com/office/drawing/2014/main" id="{4089FDB4-1B39-4FEE-B6E7-EE8A1BEE842F}"/>
+              </a:ext>
+            </a:extLst>
+          </p:cNvPr>
+          <p:cNvGraphicFramePr>
+            <a:graphicFrameLocks noGrp="1"/>
+          </p:cNvGraphicFramePr>
+          <p:nvPr>
+            <p:extLst>
+              <p:ext uri="{D42A27DB-BD31-4B8C-83A1-F6EECF244321}">
+                <p14:modId xmlns:p14="http://schemas.microsoft.com/office/powerpoint/2010/main" val="3693704304"/>
+              </p:ext>
+            </p:extLst>
+          </p:nvPr>
+        </p:nvGraphicFramePr>
+        <p:xfrm>
+          <a:off x="473240" y="3926613"/>
+          <a:ext cx="1186878" cy="417888"/>
+        </p:xfrm>
+        <a:graphic>
+          <a:graphicData uri="http://schemas.openxmlformats.org/drawingml/2006/table">
+            <a:tbl>
+              <a:tblPr>
+                <a:tableStyleId>{638B1855-1B75-4FBE-930C-398BA8C253C6}</a:tableStyleId>
+              </a:tblPr>
+              <a:tblGrid>
+                <a:gridCol w="1186878">
+                  <a:extLst>
+                    <a:ext uri="{9D8B030D-6E8A-4147-A177-3AD203B41FA5}">
+                      <a16:colId xmlns:a16="http://schemas.microsoft.com/office/drawing/2014/main" val="4240773277"/>
+                    </a:ext>
+                  </a:extLst>
+                </a:gridCol>
+              </a:tblGrid>
+              <a:tr h="417888">
+                <a:tc>
+                  <a:txBody>
+                    <a:bodyPr/>
+                    <a:lstStyle/>
+                    <a:p>
+                      <a:r>
+                        <a:rPr lang="en-SG" u="sng" dirty="0"/>
+                        <a:t>p0:</a:t>
+                      </a:r>
+                      <a:r>
+                        <a:rPr lang="en-SG" sz="1800" u="sng" dirty="0"/>
+                        <a:t>Project</a:t>
+                      </a:r>
+                      <a:endParaRPr lang="en-SG" u="sng" dirty="0"/>
+                    </a:p>
+                  </a:txBody>
+                  <a:tcPr/>
+                </a:tc>
+                <a:extLst>
+                  <a:ext uri="{0D108BD9-81ED-4DB2-BD59-A6C34878D82A}">
+                    <a16:rowId xmlns:a16="http://schemas.microsoft.com/office/drawing/2014/main" val="2194462629"/>
+                  </a:ext>
+                </a:extLst>
+              </a:tr>
+            </a:tbl>
+          </a:graphicData>
+        </a:graphic>
+      </p:graphicFrame>
+      <p:graphicFrame>
+        <p:nvGraphicFramePr>
+          <p:cNvPr id="31" name="Table 30">
+            <a:extLst>
+              <a:ext uri="{FF2B5EF4-FFF2-40B4-BE49-F238E27FC236}">
+                <a16:creationId xmlns:a16="http://schemas.microsoft.com/office/drawing/2014/main" id="{F7EDE3CF-C161-4F2F-96CD-621232DBA495}"/>
+              </a:ext>
+            </a:extLst>
+          </p:cNvPr>
+          <p:cNvGraphicFramePr>
+            <a:graphicFrameLocks noGrp="1"/>
+          </p:cNvGraphicFramePr>
+          <p:nvPr>
+            <p:extLst>
+              <p:ext uri="{D42A27DB-BD31-4B8C-83A1-F6EECF244321}">
+                <p14:modId xmlns:p14="http://schemas.microsoft.com/office/powerpoint/2010/main" val="2410992250"/>
+              </p:ext>
+            </p:extLst>
+          </p:nvPr>
+        </p:nvGraphicFramePr>
+        <p:xfrm>
+          <a:off x="1768561" y="3926613"/>
+          <a:ext cx="1186878" cy="417888"/>
+        </p:xfrm>
+        <a:graphic>
+          <a:graphicData uri="http://schemas.openxmlformats.org/drawingml/2006/table">
+            <a:tbl>
+              <a:tblPr>
+                <a:tableStyleId>{638B1855-1B75-4FBE-930C-398BA8C253C6}</a:tableStyleId>
+              </a:tblPr>
+              <a:tblGrid>
+                <a:gridCol w="1186878">
+                  <a:extLst>
+                    <a:ext uri="{9D8B030D-6E8A-4147-A177-3AD203B41FA5}">
+                      <a16:colId xmlns:a16="http://schemas.microsoft.com/office/drawing/2014/main" val="4240773277"/>
+                    </a:ext>
+                  </a:extLst>
+                </a:gridCol>
+              </a:tblGrid>
+              <a:tr h="417888">
+                <a:tc>
+                  <a:txBody>
+                    <a:bodyPr/>
+                    <a:lstStyle/>
+                    <a:p>
+                      <a:r>
+                        <a:rPr lang="en-SG" u="sng" dirty="0"/>
+                        <a:t>p1:</a:t>
+                      </a:r>
+                      <a:r>
+                        <a:rPr lang="en-SG" sz="1800" u="sng" dirty="0"/>
+                        <a:t>Project</a:t>
+                      </a:r>
+                      <a:endParaRPr lang="en-SG" u="sng" dirty="0"/>
+                    </a:p>
+                  </a:txBody>
+                  <a:tcPr/>
+                </a:tc>
+                <a:extLst>
+                  <a:ext uri="{0D108BD9-81ED-4DB2-BD59-A6C34878D82A}">
+                    <a16:rowId xmlns:a16="http://schemas.microsoft.com/office/drawing/2014/main" val="2194462629"/>
+                  </a:ext>
+                </a:extLst>
+              </a:tr>
+            </a:tbl>
+          </a:graphicData>
+        </a:graphic>
+      </p:graphicFrame>
+      <p:graphicFrame>
+        <p:nvGraphicFramePr>
+          <p:cNvPr id="32" name="Table 31">
+            <a:extLst>
+              <a:ext uri="{FF2B5EF4-FFF2-40B4-BE49-F238E27FC236}">
+                <a16:creationId xmlns:a16="http://schemas.microsoft.com/office/drawing/2014/main" id="{EF8E0456-37FF-43F2-B84A-10D9E45B8CB2}"/>
+              </a:ext>
+            </a:extLst>
+          </p:cNvPr>
+          <p:cNvGraphicFramePr>
+            <a:graphicFrameLocks noGrp="1"/>
+          </p:cNvGraphicFramePr>
+          <p:nvPr>
+            <p:extLst>
+              <p:ext uri="{D42A27DB-BD31-4B8C-83A1-F6EECF244321}">
+                <p14:modId xmlns:p14="http://schemas.microsoft.com/office/powerpoint/2010/main" val="1809717179"/>
+              </p:ext>
+            </p:extLst>
+          </p:nvPr>
+        </p:nvGraphicFramePr>
+        <p:xfrm>
+          <a:off x="3063882" y="3926613"/>
+          <a:ext cx="1186878" cy="417888"/>
+        </p:xfrm>
+        <a:graphic>
+          <a:graphicData uri="http://schemas.openxmlformats.org/drawingml/2006/table">
+            <a:tbl>
+              <a:tblPr>
+                <a:tableStyleId>{638B1855-1B75-4FBE-930C-398BA8C253C6}</a:tableStyleId>
+              </a:tblPr>
+              <a:tblGrid>
+                <a:gridCol w="1186878">
+                  <a:extLst>
+                    <a:ext uri="{9D8B030D-6E8A-4147-A177-3AD203B41FA5}">
+                      <a16:colId xmlns:a16="http://schemas.microsoft.com/office/drawing/2014/main" val="4240773277"/>
+                    </a:ext>
+                  </a:extLst>
+                </a:gridCol>
+              </a:tblGrid>
+              <a:tr h="417888">
+                <a:tc>
+                  <a:txBody>
+                    <a:bodyPr/>
+                    <a:lstStyle/>
+                    <a:p>
+                      <a:r>
+                        <a:rPr lang="en-SG" u="sng" dirty="0"/>
+                        <a:t>p2:</a:t>
+                      </a:r>
+                      <a:r>
+                        <a:rPr lang="en-SG" sz="1800" u="sng" dirty="0"/>
+                        <a:t>Project</a:t>
+                      </a:r>
+                      <a:endParaRPr lang="en-SG" u="sng" dirty="0"/>
+                    </a:p>
+                  </a:txBody>
+                  <a:tcPr/>
+                </a:tc>
+                <a:extLst>
+                  <a:ext uri="{0D108BD9-81ED-4DB2-BD59-A6C34878D82A}">
+                    <a16:rowId xmlns:a16="http://schemas.microsoft.com/office/drawing/2014/main" val="2194462629"/>
+                  </a:ext>
+                </a:extLst>
+              </a:tr>
+            </a:tbl>
+          </a:graphicData>
+        </a:graphic>
+      </p:graphicFrame>
     </p:spTree>
     <p:extLst>
       <p:ext uri="{BB962C8B-B14F-4D97-AF65-F5344CB8AC3E}">
         <p14:creationId xmlns:p14="http://schemas.microsoft.com/office/powerpoint/2010/main" val="3338945851"/>
+      </p:ext>
+    </p:extLst>
+  </p:cSld>
+  <p:clrMapOvr>
+    <a:masterClrMapping/>
+  </p:clrMapOvr>
+</p:sld>
+</file>
+
+<file path=ppt/slides/slide2.xml><?xml version="1.0" encoding="utf-8"?>
+<p:sld xmlns:a="http://schemas.openxmlformats.org/drawingml/2006/main" xmlns:r="http://schemas.openxmlformats.org/officeDocument/2006/relationships" xmlns:p="http://schemas.openxmlformats.org/presentationml/2006/main">
+  <p:cSld>
+    <p:spTree>
+      <p:nvGrpSpPr>
+        <p:cNvPr id="1" name=""/>
+        <p:cNvGrpSpPr/>
+        <p:nvPr/>
+      </p:nvGrpSpPr>
+      <p:grpSpPr>
+        <a:xfrm>
+          <a:off x="0" y="0"/>
+          <a:ext cx="0" cy="0"/>
+          <a:chOff x="0" y="0"/>
+          <a:chExt cx="0" cy="0"/>
+        </a:xfrm>
+      </p:grpSpPr>
+      <p:graphicFrame>
+        <p:nvGraphicFramePr>
+          <p:cNvPr id="18" name="Table 17">
+            <a:extLst>
+              <a:ext uri="{FF2B5EF4-FFF2-40B4-BE49-F238E27FC236}">
+                <a16:creationId xmlns:a16="http://schemas.microsoft.com/office/drawing/2014/main" id="{F545FAB8-F1CE-4886-9BDE-E772BCB0A9C4}"/>
+              </a:ext>
+            </a:extLst>
+          </p:cNvPr>
+          <p:cNvGraphicFramePr>
+            <a:graphicFrameLocks noGrp="1"/>
+          </p:cNvGraphicFramePr>
+          <p:nvPr>
+            <p:extLst>
+              <p:ext uri="{D42A27DB-BD31-4B8C-83A1-F6EECF244321}">
+                <p14:modId xmlns:p14="http://schemas.microsoft.com/office/powerpoint/2010/main" val="1483159432"/>
+              </p:ext>
+            </p:extLst>
+          </p:nvPr>
+        </p:nvGraphicFramePr>
+        <p:xfrm>
+          <a:off x="2405735" y="667042"/>
+          <a:ext cx="1823715" cy="417888"/>
+        </p:xfrm>
+        <a:graphic>
+          <a:graphicData uri="http://schemas.openxmlformats.org/drawingml/2006/table">
+            <a:tbl>
+              <a:tblPr>
+                <a:tableStyleId>{638B1855-1B75-4FBE-930C-398BA8C253C6}</a:tableStyleId>
+              </a:tblPr>
+              <a:tblGrid>
+                <a:gridCol w="1823715">
+                  <a:extLst>
+                    <a:ext uri="{9D8B030D-6E8A-4147-A177-3AD203B41FA5}">
+                      <a16:colId xmlns:a16="http://schemas.microsoft.com/office/drawing/2014/main" val="4240773277"/>
+                    </a:ext>
+                  </a:extLst>
+                </a:gridCol>
+              </a:tblGrid>
+              <a:tr h="417888">
+                <a:tc>
+                  <a:txBody>
+                    <a:bodyPr/>
+                    <a:lstStyle/>
+                    <a:p>
+                      <a:r>
+                        <a:rPr lang="en-SG" u="sng" dirty="0"/>
+                        <a:t>p0:Project</a:t>
+                      </a:r>
+                    </a:p>
+                  </a:txBody>
+                  <a:tcPr/>
+                </a:tc>
+                <a:extLst>
+                  <a:ext uri="{0D108BD9-81ED-4DB2-BD59-A6C34878D82A}">
+                    <a16:rowId xmlns:a16="http://schemas.microsoft.com/office/drawing/2014/main" val="2194462629"/>
+                  </a:ext>
+                </a:extLst>
+              </a:tr>
+            </a:tbl>
+          </a:graphicData>
+        </a:graphic>
+      </p:graphicFrame>
+      <p:sp>
+        <p:nvSpPr>
+          <p:cNvPr id="28" name="Rectangle 27"/>
+          <p:cNvSpPr/>
+          <p:nvPr/>
+        </p:nvSpPr>
+        <p:spPr>
+          <a:xfrm>
+            <a:off x="2297292" y="566893"/>
+            <a:ext cx="7930791" cy="618187"/>
+          </a:xfrm>
+          <a:prstGeom prst="rect">
+            <a:avLst/>
+          </a:prstGeom>
+          <a:noFill/>
+          <a:ln>
+            <a:solidFill>
+              <a:schemeClr val="tx1"/>
+            </a:solidFill>
+          </a:ln>
+        </p:spPr>
+        <p:style>
+          <a:lnRef idx="2">
+            <a:schemeClr val="accent1">
+              <a:shade val="50000"/>
+            </a:schemeClr>
+          </a:lnRef>
+          <a:fillRef idx="1">
+            <a:schemeClr val="accent1"/>
+          </a:fillRef>
+          <a:effectRef idx="0">
+            <a:schemeClr val="accent1"/>
+          </a:effectRef>
+          <a:fontRef idx="minor">
+            <a:schemeClr val="lt1"/>
+          </a:fontRef>
+        </p:style>
+        <p:txBody>
+          <a:bodyPr rtlCol="0" anchor="ctr"/>
+          <a:lstStyle/>
+          <a:p>
+            <a:pPr algn="ctr"/>
+            <a:endParaRPr lang="en-US"/>
+          </a:p>
+        </p:txBody>
+      </p:sp>
+      <p:graphicFrame>
+        <p:nvGraphicFramePr>
+          <p:cNvPr id="16" name="Table 15">
+            <a:extLst>
+              <a:ext uri="{FF2B5EF4-FFF2-40B4-BE49-F238E27FC236}">
+                <a16:creationId xmlns:a16="http://schemas.microsoft.com/office/drawing/2014/main" id="{F545FAB8-F1CE-4886-9BDE-E772BCB0A9C4}"/>
+              </a:ext>
+            </a:extLst>
+          </p:cNvPr>
+          <p:cNvGraphicFramePr>
+            <a:graphicFrameLocks noGrp="1"/>
+          </p:cNvGraphicFramePr>
+          <p:nvPr>
+            <p:extLst>
+              <p:ext uri="{D42A27DB-BD31-4B8C-83A1-F6EECF244321}">
+                <p14:modId xmlns:p14="http://schemas.microsoft.com/office/powerpoint/2010/main" val="407585320"/>
+              </p:ext>
+            </p:extLst>
+          </p:nvPr>
+        </p:nvGraphicFramePr>
+        <p:xfrm>
+          <a:off x="4372953" y="667042"/>
+          <a:ext cx="1825824" cy="417888"/>
+        </p:xfrm>
+        <a:graphic>
+          <a:graphicData uri="http://schemas.openxmlformats.org/drawingml/2006/table">
+            <a:tbl>
+              <a:tblPr>
+                <a:tableStyleId>{638B1855-1B75-4FBE-930C-398BA8C253C6}</a:tableStyleId>
+              </a:tblPr>
+              <a:tblGrid>
+                <a:gridCol w="1825824">
+                  <a:extLst>
+                    <a:ext uri="{9D8B030D-6E8A-4147-A177-3AD203B41FA5}">
+                      <a16:colId xmlns:a16="http://schemas.microsoft.com/office/drawing/2014/main" val="4240773277"/>
+                    </a:ext>
+                  </a:extLst>
+                </a:gridCol>
+              </a:tblGrid>
+              <a:tr h="417888">
+                <a:tc>
+                  <a:txBody>
+                    <a:bodyPr/>
+                    <a:lstStyle/>
+                    <a:p>
+                      <a:r>
+                        <a:rPr lang="en-SG" u="sng" dirty="0"/>
+                        <a:t>p1:Project</a:t>
+                      </a:r>
+                    </a:p>
+                  </a:txBody>
+                  <a:tcPr/>
+                </a:tc>
+                <a:extLst>
+                  <a:ext uri="{0D108BD9-81ED-4DB2-BD59-A6C34878D82A}">
+                    <a16:rowId xmlns:a16="http://schemas.microsoft.com/office/drawing/2014/main" val="2194462629"/>
+                  </a:ext>
+                </a:extLst>
+              </a:tr>
+            </a:tbl>
+          </a:graphicData>
+        </a:graphic>
+      </p:graphicFrame>
+      <p:graphicFrame>
+        <p:nvGraphicFramePr>
+          <p:cNvPr id="20" name="Table 19">
+            <a:extLst>
+              <a:ext uri="{FF2B5EF4-FFF2-40B4-BE49-F238E27FC236}">
+                <a16:creationId xmlns:a16="http://schemas.microsoft.com/office/drawing/2014/main" id="{F545FAB8-F1CE-4886-9BDE-E772BCB0A9C4}"/>
+              </a:ext>
+            </a:extLst>
+          </p:cNvPr>
+          <p:cNvGraphicFramePr>
+            <a:graphicFrameLocks noGrp="1"/>
+          </p:cNvGraphicFramePr>
+          <p:nvPr>
+            <p:extLst>
+              <p:ext uri="{D42A27DB-BD31-4B8C-83A1-F6EECF244321}">
+                <p14:modId xmlns:p14="http://schemas.microsoft.com/office/powerpoint/2010/main" val="3094174370"/>
+              </p:ext>
+            </p:extLst>
+          </p:nvPr>
+        </p:nvGraphicFramePr>
+        <p:xfrm>
+          <a:off x="6342280" y="667042"/>
+          <a:ext cx="1825824" cy="417888"/>
+        </p:xfrm>
+        <a:graphic>
+          <a:graphicData uri="http://schemas.openxmlformats.org/drawingml/2006/table">
+            <a:tbl>
+              <a:tblPr>
+                <a:tableStyleId>{638B1855-1B75-4FBE-930C-398BA8C253C6}</a:tableStyleId>
+              </a:tblPr>
+              <a:tblGrid>
+                <a:gridCol w="1825824">
+                  <a:extLst>
+                    <a:ext uri="{9D8B030D-6E8A-4147-A177-3AD203B41FA5}">
+                      <a16:colId xmlns:a16="http://schemas.microsoft.com/office/drawing/2014/main" val="4240773277"/>
+                    </a:ext>
+                  </a:extLst>
+                </a:gridCol>
+              </a:tblGrid>
+              <a:tr h="417888">
+                <a:tc>
+                  <a:txBody>
+                    <a:bodyPr/>
+                    <a:lstStyle/>
+                    <a:p>
+                      <a:r>
+                        <a:rPr lang="en-SG" u="sng" dirty="0"/>
+                        <a:t>p2:Project</a:t>
+                      </a:r>
+                    </a:p>
+                  </a:txBody>
+                  <a:tcPr/>
+                </a:tc>
+                <a:extLst>
+                  <a:ext uri="{0D108BD9-81ED-4DB2-BD59-A6C34878D82A}">
+                    <a16:rowId xmlns:a16="http://schemas.microsoft.com/office/drawing/2014/main" val="2194462629"/>
+                  </a:ext>
+                </a:extLst>
+              </a:tr>
+            </a:tbl>
+          </a:graphicData>
+        </a:graphic>
+      </p:graphicFrame>
+      <p:graphicFrame>
+        <p:nvGraphicFramePr>
+          <p:cNvPr id="26" name="Table 25">
+            <a:extLst>
+              <a:ext uri="{FF2B5EF4-FFF2-40B4-BE49-F238E27FC236}">
+                <a16:creationId xmlns:a16="http://schemas.microsoft.com/office/drawing/2014/main" id="{056A5A43-1A9F-470B-95BD-A2ABE31B0B64}"/>
+              </a:ext>
+            </a:extLst>
+          </p:cNvPr>
+          <p:cNvGraphicFramePr>
+            <a:graphicFrameLocks noGrp="1"/>
+          </p:cNvGraphicFramePr>
+          <p:nvPr>
+            <p:extLst>
+              <p:ext uri="{D42A27DB-BD31-4B8C-83A1-F6EECF244321}">
+                <p14:modId xmlns:p14="http://schemas.microsoft.com/office/powerpoint/2010/main" val="3452049051"/>
+              </p:ext>
+            </p:extLst>
+          </p:nvPr>
+        </p:nvGraphicFramePr>
+        <p:xfrm>
+          <a:off x="2405735" y="1249718"/>
+          <a:ext cx="1823715" cy="1432560"/>
+        </p:xfrm>
+        <a:graphic>
+          <a:graphicData uri="http://schemas.openxmlformats.org/drawingml/2006/table">
+            <a:tbl>
+              <a:tblPr>
+                <a:tableStyleId>{638B1855-1B75-4FBE-930C-398BA8C253C6}</a:tableStyleId>
+              </a:tblPr>
+              <a:tblGrid>
+                <a:gridCol w="1823715">
+                  <a:extLst>
+                    <a:ext uri="{9D8B030D-6E8A-4147-A177-3AD203B41FA5}">
+                      <a16:colId xmlns:a16="http://schemas.microsoft.com/office/drawing/2014/main" val="4240773277"/>
+                    </a:ext>
+                  </a:extLst>
+                </a:gridCol>
+              </a:tblGrid>
+              <a:tr h="272961">
+                <a:tc>
+                  <a:txBody>
+                    <a:bodyPr/>
+                    <a:lstStyle/>
+                    <a:p>
+                      <a:r>
+                        <a:rPr lang="en-SG" b="1" u="none" dirty="0">
+                          <a:solidFill>
+                            <a:schemeClr val="tx1"/>
+                          </a:solidFill>
+                        </a:rPr>
+                        <a:t>Task</a:t>
+                      </a:r>
+                    </a:p>
+                  </a:txBody>
+                  <a:tcPr/>
+                </a:tc>
+                <a:extLst>
+                  <a:ext uri="{0D108BD9-81ED-4DB2-BD59-A6C34878D82A}">
+                    <a16:rowId xmlns:a16="http://schemas.microsoft.com/office/drawing/2014/main" val="2194462629"/>
+                  </a:ext>
+                </a:extLst>
+              </a:tr>
+              <a:tr h="881977">
+                <a:tc>
+                  <a:txBody>
+                    <a:bodyPr/>
+                    <a:lstStyle/>
+                    <a:p>
+                      <a:r>
+                        <a:rPr lang="en-SG" sz="1600" i="0" u="none" dirty="0">
+                          <a:solidFill>
+                            <a:schemeClr val="tx1"/>
+                          </a:solidFill>
+                        </a:rPr>
+                        <a:t>name:</a:t>
+                      </a:r>
+                    </a:p>
+                    <a:p>
+                      <a:r>
+                        <a:rPr lang="en-SG" sz="1600" i="0" u="none" dirty="0">
+                          <a:solidFill>
+                            <a:schemeClr val="tx1"/>
+                          </a:solidFill>
+                        </a:rPr>
+                        <a:t>description:</a:t>
+                      </a:r>
+                    </a:p>
+                    <a:p>
+                      <a:r>
+                        <a:rPr lang="en-SG" sz="1600" i="0" u="none" dirty="0">
+                          <a:solidFill>
+                            <a:schemeClr val="tx1"/>
+                          </a:solidFill>
+                        </a:rPr>
+                        <a:t>deadline:</a:t>
+                      </a:r>
+                    </a:p>
+                    <a:p>
+                      <a:r>
+                        <a:rPr lang="en-SG" sz="1600" i="0" u="none" dirty="0" err="1">
+                          <a:solidFill>
+                            <a:schemeClr val="tx1"/>
+                          </a:solidFill>
+                        </a:rPr>
+                        <a:t>taskId</a:t>
+                      </a:r>
+                      <a:r>
+                        <a:rPr lang="en-SG" sz="1600" i="0" u="none" dirty="0">
+                          <a:solidFill>
+                            <a:schemeClr val="tx1"/>
+                          </a:solidFill>
+                        </a:rPr>
+                        <a:t>: 6789</a:t>
+                      </a:r>
+                    </a:p>
+                  </a:txBody>
+                  <a:tcPr>
+                    <a:solidFill>
+                      <a:srgbClr val="92D050"/>
+                    </a:solidFill>
+                  </a:tcPr>
+                </a:tc>
+                <a:extLst>
+                  <a:ext uri="{0D108BD9-81ED-4DB2-BD59-A6C34878D82A}">
+                    <a16:rowId xmlns:a16="http://schemas.microsoft.com/office/drawing/2014/main" val="412482737"/>
+                  </a:ext>
+                </a:extLst>
+              </a:tr>
+            </a:tbl>
+          </a:graphicData>
+        </a:graphic>
+      </p:graphicFrame>
+      <p:graphicFrame>
+        <p:nvGraphicFramePr>
+          <p:cNvPr id="30" name="Table 29">
+            <a:extLst>
+              <a:ext uri="{FF2B5EF4-FFF2-40B4-BE49-F238E27FC236}">
+                <a16:creationId xmlns:a16="http://schemas.microsoft.com/office/drawing/2014/main" id="{60C4F9F2-1E40-4FFB-B47B-892E58D9EF27}"/>
+              </a:ext>
+            </a:extLst>
+          </p:cNvPr>
+          <p:cNvGraphicFramePr>
+            <a:graphicFrameLocks noGrp="1"/>
+          </p:cNvGraphicFramePr>
+          <p:nvPr>
+            <p:extLst>
+              <p:ext uri="{D42A27DB-BD31-4B8C-83A1-F6EECF244321}">
+                <p14:modId xmlns:p14="http://schemas.microsoft.com/office/powerpoint/2010/main" val="1306532608"/>
+              </p:ext>
+            </p:extLst>
+          </p:nvPr>
+        </p:nvGraphicFramePr>
+        <p:xfrm>
+          <a:off x="2405734" y="2830914"/>
+          <a:ext cx="1823715" cy="1432560"/>
+        </p:xfrm>
+        <a:graphic>
+          <a:graphicData uri="http://schemas.openxmlformats.org/drawingml/2006/table">
+            <a:tbl>
+              <a:tblPr>
+                <a:tableStyleId>{638B1855-1B75-4FBE-930C-398BA8C253C6}</a:tableStyleId>
+              </a:tblPr>
+              <a:tblGrid>
+                <a:gridCol w="1823715">
+                  <a:extLst>
+                    <a:ext uri="{9D8B030D-6E8A-4147-A177-3AD203B41FA5}">
+                      <a16:colId xmlns:a16="http://schemas.microsoft.com/office/drawing/2014/main" val="4240773277"/>
+                    </a:ext>
+                  </a:extLst>
+                </a:gridCol>
+              </a:tblGrid>
+              <a:tr h="272961">
+                <a:tc>
+                  <a:txBody>
+                    <a:bodyPr/>
+                    <a:lstStyle/>
+                    <a:p>
+                      <a:r>
+                        <a:rPr lang="en-SG" b="1" u="none" dirty="0">
+                          <a:solidFill>
+                            <a:schemeClr val="tx1"/>
+                          </a:solidFill>
+                        </a:rPr>
+                        <a:t>Task</a:t>
+                      </a:r>
+                    </a:p>
+                  </a:txBody>
+                  <a:tcPr/>
+                </a:tc>
+                <a:extLst>
+                  <a:ext uri="{0D108BD9-81ED-4DB2-BD59-A6C34878D82A}">
+                    <a16:rowId xmlns:a16="http://schemas.microsoft.com/office/drawing/2014/main" val="2194462629"/>
+                  </a:ext>
+                </a:extLst>
+              </a:tr>
+              <a:tr h="881977">
+                <a:tc>
+                  <a:txBody>
+                    <a:bodyPr/>
+                    <a:lstStyle/>
+                    <a:p>
+                      <a:r>
+                        <a:rPr lang="en-SG" sz="1600" i="0" u="none" dirty="0">
+                          <a:solidFill>
+                            <a:schemeClr val="tx1"/>
+                          </a:solidFill>
+                        </a:rPr>
+                        <a:t>name: </a:t>
+                      </a:r>
+                      <a:r>
+                        <a:rPr lang="en-SG" sz="1600" i="0" u="none" dirty="0">
+                          <a:solidFill>
+                            <a:srgbClr val="FF0000"/>
+                          </a:solidFill>
+                        </a:rPr>
+                        <a:t>B</a:t>
+                      </a:r>
+                    </a:p>
+                    <a:p>
+                      <a:r>
+                        <a:rPr lang="en-SG" sz="1600" i="0" u="none" dirty="0">
+                          <a:solidFill>
+                            <a:schemeClr val="tx1"/>
+                          </a:solidFill>
+                        </a:rPr>
+                        <a:t>description:</a:t>
+                      </a:r>
+                    </a:p>
+                    <a:p>
+                      <a:r>
+                        <a:rPr lang="en-SG" sz="1600" i="0" u="none" dirty="0">
+                          <a:solidFill>
+                            <a:schemeClr val="tx1"/>
+                          </a:solidFill>
+                        </a:rPr>
+                        <a:t>deadline:</a:t>
+                      </a:r>
+                    </a:p>
+                    <a:p>
+                      <a:r>
+                        <a:rPr lang="en-SG" sz="1600" i="0" u="none" dirty="0" err="1">
+                          <a:solidFill>
+                            <a:schemeClr val="tx1"/>
+                          </a:solidFill>
+                        </a:rPr>
+                        <a:t>taskId</a:t>
+                      </a:r>
+                      <a:r>
+                        <a:rPr lang="en-SG" sz="1600" i="0" u="none" dirty="0">
+                          <a:solidFill>
+                            <a:schemeClr val="tx1"/>
+                          </a:solidFill>
+                        </a:rPr>
+                        <a:t>: </a:t>
+                      </a:r>
+                      <a:r>
+                        <a:rPr lang="en-SG" sz="1600" i="0" u="none" dirty="0">
+                          <a:solidFill>
+                            <a:srgbClr val="FF0000"/>
+                          </a:solidFill>
+                        </a:rPr>
+                        <a:t>12345</a:t>
+                      </a:r>
+                    </a:p>
+                  </a:txBody>
+                  <a:tcPr>
+                    <a:solidFill>
+                      <a:srgbClr val="92D050"/>
+                    </a:solidFill>
+                  </a:tcPr>
+                </a:tc>
+                <a:extLst>
+                  <a:ext uri="{0D108BD9-81ED-4DB2-BD59-A6C34878D82A}">
+                    <a16:rowId xmlns:a16="http://schemas.microsoft.com/office/drawing/2014/main" val="412482737"/>
+                  </a:ext>
+                </a:extLst>
+              </a:tr>
+            </a:tbl>
+          </a:graphicData>
+        </a:graphic>
+      </p:graphicFrame>
+      <p:graphicFrame>
+        <p:nvGraphicFramePr>
+          <p:cNvPr id="31" name="Table 30">
+            <a:extLst>
+              <a:ext uri="{FF2B5EF4-FFF2-40B4-BE49-F238E27FC236}">
+                <a16:creationId xmlns:a16="http://schemas.microsoft.com/office/drawing/2014/main" id="{8A363143-239B-4B7D-95FE-5809A578BB0D}"/>
+              </a:ext>
+            </a:extLst>
+          </p:cNvPr>
+          <p:cNvGraphicFramePr>
+            <a:graphicFrameLocks noGrp="1"/>
+          </p:cNvGraphicFramePr>
+          <p:nvPr>
+            <p:extLst>
+              <p:ext uri="{D42A27DB-BD31-4B8C-83A1-F6EECF244321}">
+                <p14:modId xmlns:p14="http://schemas.microsoft.com/office/powerpoint/2010/main" val="33814719"/>
+              </p:ext>
+            </p:extLst>
+          </p:nvPr>
+        </p:nvGraphicFramePr>
+        <p:xfrm>
+          <a:off x="4375062" y="1249718"/>
+          <a:ext cx="1823715" cy="1432560"/>
+        </p:xfrm>
+        <a:graphic>
+          <a:graphicData uri="http://schemas.openxmlformats.org/drawingml/2006/table">
+            <a:tbl>
+              <a:tblPr>
+                <a:tableStyleId>{638B1855-1B75-4FBE-930C-398BA8C253C6}</a:tableStyleId>
+              </a:tblPr>
+              <a:tblGrid>
+                <a:gridCol w="1823715">
+                  <a:extLst>
+                    <a:ext uri="{9D8B030D-6E8A-4147-A177-3AD203B41FA5}">
+                      <a16:colId xmlns:a16="http://schemas.microsoft.com/office/drawing/2014/main" val="4240773277"/>
+                    </a:ext>
+                  </a:extLst>
+                </a:gridCol>
+              </a:tblGrid>
+              <a:tr h="272961">
+                <a:tc>
+                  <a:txBody>
+                    <a:bodyPr/>
+                    <a:lstStyle/>
+                    <a:p>
+                      <a:r>
+                        <a:rPr lang="en-SG" b="1" u="none" dirty="0">
+                          <a:solidFill>
+                            <a:schemeClr val="tx1"/>
+                          </a:solidFill>
+                        </a:rPr>
+                        <a:t>Task</a:t>
+                      </a:r>
+                    </a:p>
+                  </a:txBody>
+                  <a:tcPr/>
+                </a:tc>
+                <a:extLst>
+                  <a:ext uri="{0D108BD9-81ED-4DB2-BD59-A6C34878D82A}">
+                    <a16:rowId xmlns:a16="http://schemas.microsoft.com/office/drawing/2014/main" val="2194462629"/>
+                  </a:ext>
+                </a:extLst>
+              </a:tr>
+              <a:tr h="881977">
+                <a:tc>
+                  <a:txBody>
+                    <a:bodyPr/>
+                    <a:lstStyle/>
+                    <a:p>
+                      <a:r>
+                        <a:rPr lang="en-SG" sz="1600" i="0" u="none" dirty="0">
+                          <a:solidFill>
+                            <a:schemeClr val="tx1"/>
+                          </a:solidFill>
+                        </a:rPr>
+                        <a:t>name:</a:t>
+                      </a:r>
+                    </a:p>
+                    <a:p>
+                      <a:r>
+                        <a:rPr lang="en-SG" sz="1600" i="0" u="none" dirty="0">
+                          <a:solidFill>
+                            <a:schemeClr val="tx1"/>
+                          </a:solidFill>
+                        </a:rPr>
+                        <a:t>description:</a:t>
+                      </a:r>
+                    </a:p>
+                    <a:p>
+                      <a:r>
+                        <a:rPr lang="en-SG" sz="1600" i="0" u="none" dirty="0">
+                          <a:solidFill>
+                            <a:schemeClr val="tx1"/>
+                          </a:solidFill>
+                        </a:rPr>
+                        <a:t>deadline:</a:t>
+                      </a:r>
+                    </a:p>
+                    <a:p>
+                      <a:r>
+                        <a:rPr lang="en-SG" sz="1600" i="0" u="none" dirty="0" err="1">
+                          <a:solidFill>
+                            <a:schemeClr val="tx1"/>
+                          </a:solidFill>
+                        </a:rPr>
+                        <a:t>taskId</a:t>
+                      </a:r>
+                      <a:r>
+                        <a:rPr lang="en-SG" sz="1600" i="0" u="none" dirty="0">
+                          <a:solidFill>
+                            <a:schemeClr val="tx1"/>
+                          </a:solidFill>
+                        </a:rPr>
+                        <a:t>: 6789</a:t>
+                      </a:r>
+                    </a:p>
+                  </a:txBody>
+                  <a:tcPr>
+                    <a:solidFill>
+                      <a:srgbClr val="92D050"/>
+                    </a:solidFill>
+                  </a:tcPr>
+                </a:tc>
+                <a:extLst>
+                  <a:ext uri="{0D108BD9-81ED-4DB2-BD59-A6C34878D82A}">
+                    <a16:rowId xmlns:a16="http://schemas.microsoft.com/office/drawing/2014/main" val="412482737"/>
+                  </a:ext>
+                </a:extLst>
+              </a:tr>
+            </a:tbl>
+          </a:graphicData>
+        </a:graphic>
+      </p:graphicFrame>
+      <p:graphicFrame>
+        <p:nvGraphicFramePr>
+          <p:cNvPr id="32" name="Table 31">
+            <a:extLst>
+              <a:ext uri="{FF2B5EF4-FFF2-40B4-BE49-F238E27FC236}">
+                <a16:creationId xmlns:a16="http://schemas.microsoft.com/office/drawing/2014/main" id="{6E47729A-9CF1-4F57-A0CC-15CC0E04036F}"/>
+              </a:ext>
+            </a:extLst>
+          </p:cNvPr>
+          <p:cNvGraphicFramePr>
+            <a:graphicFrameLocks noGrp="1"/>
+          </p:cNvGraphicFramePr>
+          <p:nvPr>
+            <p:extLst>
+              <p:ext uri="{D42A27DB-BD31-4B8C-83A1-F6EECF244321}">
+                <p14:modId xmlns:p14="http://schemas.microsoft.com/office/powerpoint/2010/main" val="1072310891"/>
+              </p:ext>
+            </p:extLst>
+          </p:nvPr>
+        </p:nvGraphicFramePr>
+        <p:xfrm>
+          <a:off x="4375062" y="2858082"/>
+          <a:ext cx="1823715" cy="1432560"/>
+        </p:xfrm>
+        <a:graphic>
+          <a:graphicData uri="http://schemas.openxmlformats.org/drawingml/2006/table">
+            <a:tbl>
+              <a:tblPr>
+                <a:tableStyleId>{638B1855-1B75-4FBE-930C-398BA8C253C6}</a:tableStyleId>
+              </a:tblPr>
+              <a:tblGrid>
+                <a:gridCol w="1823715">
+                  <a:extLst>
+                    <a:ext uri="{9D8B030D-6E8A-4147-A177-3AD203B41FA5}">
+                      <a16:colId xmlns:a16="http://schemas.microsoft.com/office/drawing/2014/main" val="4240773277"/>
+                    </a:ext>
+                  </a:extLst>
+                </a:gridCol>
+              </a:tblGrid>
+              <a:tr h="272961">
+                <a:tc>
+                  <a:txBody>
+                    <a:bodyPr/>
+                    <a:lstStyle/>
+                    <a:p>
+                      <a:r>
+                        <a:rPr lang="en-SG" b="1" u="none" dirty="0">
+                          <a:solidFill>
+                            <a:schemeClr val="tx1"/>
+                          </a:solidFill>
+                        </a:rPr>
+                        <a:t>Task</a:t>
+                      </a:r>
+                    </a:p>
+                  </a:txBody>
+                  <a:tcPr/>
+                </a:tc>
+                <a:extLst>
+                  <a:ext uri="{0D108BD9-81ED-4DB2-BD59-A6C34878D82A}">
+                    <a16:rowId xmlns:a16="http://schemas.microsoft.com/office/drawing/2014/main" val="2194462629"/>
+                  </a:ext>
+                </a:extLst>
+              </a:tr>
+              <a:tr h="881977">
+                <a:tc>
+                  <a:txBody>
+                    <a:bodyPr/>
+                    <a:lstStyle/>
+                    <a:p>
+                      <a:pPr marL="0" marR="0" lvl="0" indent="0" algn="l" defTabSz="914400" rtl="0" eaLnBrk="1" fontAlgn="auto" latinLnBrk="0" hangingPunct="1">
+                        <a:lnSpc>
+                          <a:spcPct val="100000"/>
+                        </a:lnSpc>
+                        <a:spcBef>
+                          <a:spcPts val="0"/>
+                        </a:spcBef>
+                        <a:spcAft>
+                          <a:spcPts val="0"/>
+                        </a:spcAft>
+                        <a:buClrTx/>
+                        <a:buSzTx/>
+                        <a:buFontTx/>
+                        <a:buNone/>
+                        <a:tabLst/>
+                        <a:defRPr/>
+                      </a:pPr>
+                      <a:r>
+                        <a:rPr lang="en-SG" sz="1600" i="0" u="none" dirty="0">
+                          <a:solidFill>
+                            <a:schemeClr val="tx1"/>
+                          </a:solidFill>
+                        </a:rPr>
+                        <a:t>name: </a:t>
+                      </a:r>
+                      <a:r>
+                        <a:rPr lang="en-SG" sz="1600" i="0" u="none" dirty="0">
+                          <a:solidFill>
+                            <a:srgbClr val="FF0000"/>
+                          </a:solidFill>
+                        </a:rPr>
+                        <a:t>B edit</a:t>
+                      </a:r>
+                    </a:p>
+                    <a:p>
+                      <a:r>
+                        <a:rPr lang="en-SG" sz="1600" i="0" u="none" dirty="0">
+                          <a:solidFill>
+                            <a:schemeClr val="tx1"/>
+                          </a:solidFill>
+                        </a:rPr>
+                        <a:t>description:</a:t>
+                      </a:r>
+                    </a:p>
+                    <a:p>
+                      <a:r>
+                        <a:rPr lang="en-SG" sz="1600" i="0" u="none" dirty="0">
+                          <a:solidFill>
+                            <a:schemeClr val="tx1"/>
+                          </a:solidFill>
+                        </a:rPr>
+                        <a:t>deadline:</a:t>
+                      </a:r>
+                    </a:p>
+                    <a:p>
+                      <a:r>
+                        <a:rPr lang="en-SG" sz="1600" i="0" u="none" dirty="0" err="1">
+                          <a:solidFill>
+                            <a:schemeClr val="tx1"/>
+                          </a:solidFill>
+                        </a:rPr>
+                        <a:t>taskId</a:t>
+                      </a:r>
+                      <a:r>
+                        <a:rPr lang="en-SG" sz="1600" i="0" u="none" dirty="0">
+                          <a:solidFill>
+                            <a:schemeClr val="tx1"/>
+                          </a:solidFill>
+                        </a:rPr>
+                        <a:t>: </a:t>
+                      </a:r>
+                      <a:r>
+                        <a:rPr lang="en-SG" sz="1600" i="0" u="none" dirty="0">
+                          <a:solidFill>
+                            <a:srgbClr val="FF0000"/>
+                          </a:solidFill>
+                        </a:rPr>
+                        <a:t>12345</a:t>
+                      </a:r>
+                      <a:endParaRPr lang="en-SG" sz="1600" i="0" u="none" dirty="0">
+                        <a:solidFill>
+                          <a:schemeClr val="tx1"/>
+                        </a:solidFill>
+                      </a:endParaRPr>
+                    </a:p>
+                  </a:txBody>
+                  <a:tcPr>
+                    <a:solidFill>
+                      <a:srgbClr val="92D050"/>
+                    </a:solidFill>
+                  </a:tcPr>
+                </a:tc>
+                <a:extLst>
+                  <a:ext uri="{0D108BD9-81ED-4DB2-BD59-A6C34878D82A}">
+                    <a16:rowId xmlns:a16="http://schemas.microsoft.com/office/drawing/2014/main" val="412482737"/>
+                  </a:ext>
+                </a:extLst>
+              </a:tr>
+            </a:tbl>
+          </a:graphicData>
+        </a:graphic>
+      </p:graphicFrame>
+      <p:graphicFrame>
+        <p:nvGraphicFramePr>
+          <p:cNvPr id="33" name="Table 32">
+            <a:extLst>
+              <a:ext uri="{FF2B5EF4-FFF2-40B4-BE49-F238E27FC236}">
+                <a16:creationId xmlns:a16="http://schemas.microsoft.com/office/drawing/2014/main" id="{86494AD8-1B17-4C65-B81D-BCE54126C9BF}"/>
+              </a:ext>
+            </a:extLst>
+          </p:cNvPr>
+          <p:cNvGraphicFramePr>
+            <a:graphicFrameLocks noGrp="1"/>
+          </p:cNvGraphicFramePr>
+          <p:nvPr>
+            <p:extLst>
+              <p:ext uri="{D42A27DB-BD31-4B8C-83A1-F6EECF244321}">
+                <p14:modId xmlns:p14="http://schemas.microsoft.com/office/powerpoint/2010/main" val="3375794376"/>
+              </p:ext>
+            </p:extLst>
+          </p:nvPr>
+        </p:nvGraphicFramePr>
+        <p:xfrm>
+          <a:off x="6344389" y="1249718"/>
+          <a:ext cx="1823715" cy="1432560"/>
+        </p:xfrm>
+        <a:graphic>
+          <a:graphicData uri="http://schemas.openxmlformats.org/drawingml/2006/table">
+            <a:tbl>
+              <a:tblPr>
+                <a:tableStyleId>{638B1855-1B75-4FBE-930C-398BA8C253C6}</a:tableStyleId>
+              </a:tblPr>
+              <a:tblGrid>
+                <a:gridCol w="1823715">
+                  <a:extLst>
+                    <a:ext uri="{9D8B030D-6E8A-4147-A177-3AD203B41FA5}">
+                      <a16:colId xmlns:a16="http://schemas.microsoft.com/office/drawing/2014/main" val="4240773277"/>
+                    </a:ext>
+                  </a:extLst>
+                </a:gridCol>
+              </a:tblGrid>
+              <a:tr h="272961">
+                <a:tc>
+                  <a:txBody>
+                    <a:bodyPr/>
+                    <a:lstStyle/>
+                    <a:p>
+                      <a:r>
+                        <a:rPr lang="en-SG" b="1" u="none" dirty="0">
+                          <a:solidFill>
+                            <a:schemeClr val="tx1"/>
+                          </a:solidFill>
+                        </a:rPr>
+                        <a:t>Task</a:t>
+                      </a:r>
+                    </a:p>
+                  </a:txBody>
+                  <a:tcPr/>
+                </a:tc>
+                <a:extLst>
+                  <a:ext uri="{0D108BD9-81ED-4DB2-BD59-A6C34878D82A}">
+                    <a16:rowId xmlns:a16="http://schemas.microsoft.com/office/drawing/2014/main" val="2194462629"/>
+                  </a:ext>
+                </a:extLst>
+              </a:tr>
+              <a:tr h="881977">
+                <a:tc>
+                  <a:txBody>
+                    <a:bodyPr/>
+                    <a:lstStyle/>
+                    <a:p>
+                      <a:r>
+                        <a:rPr lang="en-SG" sz="1600" i="0" u="none" dirty="0">
+                          <a:solidFill>
+                            <a:schemeClr val="tx1"/>
+                          </a:solidFill>
+                        </a:rPr>
+                        <a:t>name:</a:t>
+                      </a:r>
+                    </a:p>
+                    <a:p>
+                      <a:r>
+                        <a:rPr lang="en-SG" sz="1600" i="0" u="none" dirty="0">
+                          <a:solidFill>
+                            <a:schemeClr val="tx1"/>
+                          </a:solidFill>
+                        </a:rPr>
+                        <a:t>description:</a:t>
+                      </a:r>
+                    </a:p>
+                    <a:p>
+                      <a:r>
+                        <a:rPr lang="en-SG" sz="1600" i="0" u="none" dirty="0">
+                          <a:solidFill>
+                            <a:schemeClr val="tx1"/>
+                          </a:solidFill>
+                        </a:rPr>
+                        <a:t>deadline:</a:t>
+                      </a:r>
+                    </a:p>
+                    <a:p>
+                      <a:r>
+                        <a:rPr lang="en-SG" sz="1600" i="0" u="none" dirty="0" err="1">
+                          <a:solidFill>
+                            <a:schemeClr val="tx1"/>
+                          </a:solidFill>
+                        </a:rPr>
+                        <a:t>taskId</a:t>
+                      </a:r>
+                      <a:r>
+                        <a:rPr lang="en-SG" sz="1600" i="0" u="none" dirty="0">
+                          <a:solidFill>
+                            <a:schemeClr val="tx1"/>
+                          </a:solidFill>
+                        </a:rPr>
+                        <a:t>: 6789</a:t>
+                      </a:r>
+                    </a:p>
+                  </a:txBody>
+                  <a:tcPr>
+                    <a:solidFill>
+                      <a:srgbClr val="92D050"/>
+                    </a:solidFill>
+                  </a:tcPr>
+                </a:tc>
+                <a:extLst>
+                  <a:ext uri="{0D108BD9-81ED-4DB2-BD59-A6C34878D82A}">
+                    <a16:rowId xmlns:a16="http://schemas.microsoft.com/office/drawing/2014/main" val="412482737"/>
+                  </a:ext>
+                </a:extLst>
+              </a:tr>
+            </a:tbl>
+          </a:graphicData>
+        </a:graphic>
+      </p:graphicFrame>
+      <p:graphicFrame>
+        <p:nvGraphicFramePr>
+          <p:cNvPr id="34" name="Table 33">
+            <a:extLst>
+              <a:ext uri="{FF2B5EF4-FFF2-40B4-BE49-F238E27FC236}">
+                <a16:creationId xmlns:a16="http://schemas.microsoft.com/office/drawing/2014/main" id="{706E0952-D18C-473C-9DE4-506DD2B5E6DA}"/>
+              </a:ext>
+            </a:extLst>
+          </p:cNvPr>
+          <p:cNvGraphicFramePr>
+            <a:graphicFrameLocks noGrp="1"/>
+          </p:cNvGraphicFramePr>
+          <p:nvPr>
+            <p:extLst>
+              <p:ext uri="{D42A27DB-BD31-4B8C-83A1-F6EECF244321}">
+                <p14:modId xmlns:p14="http://schemas.microsoft.com/office/powerpoint/2010/main" val="1140677240"/>
+              </p:ext>
+            </p:extLst>
+          </p:nvPr>
+        </p:nvGraphicFramePr>
+        <p:xfrm>
+          <a:off x="6344389" y="2830914"/>
+          <a:ext cx="1823715" cy="1432560"/>
+        </p:xfrm>
+        <a:graphic>
+          <a:graphicData uri="http://schemas.openxmlformats.org/drawingml/2006/table">
+            <a:tbl>
+              <a:tblPr>
+                <a:tableStyleId>{638B1855-1B75-4FBE-930C-398BA8C253C6}</a:tableStyleId>
+              </a:tblPr>
+              <a:tblGrid>
+                <a:gridCol w="1823715">
+                  <a:extLst>
+                    <a:ext uri="{9D8B030D-6E8A-4147-A177-3AD203B41FA5}">
+                      <a16:colId xmlns:a16="http://schemas.microsoft.com/office/drawing/2014/main" val="4240773277"/>
+                    </a:ext>
+                  </a:extLst>
+                </a:gridCol>
+              </a:tblGrid>
+              <a:tr h="272961">
+                <a:tc>
+                  <a:txBody>
+                    <a:bodyPr/>
+                    <a:lstStyle/>
+                    <a:p>
+                      <a:r>
+                        <a:rPr lang="en-SG" b="1" u="none" dirty="0">
+                          <a:solidFill>
+                            <a:schemeClr val="tx1"/>
+                          </a:solidFill>
+                        </a:rPr>
+                        <a:t>Task</a:t>
+                      </a:r>
+                    </a:p>
+                  </a:txBody>
+                  <a:tcPr/>
+                </a:tc>
+                <a:extLst>
+                  <a:ext uri="{0D108BD9-81ED-4DB2-BD59-A6C34878D82A}">
+                    <a16:rowId xmlns:a16="http://schemas.microsoft.com/office/drawing/2014/main" val="2194462629"/>
+                  </a:ext>
+                </a:extLst>
+              </a:tr>
+              <a:tr h="881977">
+                <a:tc>
+                  <a:txBody>
+                    <a:bodyPr/>
+                    <a:lstStyle/>
+                    <a:p>
+                      <a:pPr marL="0" marR="0" lvl="0" indent="0" algn="l" defTabSz="914400" rtl="0" eaLnBrk="1" fontAlgn="auto" latinLnBrk="0" hangingPunct="1">
+                        <a:lnSpc>
+                          <a:spcPct val="100000"/>
+                        </a:lnSpc>
+                        <a:spcBef>
+                          <a:spcPts val="0"/>
+                        </a:spcBef>
+                        <a:spcAft>
+                          <a:spcPts val="0"/>
+                        </a:spcAft>
+                        <a:buClrTx/>
+                        <a:buSzTx/>
+                        <a:buFontTx/>
+                        <a:buNone/>
+                        <a:tabLst/>
+                        <a:defRPr/>
+                      </a:pPr>
+                      <a:r>
+                        <a:rPr lang="en-SG" sz="1600" i="0" u="none" dirty="0">
+                          <a:solidFill>
+                            <a:schemeClr val="tx1"/>
+                          </a:solidFill>
+                        </a:rPr>
+                        <a:t>name: AA</a:t>
+                      </a:r>
+                    </a:p>
+                    <a:p>
+                      <a:r>
+                        <a:rPr lang="en-SG" sz="1600" i="0" u="none" dirty="0">
+                          <a:solidFill>
+                            <a:schemeClr val="tx1"/>
+                          </a:solidFill>
+                        </a:rPr>
+                        <a:t>description:</a:t>
+                      </a:r>
+                    </a:p>
+                    <a:p>
+                      <a:r>
+                        <a:rPr lang="en-SG" sz="1600" i="0" u="none" dirty="0">
+                          <a:solidFill>
+                            <a:schemeClr val="tx1"/>
+                          </a:solidFill>
+                        </a:rPr>
+                        <a:t>deadline:</a:t>
+                      </a:r>
+                    </a:p>
+                    <a:p>
+                      <a:r>
+                        <a:rPr lang="en-SG" sz="1600" i="0" u="none" dirty="0" err="1">
+                          <a:solidFill>
+                            <a:schemeClr val="tx1"/>
+                          </a:solidFill>
+                        </a:rPr>
+                        <a:t>taskId</a:t>
+                      </a:r>
+                      <a:r>
+                        <a:rPr lang="en-SG" sz="1600" i="0" u="none" dirty="0">
+                          <a:solidFill>
+                            <a:schemeClr val="tx1"/>
+                          </a:solidFill>
+                        </a:rPr>
+                        <a:t>: 0987</a:t>
+                      </a:r>
+                    </a:p>
+                  </a:txBody>
+                  <a:tcPr>
+                    <a:solidFill>
+                      <a:srgbClr val="92D050"/>
+                    </a:solidFill>
+                  </a:tcPr>
+                </a:tc>
+                <a:extLst>
+                  <a:ext uri="{0D108BD9-81ED-4DB2-BD59-A6C34878D82A}">
+                    <a16:rowId xmlns:a16="http://schemas.microsoft.com/office/drawing/2014/main" val="412482737"/>
+                  </a:ext>
+                </a:extLst>
+              </a:tr>
+            </a:tbl>
+          </a:graphicData>
+        </a:graphic>
+      </p:graphicFrame>
+      <p:graphicFrame>
+        <p:nvGraphicFramePr>
+          <p:cNvPr id="35" name="Table 34">
+            <a:extLst>
+              <a:ext uri="{FF2B5EF4-FFF2-40B4-BE49-F238E27FC236}">
+                <a16:creationId xmlns:a16="http://schemas.microsoft.com/office/drawing/2014/main" id="{5C34E796-8996-47A7-BE4C-197995E4A5ED}"/>
+              </a:ext>
+            </a:extLst>
+          </p:cNvPr>
+          <p:cNvGraphicFramePr>
+            <a:graphicFrameLocks noGrp="1"/>
+          </p:cNvGraphicFramePr>
+          <p:nvPr>
+            <p:extLst>
+              <p:ext uri="{D42A27DB-BD31-4B8C-83A1-F6EECF244321}">
+                <p14:modId xmlns:p14="http://schemas.microsoft.com/office/powerpoint/2010/main" val="924688408"/>
+              </p:ext>
+            </p:extLst>
+          </p:nvPr>
+        </p:nvGraphicFramePr>
+        <p:xfrm>
+          <a:off x="8309498" y="667042"/>
+          <a:ext cx="1825824" cy="417888"/>
+        </p:xfrm>
+        <a:graphic>
+          <a:graphicData uri="http://schemas.openxmlformats.org/drawingml/2006/table">
+            <a:tbl>
+              <a:tblPr>
+                <a:tableStyleId>{638B1855-1B75-4FBE-930C-398BA8C253C6}</a:tableStyleId>
+              </a:tblPr>
+              <a:tblGrid>
+                <a:gridCol w="1825824">
+                  <a:extLst>
+                    <a:ext uri="{9D8B030D-6E8A-4147-A177-3AD203B41FA5}">
+                      <a16:colId xmlns:a16="http://schemas.microsoft.com/office/drawing/2014/main" val="4240773277"/>
+                    </a:ext>
+                  </a:extLst>
+                </a:gridCol>
+              </a:tblGrid>
+              <a:tr h="417888">
+                <a:tc>
+                  <a:txBody>
+                    <a:bodyPr/>
+                    <a:lstStyle/>
+                    <a:p>
+                      <a:r>
+                        <a:rPr lang="en-SG" u="sng" dirty="0"/>
+                        <a:t>p3:Project</a:t>
+                      </a:r>
+                    </a:p>
+                  </a:txBody>
+                  <a:tcPr/>
+                </a:tc>
+                <a:extLst>
+                  <a:ext uri="{0D108BD9-81ED-4DB2-BD59-A6C34878D82A}">
+                    <a16:rowId xmlns:a16="http://schemas.microsoft.com/office/drawing/2014/main" val="2194462629"/>
+                  </a:ext>
+                </a:extLst>
+              </a:tr>
+            </a:tbl>
+          </a:graphicData>
+        </a:graphic>
+      </p:graphicFrame>
+      <p:graphicFrame>
+        <p:nvGraphicFramePr>
+          <p:cNvPr id="36" name="Table 35">
+            <a:extLst>
+              <a:ext uri="{FF2B5EF4-FFF2-40B4-BE49-F238E27FC236}">
+                <a16:creationId xmlns:a16="http://schemas.microsoft.com/office/drawing/2014/main" id="{C43A8AA1-86EE-4189-B488-13CCF08E2FA5}"/>
+              </a:ext>
+            </a:extLst>
+          </p:cNvPr>
+          <p:cNvGraphicFramePr>
+            <a:graphicFrameLocks noGrp="1"/>
+          </p:cNvGraphicFramePr>
+          <p:nvPr>
+            <p:extLst>
+              <p:ext uri="{D42A27DB-BD31-4B8C-83A1-F6EECF244321}">
+                <p14:modId xmlns:p14="http://schemas.microsoft.com/office/powerpoint/2010/main" val="3570112325"/>
+              </p:ext>
+            </p:extLst>
+          </p:nvPr>
+        </p:nvGraphicFramePr>
+        <p:xfrm>
+          <a:off x="8311607" y="1249718"/>
+          <a:ext cx="1823715" cy="1432560"/>
+        </p:xfrm>
+        <a:graphic>
+          <a:graphicData uri="http://schemas.openxmlformats.org/drawingml/2006/table">
+            <a:tbl>
+              <a:tblPr>
+                <a:tableStyleId>{638B1855-1B75-4FBE-930C-398BA8C253C6}</a:tableStyleId>
+              </a:tblPr>
+              <a:tblGrid>
+                <a:gridCol w="1823715">
+                  <a:extLst>
+                    <a:ext uri="{9D8B030D-6E8A-4147-A177-3AD203B41FA5}">
+                      <a16:colId xmlns:a16="http://schemas.microsoft.com/office/drawing/2014/main" val="4240773277"/>
+                    </a:ext>
+                  </a:extLst>
+                </a:gridCol>
+              </a:tblGrid>
+              <a:tr h="272961">
+                <a:tc>
+                  <a:txBody>
+                    <a:bodyPr/>
+                    <a:lstStyle/>
+                    <a:p>
+                      <a:r>
+                        <a:rPr lang="en-SG" b="1" u="none" dirty="0">
+                          <a:solidFill>
+                            <a:schemeClr val="tx1"/>
+                          </a:solidFill>
+                        </a:rPr>
+                        <a:t>Task</a:t>
+                      </a:r>
+                    </a:p>
+                  </a:txBody>
+                  <a:tcPr/>
+                </a:tc>
+                <a:extLst>
+                  <a:ext uri="{0D108BD9-81ED-4DB2-BD59-A6C34878D82A}">
+                    <a16:rowId xmlns:a16="http://schemas.microsoft.com/office/drawing/2014/main" val="2194462629"/>
+                  </a:ext>
+                </a:extLst>
+              </a:tr>
+              <a:tr h="881977">
+                <a:tc>
+                  <a:txBody>
+                    <a:bodyPr/>
+                    <a:lstStyle/>
+                    <a:p>
+                      <a:r>
+                        <a:rPr lang="en-SG" sz="1600" i="0" u="none" dirty="0">
+                          <a:solidFill>
+                            <a:schemeClr val="tx1"/>
+                          </a:solidFill>
+                        </a:rPr>
+                        <a:t>name:</a:t>
+                      </a:r>
+                    </a:p>
+                    <a:p>
+                      <a:r>
+                        <a:rPr lang="en-SG" sz="1600" i="0" u="none" dirty="0">
+                          <a:solidFill>
+                            <a:schemeClr val="tx1"/>
+                          </a:solidFill>
+                        </a:rPr>
+                        <a:t>description:</a:t>
+                      </a:r>
+                    </a:p>
+                    <a:p>
+                      <a:r>
+                        <a:rPr lang="en-SG" sz="1600" i="0" u="none" dirty="0">
+                          <a:solidFill>
+                            <a:schemeClr val="tx1"/>
+                          </a:solidFill>
+                        </a:rPr>
+                        <a:t>deadline:</a:t>
+                      </a:r>
+                    </a:p>
+                    <a:p>
+                      <a:r>
+                        <a:rPr lang="en-SG" sz="1600" i="0" u="none" dirty="0" err="1">
+                          <a:solidFill>
+                            <a:schemeClr val="tx1"/>
+                          </a:solidFill>
+                        </a:rPr>
+                        <a:t>taskId</a:t>
+                      </a:r>
+                      <a:r>
+                        <a:rPr lang="en-SG" sz="1600" i="0" u="none" dirty="0">
+                          <a:solidFill>
+                            <a:schemeClr val="tx1"/>
+                          </a:solidFill>
+                        </a:rPr>
+                        <a:t>: 6789</a:t>
+                      </a:r>
+                    </a:p>
+                  </a:txBody>
+                  <a:tcPr>
+                    <a:solidFill>
+                      <a:srgbClr val="92D050"/>
+                    </a:solidFill>
+                  </a:tcPr>
+                </a:tc>
+                <a:extLst>
+                  <a:ext uri="{0D108BD9-81ED-4DB2-BD59-A6C34878D82A}">
+                    <a16:rowId xmlns:a16="http://schemas.microsoft.com/office/drawing/2014/main" val="412482737"/>
+                  </a:ext>
+                </a:extLst>
+              </a:tr>
+            </a:tbl>
+          </a:graphicData>
+        </a:graphic>
+      </p:graphicFrame>
+      <p:graphicFrame>
+        <p:nvGraphicFramePr>
+          <p:cNvPr id="37" name="Table 36">
+            <a:extLst>
+              <a:ext uri="{FF2B5EF4-FFF2-40B4-BE49-F238E27FC236}">
+                <a16:creationId xmlns:a16="http://schemas.microsoft.com/office/drawing/2014/main" id="{6E743056-8038-48B0-9AC8-63BAA60BF720}"/>
+              </a:ext>
+            </a:extLst>
+          </p:cNvPr>
+          <p:cNvGraphicFramePr>
+            <a:graphicFrameLocks noGrp="1"/>
+          </p:cNvGraphicFramePr>
+          <p:nvPr>
+            <p:extLst>
+              <p:ext uri="{D42A27DB-BD31-4B8C-83A1-F6EECF244321}">
+                <p14:modId xmlns:p14="http://schemas.microsoft.com/office/powerpoint/2010/main" val="667940806"/>
+              </p:ext>
+            </p:extLst>
+          </p:nvPr>
+        </p:nvGraphicFramePr>
+        <p:xfrm>
+          <a:off x="8321119" y="4471123"/>
+          <a:ext cx="1823715" cy="1432560"/>
+        </p:xfrm>
+        <a:graphic>
+          <a:graphicData uri="http://schemas.openxmlformats.org/drawingml/2006/table">
+            <a:tbl>
+              <a:tblPr>
+                <a:tableStyleId>{638B1855-1B75-4FBE-930C-398BA8C253C6}</a:tableStyleId>
+              </a:tblPr>
+              <a:tblGrid>
+                <a:gridCol w="1823715">
+                  <a:extLst>
+                    <a:ext uri="{9D8B030D-6E8A-4147-A177-3AD203B41FA5}">
+                      <a16:colId xmlns:a16="http://schemas.microsoft.com/office/drawing/2014/main" val="4240773277"/>
+                    </a:ext>
+                  </a:extLst>
+                </a:gridCol>
+              </a:tblGrid>
+              <a:tr h="272961">
+                <a:tc>
+                  <a:txBody>
+                    <a:bodyPr/>
+                    <a:lstStyle/>
+                    <a:p>
+                      <a:r>
+                        <a:rPr lang="en-SG" b="1" u="none" dirty="0">
+                          <a:solidFill>
+                            <a:schemeClr val="tx1"/>
+                          </a:solidFill>
+                        </a:rPr>
+                        <a:t>Task </a:t>
+                      </a:r>
+                    </a:p>
+                  </a:txBody>
+                  <a:tcPr/>
+                </a:tc>
+                <a:extLst>
+                  <a:ext uri="{0D108BD9-81ED-4DB2-BD59-A6C34878D82A}">
+                    <a16:rowId xmlns:a16="http://schemas.microsoft.com/office/drawing/2014/main" val="2194462629"/>
+                  </a:ext>
+                </a:extLst>
+              </a:tr>
+              <a:tr h="881977">
+                <a:tc>
+                  <a:txBody>
+                    <a:bodyPr/>
+                    <a:lstStyle/>
+                    <a:p>
+                      <a:pPr marL="0" marR="0" lvl="0" indent="0" algn="l" defTabSz="914400" rtl="0" eaLnBrk="1" fontAlgn="auto" latinLnBrk="0" hangingPunct="1">
+                        <a:lnSpc>
+                          <a:spcPct val="100000"/>
+                        </a:lnSpc>
+                        <a:spcBef>
+                          <a:spcPts val="0"/>
+                        </a:spcBef>
+                        <a:spcAft>
+                          <a:spcPts val="0"/>
+                        </a:spcAft>
+                        <a:buClrTx/>
+                        <a:buSzTx/>
+                        <a:buFontTx/>
+                        <a:buNone/>
+                        <a:tabLst/>
+                        <a:defRPr/>
+                      </a:pPr>
+                      <a:r>
+                        <a:rPr lang="en-SG" sz="1600" i="0" u="none" dirty="0">
+                          <a:solidFill>
+                            <a:schemeClr val="tx1"/>
+                          </a:solidFill>
+                        </a:rPr>
+                        <a:t>name: </a:t>
+                      </a:r>
+                      <a:r>
+                        <a:rPr lang="en-SG" sz="1600" i="0" u="none" dirty="0">
+                          <a:solidFill>
+                            <a:srgbClr val="FF0000"/>
+                          </a:solidFill>
+                        </a:rPr>
+                        <a:t>B Edit</a:t>
+                      </a:r>
+                    </a:p>
+                    <a:p>
+                      <a:r>
+                        <a:rPr lang="en-SG" sz="1600" i="0" u="none" dirty="0">
+                          <a:solidFill>
+                            <a:schemeClr val="tx1"/>
+                          </a:solidFill>
+                        </a:rPr>
+                        <a:t>description:</a:t>
+                      </a:r>
+                    </a:p>
+                    <a:p>
+                      <a:r>
+                        <a:rPr lang="en-SG" sz="1600" i="0" u="none" dirty="0">
+                          <a:solidFill>
+                            <a:schemeClr val="tx1"/>
+                          </a:solidFill>
+                        </a:rPr>
+                        <a:t>deadline:</a:t>
+                      </a:r>
+                    </a:p>
+                    <a:p>
+                      <a:r>
+                        <a:rPr lang="en-SG" sz="1600" i="0" u="none" dirty="0" err="1">
+                          <a:solidFill>
+                            <a:schemeClr val="tx1"/>
+                          </a:solidFill>
+                        </a:rPr>
+                        <a:t>taskId</a:t>
+                      </a:r>
+                      <a:r>
+                        <a:rPr lang="en-SG" sz="1600" i="0" u="none" dirty="0">
+                          <a:solidFill>
+                            <a:schemeClr val="tx1"/>
+                          </a:solidFill>
+                        </a:rPr>
+                        <a:t>: </a:t>
+                      </a:r>
+                      <a:r>
+                        <a:rPr lang="en-SG" sz="1600" i="0" u="none" dirty="0">
+                          <a:solidFill>
+                            <a:srgbClr val="FF0000"/>
+                          </a:solidFill>
+                        </a:rPr>
+                        <a:t>12345</a:t>
+                      </a:r>
+                      <a:endParaRPr lang="en-SG" sz="1600" i="0" u="none" dirty="0">
+                        <a:solidFill>
+                          <a:schemeClr val="tx1"/>
+                        </a:solidFill>
+                      </a:endParaRPr>
+                    </a:p>
+                  </a:txBody>
+                  <a:tcPr>
+                    <a:solidFill>
+                      <a:srgbClr val="92D050"/>
+                    </a:solidFill>
+                  </a:tcPr>
+                </a:tc>
+                <a:extLst>
+                  <a:ext uri="{0D108BD9-81ED-4DB2-BD59-A6C34878D82A}">
+                    <a16:rowId xmlns:a16="http://schemas.microsoft.com/office/drawing/2014/main" val="412482737"/>
+                  </a:ext>
+                </a:extLst>
+              </a:tr>
+            </a:tbl>
+          </a:graphicData>
+        </a:graphic>
+      </p:graphicFrame>
+      <p:sp>
+        <p:nvSpPr>
+          <p:cNvPr id="4" name="Rectangle 3">
+            <a:extLst>
+              <a:ext uri="{FF2B5EF4-FFF2-40B4-BE49-F238E27FC236}">
+                <a16:creationId xmlns:a16="http://schemas.microsoft.com/office/drawing/2014/main" id="{29CDD22D-5A0C-4118-9522-71990FDDD366}"/>
+              </a:ext>
+            </a:extLst>
+          </p:cNvPr>
+          <p:cNvSpPr/>
+          <p:nvPr/>
+        </p:nvSpPr>
+        <p:spPr>
+          <a:xfrm>
+            <a:off x="886120" y="1185079"/>
+            <a:ext cx="9341964" cy="1559879"/>
+          </a:xfrm>
+          <a:prstGeom prst="rect">
+            <a:avLst/>
+          </a:prstGeom>
+          <a:noFill/>
+          <a:ln w="38100">
+            <a:solidFill>
+              <a:srgbClr val="002060"/>
+            </a:solidFill>
+          </a:ln>
+        </p:spPr>
+        <p:style>
+          <a:lnRef idx="2">
+            <a:schemeClr val="accent1">
+              <a:shade val="50000"/>
+            </a:schemeClr>
+          </a:lnRef>
+          <a:fillRef idx="1">
+            <a:schemeClr val="accent1"/>
+          </a:fillRef>
+          <a:effectRef idx="0">
+            <a:schemeClr val="accent1"/>
+          </a:effectRef>
+          <a:fontRef idx="minor">
+            <a:schemeClr val="lt1"/>
+          </a:fontRef>
+        </p:style>
+        <p:txBody>
+          <a:bodyPr rtlCol="0" anchor="ctr"/>
+          <a:lstStyle/>
+          <a:p>
+            <a:pPr algn="ctr"/>
+            <a:endParaRPr lang="en-SG"/>
+          </a:p>
+        </p:txBody>
+      </p:sp>
+      <p:sp>
+        <p:nvSpPr>
+          <p:cNvPr id="39" name="Rectangle 38">
+            <a:extLst>
+              <a:ext uri="{FF2B5EF4-FFF2-40B4-BE49-F238E27FC236}">
+                <a16:creationId xmlns:a16="http://schemas.microsoft.com/office/drawing/2014/main" id="{5C12204A-88DF-4DD1-9C15-3D29E5BF3BC9}"/>
+              </a:ext>
+            </a:extLst>
+          </p:cNvPr>
+          <p:cNvSpPr/>
+          <p:nvPr/>
+        </p:nvSpPr>
+        <p:spPr>
+          <a:xfrm>
+            <a:off x="886120" y="2803203"/>
+            <a:ext cx="9343533" cy="1559879"/>
+          </a:xfrm>
+          <a:prstGeom prst="rect">
+            <a:avLst/>
+          </a:prstGeom>
+          <a:noFill/>
+          <a:ln w="38100">
+            <a:solidFill>
+              <a:srgbClr val="002060"/>
+            </a:solidFill>
+          </a:ln>
+        </p:spPr>
+        <p:style>
+          <a:lnRef idx="2">
+            <a:schemeClr val="accent1">
+              <a:shade val="50000"/>
+            </a:schemeClr>
+          </a:lnRef>
+          <a:fillRef idx="1">
+            <a:schemeClr val="accent1"/>
+          </a:fillRef>
+          <a:effectRef idx="0">
+            <a:schemeClr val="accent1"/>
+          </a:effectRef>
+          <a:fontRef idx="minor">
+            <a:schemeClr val="lt1"/>
+          </a:fontRef>
+        </p:style>
+        <p:txBody>
+          <a:bodyPr rtlCol="0" anchor="ctr"/>
+          <a:lstStyle/>
+          <a:p>
+            <a:pPr algn="ctr"/>
+            <a:endParaRPr lang="en-SG"/>
+          </a:p>
+        </p:txBody>
+      </p:sp>
+      <p:sp>
+        <p:nvSpPr>
+          <p:cNvPr id="5" name="TextBox 4">
+            <a:extLst>
+              <a:ext uri="{FF2B5EF4-FFF2-40B4-BE49-F238E27FC236}">
+                <a16:creationId xmlns:a16="http://schemas.microsoft.com/office/drawing/2014/main" id="{6429C7DB-EA1C-446C-A1DA-0C0CFA504F03}"/>
+              </a:ext>
+            </a:extLst>
+          </p:cNvPr>
+          <p:cNvSpPr txBox="1"/>
+          <p:nvPr/>
+        </p:nvSpPr>
+        <p:spPr>
+          <a:xfrm>
+            <a:off x="1189388" y="1816844"/>
+            <a:ext cx="982705" cy="369332"/>
+          </a:xfrm>
+          <a:prstGeom prst="rect">
+            <a:avLst/>
+          </a:prstGeom>
+          <a:noFill/>
+        </p:spPr>
+        <p:txBody>
+          <a:bodyPr wrap="none" rtlCol="0">
+            <a:spAutoFit/>
+          </a:bodyPr>
+          <a:lstStyle/>
+          <a:p>
+            <a:r>
+              <a:rPr lang="en-SG" dirty="0"/>
+              <a:t>Index* 1</a:t>
+            </a:r>
+          </a:p>
+        </p:txBody>
+      </p:sp>
+      <p:sp>
+        <p:nvSpPr>
+          <p:cNvPr id="40" name="TextBox 39">
+            <a:extLst>
+              <a:ext uri="{FF2B5EF4-FFF2-40B4-BE49-F238E27FC236}">
+                <a16:creationId xmlns:a16="http://schemas.microsoft.com/office/drawing/2014/main" id="{72D73E50-D7EC-4F91-A469-F760323D0F8E}"/>
+              </a:ext>
+            </a:extLst>
+          </p:cNvPr>
+          <p:cNvSpPr txBox="1"/>
+          <p:nvPr/>
+        </p:nvSpPr>
+        <p:spPr>
+          <a:xfrm>
+            <a:off x="1189389" y="3362528"/>
+            <a:ext cx="982705" cy="369332"/>
+          </a:xfrm>
+          <a:prstGeom prst="rect">
+            <a:avLst/>
+          </a:prstGeom>
+          <a:noFill/>
+        </p:spPr>
+        <p:txBody>
+          <a:bodyPr wrap="none" rtlCol="0">
+            <a:spAutoFit/>
+          </a:bodyPr>
+          <a:lstStyle/>
+          <a:p>
+            <a:r>
+              <a:rPr lang="en-SG" dirty="0"/>
+              <a:t>Index* 2</a:t>
+            </a:r>
+          </a:p>
+        </p:txBody>
+      </p:sp>
+      <p:sp>
+        <p:nvSpPr>
+          <p:cNvPr id="41" name="TextBox 40">
+            <a:extLst>
+              <a:ext uri="{FF2B5EF4-FFF2-40B4-BE49-F238E27FC236}">
+                <a16:creationId xmlns:a16="http://schemas.microsoft.com/office/drawing/2014/main" id="{A74D0424-93B8-4124-8C45-994463BBEA5A}"/>
+              </a:ext>
+            </a:extLst>
+          </p:cNvPr>
+          <p:cNvSpPr txBox="1"/>
+          <p:nvPr/>
+        </p:nvSpPr>
+        <p:spPr>
+          <a:xfrm>
+            <a:off x="886120" y="6071370"/>
+            <a:ext cx="3887411" cy="338554"/>
+          </a:xfrm>
+          <a:prstGeom prst="rect">
+            <a:avLst/>
+          </a:prstGeom>
+          <a:noFill/>
+        </p:spPr>
+        <p:txBody>
+          <a:bodyPr wrap="none" rtlCol="0">
+            <a:spAutoFit/>
+          </a:bodyPr>
+          <a:lstStyle/>
+          <a:p>
+            <a:r>
+              <a:rPr lang="en-SG" sz="1600" dirty="0"/>
+              <a:t>*Refers to displayed index within application</a:t>
+            </a:r>
+          </a:p>
+        </p:txBody>
+      </p:sp>
+      <p:sp>
+        <p:nvSpPr>
+          <p:cNvPr id="42" name="TextBox 41">
+            <a:extLst>
+              <a:ext uri="{FF2B5EF4-FFF2-40B4-BE49-F238E27FC236}">
+                <a16:creationId xmlns:a16="http://schemas.microsoft.com/office/drawing/2014/main" id="{7F28F8C8-0755-4700-A741-35F6A6628C1C}"/>
+              </a:ext>
+            </a:extLst>
+          </p:cNvPr>
+          <p:cNvSpPr txBox="1"/>
+          <p:nvPr/>
+        </p:nvSpPr>
+        <p:spPr>
+          <a:xfrm>
+            <a:off x="5246440" y="152928"/>
+            <a:ext cx="1736181" cy="400110"/>
+          </a:xfrm>
+          <a:prstGeom prst="rect">
+            <a:avLst/>
+          </a:prstGeom>
+          <a:noFill/>
+        </p:spPr>
+        <p:txBody>
+          <a:bodyPr wrap="none" rtlCol="0">
+            <a:spAutoFit/>
+          </a:bodyPr>
+          <a:lstStyle/>
+          <a:p>
+            <a:r>
+              <a:rPr lang="en-SG" sz="2000" b="1" u="sng" dirty="0" err="1"/>
+              <a:t>VersionProject</a:t>
+            </a:r>
+            <a:endParaRPr lang="en-SG" sz="2000" b="1" u="sng" dirty="0"/>
+          </a:p>
+        </p:txBody>
+      </p:sp>
+      <p:sp>
+        <p:nvSpPr>
+          <p:cNvPr id="43" name="Rectangle 42">
+            <a:extLst>
+              <a:ext uri="{FF2B5EF4-FFF2-40B4-BE49-F238E27FC236}">
+                <a16:creationId xmlns:a16="http://schemas.microsoft.com/office/drawing/2014/main" id="{1A138675-2600-4106-9ACF-445867AB2A58}"/>
+              </a:ext>
+            </a:extLst>
+          </p:cNvPr>
+          <p:cNvSpPr/>
+          <p:nvPr/>
+        </p:nvSpPr>
+        <p:spPr>
+          <a:xfrm>
+            <a:off x="8319010" y="4499172"/>
+            <a:ext cx="1816312" cy="1432560"/>
+          </a:xfrm>
+          <a:prstGeom prst="rect">
+            <a:avLst/>
+          </a:prstGeom>
+          <a:noFill/>
+          <a:ln w="57150">
+            <a:solidFill>
+              <a:srgbClr val="FF0000"/>
+            </a:solidFill>
+          </a:ln>
+        </p:spPr>
+        <p:style>
+          <a:lnRef idx="2">
+            <a:schemeClr val="accent1">
+              <a:shade val="50000"/>
+            </a:schemeClr>
+          </a:lnRef>
+          <a:fillRef idx="1">
+            <a:schemeClr val="accent1"/>
+          </a:fillRef>
+          <a:effectRef idx="0">
+            <a:schemeClr val="accent1"/>
+          </a:effectRef>
+          <a:fontRef idx="minor">
+            <a:schemeClr val="lt1"/>
+          </a:fontRef>
+        </p:style>
+        <p:txBody>
+          <a:bodyPr rtlCol="0" anchor="ctr"/>
+          <a:lstStyle/>
+          <a:p>
+            <a:pPr algn="ctr"/>
+            <a:endParaRPr lang="en-SG"/>
+          </a:p>
+        </p:txBody>
+      </p:sp>
+      <p:sp>
+        <p:nvSpPr>
+          <p:cNvPr id="44" name="TextBox 43">
+            <a:extLst>
+              <a:ext uri="{FF2B5EF4-FFF2-40B4-BE49-F238E27FC236}">
+                <a16:creationId xmlns:a16="http://schemas.microsoft.com/office/drawing/2014/main" id="{451C2A20-7C1F-4A05-8091-EFE9A89BF0A8}"/>
+              </a:ext>
+            </a:extLst>
+          </p:cNvPr>
+          <p:cNvSpPr txBox="1"/>
+          <p:nvPr/>
+        </p:nvSpPr>
+        <p:spPr>
+          <a:xfrm>
+            <a:off x="10536464" y="4648013"/>
+            <a:ext cx="1430392" cy="1200329"/>
+          </a:xfrm>
+          <a:prstGeom prst="rect">
+            <a:avLst/>
+          </a:prstGeom>
+          <a:noFill/>
+        </p:spPr>
+        <p:txBody>
+          <a:bodyPr wrap="square" rtlCol="0">
+            <a:spAutoFit/>
+          </a:bodyPr>
+          <a:lstStyle/>
+          <a:p>
+            <a:pPr algn="ctr"/>
+            <a:r>
+              <a:rPr lang="en-SG" dirty="0">
+                <a:latin typeface="Consolas" panose="020B0609020204030204" pitchFamily="49" charset="0"/>
+              </a:rPr>
+              <a:t>User selected task at index 3</a:t>
+            </a:r>
+          </a:p>
+        </p:txBody>
+      </p:sp>
+      <p:cxnSp>
+        <p:nvCxnSpPr>
+          <p:cNvPr id="45" name="Straight Arrow Connector 44">
+            <a:extLst>
+              <a:ext uri="{FF2B5EF4-FFF2-40B4-BE49-F238E27FC236}">
+                <a16:creationId xmlns:a16="http://schemas.microsoft.com/office/drawing/2014/main" id="{B3742E7B-649B-4913-BF2F-095EA21DAF09}"/>
+              </a:ext>
+            </a:extLst>
+          </p:cNvPr>
+          <p:cNvCxnSpPr>
+            <a:cxnSpLocks/>
+          </p:cNvCxnSpPr>
+          <p:nvPr/>
+        </p:nvCxnSpPr>
+        <p:spPr>
+          <a:xfrm flipH="1" flipV="1">
+            <a:off x="10288971" y="5248178"/>
+            <a:ext cx="397988" cy="1"/>
+          </a:xfrm>
+          <a:prstGeom prst="straightConnector1">
+            <a:avLst/>
+          </a:prstGeom>
+          <a:ln w="28575">
+            <a:solidFill>
+              <a:srgbClr val="FF0000"/>
+            </a:solidFill>
+            <a:tailEnd type="triangle"/>
+          </a:ln>
+        </p:spPr>
+        <p:style>
+          <a:lnRef idx="1">
+            <a:schemeClr val="accent1"/>
+          </a:lnRef>
+          <a:fillRef idx="0">
+            <a:schemeClr val="accent1"/>
+          </a:fillRef>
+          <a:effectRef idx="0">
+            <a:schemeClr val="accent1"/>
+          </a:effectRef>
+          <a:fontRef idx="minor">
+            <a:schemeClr val="tx1"/>
+          </a:fontRef>
+        </p:style>
+      </p:cxnSp>
+      <p:sp>
+        <p:nvSpPr>
+          <p:cNvPr id="24" name="Rectangle 23">
+            <a:extLst>
+              <a:ext uri="{FF2B5EF4-FFF2-40B4-BE49-F238E27FC236}">
+                <a16:creationId xmlns:a16="http://schemas.microsoft.com/office/drawing/2014/main" id="{3B6EB9E6-955C-4663-952B-DD9A775AAA44}"/>
+              </a:ext>
+            </a:extLst>
+          </p:cNvPr>
+          <p:cNvSpPr/>
+          <p:nvPr/>
+        </p:nvSpPr>
+        <p:spPr>
+          <a:xfrm>
+            <a:off x="4377709" y="2858082"/>
+            <a:ext cx="1816312" cy="1432560"/>
+          </a:xfrm>
+          <a:prstGeom prst="rect">
+            <a:avLst/>
+          </a:prstGeom>
+          <a:noFill/>
+          <a:ln w="57150">
+            <a:solidFill>
+              <a:srgbClr val="00B0F0"/>
+            </a:solidFill>
+          </a:ln>
+        </p:spPr>
+        <p:style>
+          <a:lnRef idx="2">
+            <a:schemeClr val="accent1">
+              <a:shade val="50000"/>
+            </a:schemeClr>
+          </a:lnRef>
+          <a:fillRef idx="1">
+            <a:schemeClr val="accent1"/>
+          </a:fillRef>
+          <a:effectRef idx="0">
+            <a:schemeClr val="accent1"/>
+          </a:effectRef>
+          <a:fontRef idx="minor">
+            <a:schemeClr val="lt1"/>
+          </a:fontRef>
+        </p:style>
+        <p:txBody>
+          <a:bodyPr rtlCol="0" anchor="ctr"/>
+          <a:lstStyle/>
+          <a:p>
+            <a:pPr algn="ctr"/>
+            <a:endParaRPr lang="en-SG"/>
+          </a:p>
+        </p:txBody>
+      </p:sp>
+      <p:sp>
+        <p:nvSpPr>
+          <p:cNvPr id="25" name="TextBox 24">
+            <a:extLst>
+              <a:ext uri="{FF2B5EF4-FFF2-40B4-BE49-F238E27FC236}">
+                <a16:creationId xmlns:a16="http://schemas.microsoft.com/office/drawing/2014/main" id="{546DE787-1CAF-4908-847F-C04FB16A48A2}"/>
+              </a:ext>
+            </a:extLst>
+          </p:cNvPr>
+          <p:cNvSpPr txBox="1"/>
+          <p:nvPr/>
+        </p:nvSpPr>
+        <p:spPr>
+          <a:xfrm>
+            <a:off x="4315698" y="4786513"/>
+            <a:ext cx="1940334" cy="923330"/>
+          </a:xfrm>
+          <a:prstGeom prst="rect">
+            <a:avLst/>
+          </a:prstGeom>
+          <a:noFill/>
+        </p:spPr>
+        <p:txBody>
+          <a:bodyPr wrap="square" rtlCol="0">
+            <a:spAutoFit/>
+          </a:bodyPr>
+          <a:lstStyle/>
+          <a:p>
+            <a:pPr algn="ctr"/>
+            <a:r>
+              <a:rPr lang="en-SG" dirty="0">
+                <a:latin typeface="Consolas" panose="020B0609020204030204" pitchFamily="49" charset="0"/>
+              </a:rPr>
+              <a:t>Where edit of name of “B” occurs</a:t>
+            </a:r>
+          </a:p>
+        </p:txBody>
+      </p:sp>
+      <p:cxnSp>
+        <p:nvCxnSpPr>
+          <p:cNvPr id="27" name="Straight Arrow Connector 26">
+            <a:extLst>
+              <a:ext uri="{FF2B5EF4-FFF2-40B4-BE49-F238E27FC236}">
+                <a16:creationId xmlns:a16="http://schemas.microsoft.com/office/drawing/2014/main" id="{1AAC369C-67D3-46E3-B3B4-654FF9F26C32}"/>
+              </a:ext>
+            </a:extLst>
+          </p:cNvPr>
+          <p:cNvCxnSpPr>
+            <a:cxnSpLocks/>
+          </p:cNvCxnSpPr>
+          <p:nvPr/>
+        </p:nvCxnSpPr>
+        <p:spPr>
+          <a:xfrm flipV="1">
+            <a:off x="5246440" y="4424986"/>
+            <a:ext cx="0" cy="377829"/>
+          </a:xfrm>
+          <a:prstGeom prst="straightConnector1">
+            <a:avLst/>
+          </a:prstGeom>
+          <a:ln w="28575">
+            <a:solidFill>
+              <a:srgbClr val="00B0F0"/>
+            </a:solidFill>
+            <a:tailEnd type="triangle"/>
+          </a:ln>
+        </p:spPr>
+        <p:style>
+          <a:lnRef idx="1">
+            <a:schemeClr val="accent1"/>
+          </a:lnRef>
+          <a:fillRef idx="0">
+            <a:schemeClr val="accent1"/>
+          </a:fillRef>
+          <a:effectRef idx="0">
+            <a:schemeClr val="accent1"/>
+          </a:effectRef>
+          <a:fontRef idx="minor">
+            <a:schemeClr val="tx1"/>
+          </a:fontRef>
+        </p:style>
+      </p:cxnSp>
+      <p:sp>
+        <p:nvSpPr>
+          <p:cNvPr id="29" name="Rectangle 28">
+            <a:extLst>
+              <a:ext uri="{FF2B5EF4-FFF2-40B4-BE49-F238E27FC236}">
+                <a16:creationId xmlns:a16="http://schemas.microsoft.com/office/drawing/2014/main" id="{678D9F06-3999-442B-AB7A-8F9F8F11DEE1}"/>
+              </a:ext>
+            </a:extLst>
+          </p:cNvPr>
+          <p:cNvSpPr/>
+          <p:nvPr/>
+        </p:nvSpPr>
+        <p:spPr>
+          <a:xfrm>
+            <a:off x="886120" y="4424986"/>
+            <a:ext cx="9343533" cy="1559879"/>
+          </a:xfrm>
+          <a:prstGeom prst="rect">
+            <a:avLst/>
+          </a:prstGeom>
+          <a:noFill/>
+          <a:ln w="38100">
+            <a:solidFill>
+              <a:srgbClr val="002060"/>
+            </a:solidFill>
+          </a:ln>
+        </p:spPr>
+        <p:style>
+          <a:lnRef idx="2">
+            <a:schemeClr val="accent1">
+              <a:shade val="50000"/>
+            </a:schemeClr>
+          </a:lnRef>
+          <a:fillRef idx="1">
+            <a:schemeClr val="accent1"/>
+          </a:fillRef>
+          <a:effectRef idx="0">
+            <a:schemeClr val="accent1"/>
+          </a:effectRef>
+          <a:fontRef idx="minor">
+            <a:schemeClr val="lt1"/>
+          </a:fontRef>
+        </p:style>
+        <p:txBody>
+          <a:bodyPr rtlCol="0" anchor="ctr"/>
+          <a:lstStyle/>
+          <a:p>
+            <a:pPr algn="ctr"/>
+            <a:endParaRPr lang="en-SG"/>
+          </a:p>
+        </p:txBody>
+      </p:sp>
+      <p:graphicFrame>
+        <p:nvGraphicFramePr>
+          <p:cNvPr id="38" name="Table 37">
+            <a:extLst>
+              <a:ext uri="{FF2B5EF4-FFF2-40B4-BE49-F238E27FC236}">
+                <a16:creationId xmlns:a16="http://schemas.microsoft.com/office/drawing/2014/main" id="{70508A65-69D5-44ED-8625-7B995FB141EE}"/>
+              </a:ext>
+            </a:extLst>
+          </p:cNvPr>
+          <p:cNvGraphicFramePr>
+            <a:graphicFrameLocks noGrp="1"/>
+          </p:cNvGraphicFramePr>
+          <p:nvPr>
+            <p:extLst>
+              <p:ext uri="{D42A27DB-BD31-4B8C-83A1-F6EECF244321}">
+                <p14:modId xmlns:p14="http://schemas.microsoft.com/office/powerpoint/2010/main" val="1461768108"/>
+              </p:ext>
+            </p:extLst>
+          </p:nvPr>
+        </p:nvGraphicFramePr>
+        <p:xfrm>
+          <a:off x="6353267" y="4479767"/>
+          <a:ext cx="1823715" cy="1432560"/>
+        </p:xfrm>
+        <a:graphic>
+          <a:graphicData uri="http://schemas.openxmlformats.org/drawingml/2006/table">
+            <a:tbl>
+              <a:tblPr>
+                <a:tableStyleId>{638B1855-1B75-4FBE-930C-398BA8C253C6}</a:tableStyleId>
+              </a:tblPr>
+              <a:tblGrid>
+                <a:gridCol w="1823715">
+                  <a:extLst>
+                    <a:ext uri="{9D8B030D-6E8A-4147-A177-3AD203B41FA5}">
+                      <a16:colId xmlns:a16="http://schemas.microsoft.com/office/drawing/2014/main" val="4240773277"/>
+                    </a:ext>
+                  </a:extLst>
+                </a:gridCol>
+              </a:tblGrid>
+              <a:tr h="272961">
+                <a:tc>
+                  <a:txBody>
+                    <a:bodyPr/>
+                    <a:lstStyle/>
+                    <a:p>
+                      <a:r>
+                        <a:rPr lang="en-SG" b="1" u="none" dirty="0">
+                          <a:solidFill>
+                            <a:schemeClr val="tx1"/>
+                          </a:solidFill>
+                        </a:rPr>
+                        <a:t>Task </a:t>
+                      </a:r>
+                    </a:p>
+                  </a:txBody>
+                  <a:tcPr/>
+                </a:tc>
+                <a:extLst>
+                  <a:ext uri="{0D108BD9-81ED-4DB2-BD59-A6C34878D82A}">
+                    <a16:rowId xmlns:a16="http://schemas.microsoft.com/office/drawing/2014/main" val="2194462629"/>
+                  </a:ext>
+                </a:extLst>
+              </a:tr>
+              <a:tr h="881977">
+                <a:tc>
+                  <a:txBody>
+                    <a:bodyPr/>
+                    <a:lstStyle/>
+                    <a:p>
+                      <a:pPr marL="0" marR="0" lvl="0" indent="0" algn="l" defTabSz="914400" rtl="0" eaLnBrk="1" fontAlgn="auto" latinLnBrk="0" hangingPunct="1">
+                        <a:lnSpc>
+                          <a:spcPct val="100000"/>
+                        </a:lnSpc>
+                        <a:spcBef>
+                          <a:spcPts val="0"/>
+                        </a:spcBef>
+                        <a:spcAft>
+                          <a:spcPts val="0"/>
+                        </a:spcAft>
+                        <a:buClrTx/>
+                        <a:buSzTx/>
+                        <a:buFontTx/>
+                        <a:buNone/>
+                        <a:tabLst/>
+                        <a:defRPr/>
+                      </a:pPr>
+                      <a:r>
+                        <a:rPr lang="en-SG" sz="1600" i="0" u="none" dirty="0">
+                          <a:solidFill>
+                            <a:schemeClr val="tx1"/>
+                          </a:solidFill>
+                        </a:rPr>
+                        <a:t>name: </a:t>
+                      </a:r>
+                      <a:r>
+                        <a:rPr lang="en-SG" sz="1600" i="0" u="none" dirty="0">
+                          <a:solidFill>
+                            <a:srgbClr val="FF0000"/>
+                          </a:solidFill>
+                        </a:rPr>
+                        <a:t>B Edit</a:t>
+                      </a:r>
+                    </a:p>
+                    <a:p>
+                      <a:r>
+                        <a:rPr lang="en-SG" sz="1600" i="0" u="none" dirty="0">
+                          <a:solidFill>
+                            <a:schemeClr val="tx1"/>
+                          </a:solidFill>
+                        </a:rPr>
+                        <a:t>description:</a:t>
+                      </a:r>
+                    </a:p>
+                    <a:p>
+                      <a:r>
+                        <a:rPr lang="en-SG" sz="1600" i="0" u="none" dirty="0">
+                          <a:solidFill>
+                            <a:schemeClr val="tx1"/>
+                          </a:solidFill>
+                        </a:rPr>
+                        <a:t>deadline:</a:t>
+                      </a:r>
+                    </a:p>
+                    <a:p>
+                      <a:r>
+                        <a:rPr lang="en-SG" sz="1600" i="0" u="none" dirty="0" err="1">
+                          <a:solidFill>
+                            <a:schemeClr val="tx1"/>
+                          </a:solidFill>
+                        </a:rPr>
+                        <a:t>taskId</a:t>
+                      </a:r>
+                      <a:r>
+                        <a:rPr lang="en-SG" sz="1600" i="0" u="none" dirty="0">
+                          <a:solidFill>
+                            <a:schemeClr val="tx1"/>
+                          </a:solidFill>
+                        </a:rPr>
+                        <a:t>: </a:t>
+                      </a:r>
+                      <a:r>
+                        <a:rPr lang="en-SG" sz="1600" i="0" u="none" dirty="0">
+                          <a:solidFill>
+                            <a:srgbClr val="FF0000"/>
+                          </a:solidFill>
+                        </a:rPr>
+                        <a:t>12345</a:t>
+                      </a:r>
+                      <a:endParaRPr lang="en-SG" sz="1600" i="0" u="none" dirty="0">
+                        <a:solidFill>
+                          <a:schemeClr val="tx1"/>
+                        </a:solidFill>
+                      </a:endParaRPr>
+                    </a:p>
+                  </a:txBody>
+                  <a:tcPr>
+                    <a:solidFill>
+                      <a:srgbClr val="92D050"/>
+                    </a:solidFill>
+                  </a:tcPr>
+                </a:tc>
+                <a:extLst>
+                  <a:ext uri="{0D108BD9-81ED-4DB2-BD59-A6C34878D82A}">
+                    <a16:rowId xmlns:a16="http://schemas.microsoft.com/office/drawing/2014/main" val="412482737"/>
+                  </a:ext>
+                </a:extLst>
+              </a:tr>
+            </a:tbl>
+          </a:graphicData>
+        </a:graphic>
+      </p:graphicFrame>
+      <p:graphicFrame>
+        <p:nvGraphicFramePr>
+          <p:cNvPr id="47" name="Table 46">
+            <a:extLst>
+              <a:ext uri="{FF2B5EF4-FFF2-40B4-BE49-F238E27FC236}">
+                <a16:creationId xmlns:a16="http://schemas.microsoft.com/office/drawing/2014/main" id="{6CE1508C-E499-4AB8-82A3-4C6C3CE5DF75}"/>
+              </a:ext>
+            </a:extLst>
+          </p:cNvPr>
+          <p:cNvGraphicFramePr>
+            <a:graphicFrameLocks noGrp="1"/>
+          </p:cNvGraphicFramePr>
+          <p:nvPr>
+            <p:extLst>
+              <p:ext uri="{D42A27DB-BD31-4B8C-83A1-F6EECF244321}">
+                <p14:modId xmlns:p14="http://schemas.microsoft.com/office/powerpoint/2010/main" val="2278934087"/>
+              </p:ext>
+            </p:extLst>
+          </p:nvPr>
+        </p:nvGraphicFramePr>
+        <p:xfrm>
+          <a:off x="8305795" y="2845431"/>
+          <a:ext cx="1823715" cy="1432560"/>
+        </p:xfrm>
+        <a:graphic>
+          <a:graphicData uri="http://schemas.openxmlformats.org/drawingml/2006/table">
+            <a:tbl>
+              <a:tblPr>
+                <a:tableStyleId>{638B1855-1B75-4FBE-930C-398BA8C253C6}</a:tableStyleId>
+              </a:tblPr>
+              <a:tblGrid>
+                <a:gridCol w="1823715">
+                  <a:extLst>
+                    <a:ext uri="{9D8B030D-6E8A-4147-A177-3AD203B41FA5}">
+                      <a16:colId xmlns:a16="http://schemas.microsoft.com/office/drawing/2014/main" val="4240773277"/>
+                    </a:ext>
+                  </a:extLst>
+                </a:gridCol>
+              </a:tblGrid>
+              <a:tr h="272961">
+                <a:tc>
+                  <a:txBody>
+                    <a:bodyPr/>
+                    <a:lstStyle/>
+                    <a:p>
+                      <a:r>
+                        <a:rPr lang="en-SG" b="1" u="none" dirty="0">
+                          <a:solidFill>
+                            <a:schemeClr val="tx1"/>
+                          </a:solidFill>
+                        </a:rPr>
+                        <a:t>Task</a:t>
+                      </a:r>
+                    </a:p>
+                  </a:txBody>
+                  <a:tcPr/>
+                </a:tc>
+                <a:extLst>
+                  <a:ext uri="{0D108BD9-81ED-4DB2-BD59-A6C34878D82A}">
+                    <a16:rowId xmlns:a16="http://schemas.microsoft.com/office/drawing/2014/main" val="2194462629"/>
+                  </a:ext>
+                </a:extLst>
+              </a:tr>
+              <a:tr h="881977">
+                <a:tc>
+                  <a:txBody>
+                    <a:bodyPr/>
+                    <a:lstStyle/>
+                    <a:p>
+                      <a:pPr marL="0" marR="0" lvl="0" indent="0" algn="l" defTabSz="914400" rtl="0" eaLnBrk="1" fontAlgn="auto" latinLnBrk="0" hangingPunct="1">
+                        <a:lnSpc>
+                          <a:spcPct val="100000"/>
+                        </a:lnSpc>
+                        <a:spcBef>
+                          <a:spcPts val="0"/>
+                        </a:spcBef>
+                        <a:spcAft>
+                          <a:spcPts val="0"/>
+                        </a:spcAft>
+                        <a:buClrTx/>
+                        <a:buSzTx/>
+                        <a:buFontTx/>
+                        <a:buNone/>
+                        <a:tabLst/>
+                        <a:defRPr/>
+                      </a:pPr>
+                      <a:r>
+                        <a:rPr lang="en-SG" sz="1600" i="0" u="none" dirty="0">
+                          <a:solidFill>
+                            <a:schemeClr val="tx1"/>
+                          </a:solidFill>
+                        </a:rPr>
+                        <a:t>name: AA</a:t>
+                      </a:r>
+                    </a:p>
+                    <a:p>
+                      <a:r>
+                        <a:rPr lang="en-SG" sz="1600" i="0" u="none" dirty="0">
+                          <a:solidFill>
+                            <a:schemeClr val="tx1"/>
+                          </a:solidFill>
+                        </a:rPr>
+                        <a:t>description:</a:t>
+                      </a:r>
+                    </a:p>
+                    <a:p>
+                      <a:r>
+                        <a:rPr lang="en-SG" sz="1600" i="0" u="none" dirty="0">
+                          <a:solidFill>
+                            <a:schemeClr val="tx1"/>
+                          </a:solidFill>
+                        </a:rPr>
+                        <a:t>deadline:</a:t>
+                      </a:r>
+                    </a:p>
+                    <a:p>
+                      <a:r>
+                        <a:rPr lang="en-SG" sz="1600" i="0" u="none" dirty="0" err="1">
+                          <a:solidFill>
+                            <a:schemeClr val="tx1"/>
+                          </a:solidFill>
+                        </a:rPr>
+                        <a:t>taskId</a:t>
+                      </a:r>
+                      <a:r>
+                        <a:rPr lang="en-SG" sz="1600" i="0" u="none" dirty="0">
+                          <a:solidFill>
+                            <a:schemeClr val="tx1"/>
+                          </a:solidFill>
+                        </a:rPr>
+                        <a:t>: 0987</a:t>
+                      </a:r>
+                    </a:p>
+                  </a:txBody>
+                  <a:tcPr>
+                    <a:solidFill>
+                      <a:srgbClr val="92D050"/>
+                    </a:solidFill>
+                  </a:tcPr>
+                </a:tc>
+                <a:extLst>
+                  <a:ext uri="{0D108BD9-81ED-4DB2-BD59-A6C34878D82A}">
+                    <a16:rowId xmlns:a16="http://schemas.microsoft.com/office/drawing/2014/main" val="412482737"/>
+                  </a:ext>
+                </a:extLst>
+              </a:tr>
+            </a:tbl>
+          </a:graphicData>
+        </a:graphic>
+      </p:graphicFrame>
+      <p:sp>
+        <p:nvSpPr>
+          <p:cNvPr id="48" name="TextBox 47">
+            <a:extLst>
+              <a:ext uri="{FF2B5EF4-FFF2-40B4-BE49-F238E27FC236}">
+                <a16:creationId xmlns:a16="http://schemas.microsoft.com/office/drawing/2014/main" id="{ED6BF56F-BF6C-4D1B-950D-7F5C8868ADA7}"/>
+              </a:ext>
+            </a:extLst>
+          </p:cNvPr>
+          <p:cNvSpPr txBox="1"/>
+          <p:nvPr/>
+        </p:nvSpPr>
+        <p:spPr>
+          <a:xfrm>
+            <a:off x="1189388" y="5039664"/>
+            <a:ext cx="982705" cy="369332"/>
+          </a:xfrm>
+          <a:prstGeom prst="rect">
+            <a:avLst/>
+          </a:prstGeom>
+          <a:noFill/>
+        </p:spPr>
+        <p:txBody>
+          <a:bodyPr wrap="none" rtlCol="0">
+            <a:spAutoFit/>
+          </a:bodyPr>
+          <a:lstStyle/>
+          <a:p>
+            <a:r>
+              <a:rPr lang="en-SG" dirty="0"/>
+              <a:t>Index* 3</a:t>
+            </a:r>
+          </a:p>
+        </p:txBody>
+      </p:sp>
+    </p:spTree>
+    <p:extLst>
+      <p:ext uri="{BB962C8B-B14F-4D97-AF65-F5344CB8AC3E}">
+        <p14:creationId xmlns:p14="http://schemas.microsoft.com/office/powerpoint/2010/main" val="3064659254"/>
+      </p:ext>
+    </p:extLst>
+  </p:cSld>
+  <p:clrMapOvr>
+    <a:masterClrMapping/>
+  </p:clrMapOvr>
+</p:sld>
+</file>
+
+<file path=ppt/slides/slide3.xml><?xml version="1.0" encoding="utf-8"?>
+<p:sld xmlns:a="http://schemas.openxmlformats.org/drawingml/2006/main" xmlns:r="http://schemas.openxmlformats.org/officeDocument/2006/relationships" xmlns:p="http://schemas.openxmlformats.org/presentationml/2006/main">
+  <p:cSld>
+    <p:spTree>
+      <p:nvGrpSpPr>
+        <p:cNvPr id="1" name=""/>
+        <p:cNvGrpSpPr/>
+        <p:nvPr/>
+      </p:nvGrpSpPr>
+      <p:grpSpPr>
+        <a:xfrm>
+          <a:off x="0" y="0"/>
+          <a:ext cx="0" cy="0"/>
+          <a:chOff x="0" y="0"/>
+          <a:chExt cx="0" cy="0"/>
+        </a:xfrm>
+      </p:grpSpPr>
+      <p:graphicFrame>
+        <p:nvGraphicFramePr>
+          <p:cNvPr id="20" name="Table 19">
+            <a:extLst>
+              <a:ext uri="{FF2B5EF4-FFF2-40B4-BE49-F238E27FC236}">
+                <a16:creationId xmlns:a16="http://schemas.microsoft.com/office/drawing/2014/main" id="{F545FAB8-F1CE-4886-9BDE-E772BCB0A9C4}"/>
+              </a:ext>
+            </a:extLst>
+          </p:cNvPr>
+          <p:cNvGraphicFramePr>
+            <a:graphicFrameLocks noGrp="1"/>
+          </p:cNvGraphicFramePr>
+          <p:nvPr>
+            <p:extLst>
+              <p:ext uri="{D42A27DB-BD31-4B8C-83A1-F6EECF244321}">
+                <p14:modId xmlns:p14="http://schemas.microsoft.com/office/powerpoint/2010/main" val="1905272449"/>
+              </p:ext>
+            </p:extLst>
+          </p:nvPr>
+        </p:nvGraphicFramePr>
+        <p:xfrm>
+          <a:off x="5072773" y="667042"/>
+          <a:ext cx="1825824" cy="417888"/>
+        </p:xfrm>
+        <a:graphic>
+          <a:graphicData uri="http://schemas.openxmlformats.org/drawingml/2006/table">
+            <a:tbl>
+              <a:tblPr>
+                <a:tableStyleId>{638B1855-1B75-4FBE-930C-398BA8C253C6}</a:tableStyleId>
+              </a:tblPr>
+              <a:tblGrid>
+                <a:gridCol w="1825824">
+                  <a:extLst>
+                    <a:ext uri="{9D8B030D-6E8A-4147-A177-3AD203B41FA5}">
+                      <a16:colId xmlns:a16="http://schemas.microsoft.com/office/drawing/2014/main" val="4240773277"/>
+                    </a:ext>
+                  </a:extLst>
+                </a:gridCol>
+              </a:tblGrid>
+              <a:tr h="417888">
+                <a:tc>
+                  <a:txBody>
+                    <a:bodyPr/>
+                    <a:lstStyle/>
+                    <a:p>
+                      <a:r>
+                        <a:rPr lang="en-SG" u="sng" dirty="0"/>
+                        <a:t>p2:Project</a:t>
+                      </a:r>
+                    </a:p>
+                  </a:txBody>
+                  <a:tcPr/>
+                </a:tc>
+                <a:extLst>
+                  <a:ext uri="{0D108BD9-81ED-4DB2-BD59-A6C34878D82A}">
+                    <a16:rowId xmlns:a16="http://schemas.microsoft.com/office/drawing/2014/main" val="2194462629"/>
+                  </a:ext>
+                </a:extLst>
+              </a:tr>
+            </a:tbl>
+          </a:graphicData>
+        </a:graphic>
+      </p:graphicFrame>
+      <p:graphicFrame>
+        <p:nvGraphicFramePr>
+          <p:cNvPr id="33" name="Table 32">
+            <a:extLst>
+              <a:ext uri="{FF2B5EF4-FFF2-40B4-BE49-F238E27FC236}">
+                <a16:creationId xmlns:a16="http://schemas.microsoft.com/office/drawing/2014/main" id="{86494AD8-1B17-4C65-B81D-BCE54126C9BF}"/>
+              </a:ext>
+            </a:extLst>
+          </p:cNvPr>
+          <p:cNvGraphicFramePr>
+            <a:graphicFrameLocks noGrp="1"/>
+          </p:cNvGraphicFramePr>
+          <p:nvPr>
+            <p:extLst>
+              <p:ext uri="{D42A27DB-BD31-4B8C-83A1-F6EECF244321}">
+                <p14:modId xmlns:p14="http://schemas.microsoft.com/office/powerpoint/2010/main" val="1639883212"/>
+              </p:ext>
+            </p:extLst>
+          </p:nvPr>
+        </p:nvGraphicFramePr>
+        <p:xfrm>
+          <a:off x="5074882" y="1249718"/>
+          <a:ext cx="1823715" cy="1432560"/>
+        </p:xfrm>
+        <a:graphic>
+          <a:graphicData uri="http://schemas.openxmlformats.org/drawingml/2006/table">
+            <a:tbl>
+              <a:tblPr>
+                <a:tableStyleId>{638B1855-1B75-4FBE-930C-398BA8C253C6}</a:tableStyleId>
+              </a:tblPr>
+              <a:tblGrid>
+                <a:gridCol w="1823715">
+                  <a:extLst>
+                    <a:ext uri="{9D8B030D-6E8A-4147-A177-3AD203B41FA5}">
+                      <a16:colId xmlns:a16="http://schemas.microsoft.com/office/drawing/2014/main" val="4240773277"/>
+                    </a:ext>
+                  </a:extLst>
+                </a:gridCol>
+              </a:tblGrid>
+              <a:tr h="272961">
+                <a:tc>
+                  <a:txBody>
+                    <a:bodyPr/>
+                    <a:lstStyle/>
+                    <a:p>
+                      <a:r>
+                        <a:rPr lang="en-SG" b="1" u="none" dirty="0">
+                          <a:solidFill>
+                            <a:schemeClr val="tx1"/>
+                          </a:solidFill>
+                        </a:rPr>
+                        <a:t>Task</a:t>
+                      </a:r>
+                    </a:p>
+                  </a:txBody>
+                  <a:tcPr/>
+                </a:tc>
+                <a:extLst>
+                  <a:ext uri="{0D108BD9-81ED-4DB2-BD59-A6C34878D82A}">
+                    <a16:rowId xmlns:a16="http://schemas.microsoft.com/office/drawing/2014/main" val="2194462629"/>
+                  </a:ext>
+                </a:extLst>
+              </a:tr>
+              <a:tr h="881977">
+                <a:tc>
+                  <a:txBody>
+                    <a:bodyPr/>
+                    <a:lstStyle/>
+                    <a:p>
+                      <a:r>
+                        <a:rPr lang="en-SG" sz="1600" i="0" u="none" dirty="0">
+                          <a:solidFill>
+                            <a:schemeClr val="tx1"/>
+                          </a:solidFill>
+                        </a:rPr>
+                        <a:t>name:</a:t>
+                      </a:r>
+                    </a:p>
+                    <a:p>
+                      <a:r>
+                        <a:rPr lang="en-SG" sz="1600" i="0" u="none" dirty="0">
+                          <a:solidFill>
+                            <a:schemeClr val="tx1"/>
+                          </a:solidFill>
+                        </a:rPr>
+                        <a:t>description:</a:t>
+                      </a:r>
+                    </a:p>
+                    <a:p>
+                      <a:r>
+                        <a:rPr lang="en-SG" sz="1600" i="0" u="none" dirty="0">
+                          <a:solidFill>
+                            <a:schemeClr val="tx1"/>
+                          </a:solidFill>
+                        </a:rPr>
+                        <a:t>deadline:</a:t>
+                      </a:r>
+                    </a:p>
+                    <a:p>
+                      <a:r>
+                        <a:rPr lang="en-SG" sz="1600" i="0" u="none" dirty="0" err="1">
+                          <a:solidFill>
+                            <a:schemeClr val="tx1"/>
+                          </a:solidFill>
+                        </a:rPr>
+                        <a:t>taskId</a:t>
+                      </a:r>
+                      <a:r>
+                        <a:rPr lang="en-SG" sz="1600" i="0" u="none" dirty="0">
+                          <a:solidFill>
+                            <a:schemeClr val="tx1"/>
+                          </a:solidFill>
+                        </a:rPr>
+                        <a:t>: 6789</a:t>
+                      </a:r>
+                    </a:p>
+                  </a:txBody>
+                  <a:tcPr>
+                    <a:solidFill>
+                      <a:srgbClr val="92D050"/>
+                    </a:solidFill>
+                  </a:tcPr>
+                </a:tc>
+                <a:extLst>
+                  <a:ext uri="{0D108BD9-81ED-4DB2-BD59-A6C34878D82A}">
+                    <a16:rowId xmlns:a16="http://schemas.microsoft.com/office/drawing/2014/main" val="412482737"/>
+                  </a:ext>
+                </a:extLst>
+              </a:tr>
+            </a:tbl>
+          </a:graphicData>
+        </a:graphic>
+      </p:graphicFrame>
+      <p:graphicFrame>
+        <p:nvGraphicFramePr>
+          <p:cNvPr id="34" name="Table 33">
+            <a:extLst>
+              <a:ext uri="{FF2B5EF4-FFF2-40B4-BE49-F238E27FC236}">
+                <a16:creationId xmlns:a16="http://schemas.microsoft.com/office/drawing/2014/main" id="{706E0952-D18C-473C-9DE4-506DD2B5E6DA}"/>
+              </a:ext>
+            </a:extLst>
+          </p:cNvPr>
+          <p:cNvGraphicFramePr>
+            <a:graphicFrameLocks noGrp="1"/>
+          </p:cNvGraphicFramePr>
+          <p:nvPr>
+            <p:extLst>
+              <p:ext uri="{D42A27DB-BD31-4B8C-83A1-F6EECF244321}">
+                <p14:modId xmlns:p14="http://schemas.microsoft.com/office/powerpoint/2010/main" val="500776666"/>
+              </p:ext>
+            </p:extLst>
+          </p:nvPr>
+        </p:nvGraphicFramePr>
+        <p:xfrm>
+          <a:off x="5074882" y="2830914"/>
+          <a:ext cx="1823715" cy="1432560"/>
+        </p:xfrm>
+        <a:graphic>
+          <a:graphicData uri="http://schemas.openxmlformats.org/drawingml/2006/table">
+            <a:tbl>
+              <a:tblPr>
+                <a:tableStyleId>{638B1855-1B75-4FBE-930C-398BA8C253C6}</a:tableStyleId>
+              </a:tblPr>
+              <a:tblGrid>
+                <a:gridCol w="1823715">
+                  <a:extLst>
+                    <a:ext uri="{9D8B030D-6E8A-4147-A177-3AD203B41FA5}">
+                      <a16:colId xmlns:a16="http://schemas.microsoft.com/office/drawing/2014/main" val="4240773277"/>
+                    </a:ext>
+                  </a:extLst>
+                </a:gridCol>
+              </a:tblGrid>
+              <a:tr h="272961">
+                <a:tc>
+                  <a:txBody>
+                    <a:bodyPr/>
+                    <a:lstStyle/>
+                    <a:p>
+                      <a:r>
+                        <a:rPr lang="en-SG" b="1" u="none" dirty="0">
+                          <a:solidFill>
+                            <a:schemeClr val="tx1"/>
+                          </a:solidFill>
+                        </a:rPr>
+                        <a:t>Task</a:t>
+                      </a:r>
+                    </a:p>
+                  </a:txBody>
+                  <a:tcPr/>
+                </a:tc>
+                <a:extLst>
+                  <a:ext uri="{0D108BD9-81ED-4DB2-BD59-A6C34878D82A}">
+                    <a16:rowId xmlns:a16="http://schemas.microsoft.com/office/drawing/2014/main" val="2194462629"/>
+                  </a:ext>
+                </a:extLst>
+              </a:tr>
+              <a:tr h="881977">
+                <a:tc>
+                  <a:txBody>
+                    <a:bodyPr/>
+                    <a:lstStyle/>
+                    <a:p>
+                      <a:pPr marL="0" marR="0" lvl="0" indent="0" algn="l" defTabSz="914400" rtl="0" eaLnBrk="1" fontAlgn="auto" latinLnBrk="0" hangingPunct="1">
+                        <a:lnSpc>
+                          <a:spcPct val="100000"/>
+                        </a:lnSpc>
+                        <a:spcBef>
+                          <a:spcPts val="0"/>
+                        </a:spcBef>
+                        <a:spcAft>
+                          <a:spcPts val="0"/>
+                        </a:spcAft>
+                        <a:buClrTx/>
+                        <a:buSzTx/>
+                        <a:buFontTx/>
+                        <a:buNone/>
+                        <a:tabLst/>
+                        <a:defRPr/>
+                      </a:pPr>
+                      <a:r>
+                        <a:rPr lang="en-SG" sz="1600" i="0" u="none" dirty="0">
+                          <a:solidFill>
+                            <a:schemeClr val="tx1"/>
+                          </a:solidFill>
+                        </a:rPr>
+                        <a:t>name: AA</a:t>
+                      </a:r>
+                    </a:p>
+                    <a:p>
+                      <a:r>
+                        <a:rPr lang="en-SG" sz="1600" i="0" u="none" dirty="0">
+                          <a:solidFill>
+                            <a:schemeClr val="tx1"/>
+                          </a:solidFill>
+                        </a:rPr>
+                        <a:t>description:</a:t>
+                      </a:r>
+                    </a:p>
+                    <a:p>
+                      <a:r>
+                        <a:rPr lang="en-SG" sz="1600" i="0" u="none" dirty="0">
+                          <a:solidFill>
+                            <a:schemeClr val="tx1"/>
+                          </a:solidFill>
+                        </a:rPr>
+                        <a:t>deadline:</a:t>
+                      </a:r>
+                    </a:p>
+                    <a:p>
+                      <a:r>
+                        <a:rPr lang="en-SG" sz="1600" i="0" u="none" dirty="0" err="1">
+                          <a:solidFill>
+                            <a:schemeClr val="tx1"/>
+                          </a:solidFill>
+                        </a:rPr>
+                        <a:t>taskId</a:t>
+                      </a:r>
+                      <a:r>
+                        <a:rPr lang="en-SG" sz="1600" i="0" u="none" dirty="0">
+                          <a:solidFill>
+                            <a:schemeClr val="tx1"/>
+                          </a:solidFill>
+                        </a:rPr>
+                        <a:t>: 0987</a:t>
+                      </a:r>
+                    </a:p>
+                  </a:txBody>
+                  <a:tcPr>
+                    <a:solidFill>
+                      <a:srgbClr val="92D050"/>
+                    </a:solidFill>
+                  </a:tcPr>
+                </a:tc>
+                <a:extLst>
+                  <a:ext uri="{0D108BD9-81ED-4DB2-BD59-A6C34878D82A}">
+                    <a16:rowId xmlns:a16="http://schemas.microsoft.com/office/drawing/2014/main" val="412482737"/>
+                  </a:ext>
+                </a:extLst>
+              </a:tr>
+            </a:tbl>
+          </a:graphicData>
+        </a:graphic>
+      </p:graphicFrame>
+      <p:graphicFrame>
+        <p:nvGraphicFramePr>
+          <p:cNvPr id="37" name="Table 36">
+            <a:extLst>
+              <a:ext uri="{FF2B5EF4-FFF2-40B4-BE49-F238E27FC236}">
+                <a16:creationId xmlns:a16="http://schemas.microsoft.com/office/drawing/2014/main" id="{6E743056-8038-48B0-9AC8-63BAA60BF720}"/>
+              </a:ext>
+            </a:extLst>
+          </p:cNvPr>
+          <p:cNvGraphicFramePr>
+            <a:graphicFrameLocks noGrp="1"/>
+          </p:cNvGraphicFramePr>
+          <p:nvPr>
+            <p:extLst>
+              <p:ext uri="{D42A27DB-BD31-4B8C-83A1-F6EECF244321}">
+                <p14:modId xmlns:p14="http://schemas.microsoft.com/office/powerpoint/2010/main" val="2088831651"/>
+              </p:ext>
+            </p:extLst>
+          </p:nvPr>
+        </p:nvGraphicFramePr>
+        <p:xfrm>
+          <a:off x="8565086" y="2830914"/>
+          <a:ext cx="1823715" cy="1432560"/>
+        </p:xfrm>
+        <a:graphic>
+          <a:graphicData uri="http://schemas.openxmlformats.org/drawingml/2006/table">
+            <a:tbl>
+              <a:tblPr>
+                <a:tableStyleId>{638B1855-1B75-4FBE-930C-398BA8C253C6}</a:tableStyleId>
+              </a:tblPr>
+              <a:tblGrid>
+                <a:gridCol w="1823715">
+                  <a:extLst>
+                    <a:ext uri="{9D8B030D-6E8A-4147-A177-3AD203B41FA5}">
+                      <a16:colId xmlns:a16="http://schemas.microsoft.com/office/drawing/2014/main" val="4240773277"/>
+                    </a:ext>
+                  </a:extLst>
+                </a:gridCol>
+              </a:tblGrid>
+              <a:tr h="0">
+                <a:tc>
+                  <a:txBody>
+                    <a:bodyPr/>
+                    <a:lstStyle/>
+                    <a:p>
+                      <a:r>
+                        <a:rPr lang="en-SG" b="1" u="none" dirty="0">
+                          <a:solidFill>
+                            <a:schemeClr val="tx1"/>
+                          </a:solidFill>
+                        </a:rPr>
+                        <a:t>Task </a:t>
+                      </a:r>
+                    </a:p>
+                  </a:txBody>
+                  <a:tcPr/>
+                </a:tc>
+                <a:extLst>
+                  <a:ext uri="{0D108BD9-81ED-4DB2-BD59-A6C34878D82A}">
+                    <a16:rowId xmlns:a16="http://schemas.microsoft.com/office/drawing/2014/main" val="2194462629"/>
+                  </a:ext>
+                </a:extLst>
+              </a:tr>
+              <a:tr h="269424">
+                <a:tc>
+                  <a:txBody>
+                    <a:bodyPr/>
+                    <a:lstStyle/>
+                    <a:p>
+                      <a:pPr marL="0" marR="0" lvl="0" indent="0" algn="l" defTabSz="914400" rtl="0" eaLnBrk="1" fontAlgn="auto" latinLnBrk="0" hangingPunct="1">
+                        <a:lnSpc>
+                          <a:spcPct val="100000"/>
+                        </a:lnSpc>
+                        <a:spcBef>
+                          <a:spcPts val="0"/>
+                        </a:spcBef>
+                        <a:spcAft>
+                          <a:spcPts val="0"/>
+                        </a:spcAft>
+                        <a:buClrTx/>
+                        <a:buSzTx/>
+                        <a:buFontTx/>
+                        <a:buNone/>
+                        <a:tabLst/>
+                        <a:defRPr/>
+                      </a:pPr>
+                      <a:r>
+                        <a:rPr lang="en-SG" sz="1600" i="0" u="none" dirty="0">
+                          <a:solidFill>
+                            <a:schemeClr val="tx1"/>
+                          </a:solidFill>
+                        </a:rPr>
+                        <a:t>name: </a:t>
+                      </a:r>
+                      <a:r>
+                        <a:rPr lang="en-SG" sz="1600" i="0" u="none" dirty="0">
+                          <a:solidFill>
+                            <a:srgbClr val="FF0000"/>
+                          </a:solidFill>
+                        </a:rPr>
+                        <a:t>B Edit</a:t>
+                      </a:r>
+                    </a:p>
+                    <a:p>
+                      <a:r>
+                        <a:rPr lang="en-SG" sz="1600" i="0" u="none" dirty="0">
+                          <a:solidFill>
+                            <a:schemeClr val="tx1"/>
+                          </a:solidFill>
+                        </a:rPr>
+                        <a:t>description:</a:t>
+                      </a:r>
+                    </a:p>
+                    <a:p>
+                      <a:r>
+                        <a:rPr lang="en-SG" sz="1600" i="0" u="none" dirty="0">
+                          <a:solidFill>
+                            <a:schemeClr val="tx1"/>
+                          </a:solidFill>
+                        </a:rPr>
+                        <a:t>deadline:</a:t>
+                      </a:r>
+                    </a:p>
+                    <a:p>
+                      <a:r>
+                        <a:rPr lang="en-SG" sz="1600" i="0" u="none" dirty="0" err="1">
+                          <a:solidFill>
+                            <a:schemeClr val="tx1"/>
+                          </a:solidFill>
+                        </a:rPr>
+                        <a:t>taskId</a:t>
+                      </a:r>
+                      <a:r>
+                        <a:rPr lang="en-SG" sz="1600" i="0" u="none" dirty="0">
+                          <a:solidFill>
+                            <a:schemeClr val="tx1"/>
+                          </a:solidFill>
+                        </a:rPr>
+                        <a:t>: </a:t>
+                      </a:r>
+                      <a:r>
+                        <a:rPr lang="en-SG" sz="1600" i="0" u="none" dirty="0">
+                          <a:solidFill>
+                            <a:srgbClr val="FF0000"/>
+                          </a:solidFill>
+                        </a:rPr>
+                        <a:t>12345</a:t>
+                      </a:r>
+                      <a:endParaRPr lang="en-SG" sz="1600" i="0" u="none" dirty="0">
+                        <a:solidFill>
+                          <a:schemeClr val="tx1"/>
+                        </a:solidFill>
+                      </a:endParaRPr>
+                    </a:p>
+                  </a:txBody>
+                  <a:tcPr>
+                    <a:solidFill>
+                      <a:srgbClr val="92D050"/>
+                    </a:solidFill>
+                  </a:tcPr>
+                </a:tc>
+                <a:extLst>
+                  <a:ext uri="{0D108BD9-81ED-4DB2-BD59-A6C34878D82A}">
+                    <a16:rowId xmlns:a16="http://schemas.microsoft.com/office/drawing/2014/main" val="412482737"/>
+                  </a:ext>
+                </a:extLst>
+              </a:tr>
+            </a:tbl>
+          </a:graphicData>
+        </a:graphic>
+      </p:graphicFrame>
+      <p:sp>
+        <p:nvSpPr>
+          <p:cNvPr id="39" name="Rectangle 38">
+            <a:extLst>
+              <a:ext uri="{FF2B5EF4-FFF2-40B4-BE49-F238E27FC236}">
+                <a16:creationId xmlns:a16="http://schemas.microsoft.com/office/drawing/2014/main" id="{5C12204A-88DF-4DD1-9C15-3D29E5BF3BC9}"/>
+              </a:ext>
+            </a:extLst>
+          </p:cNvPr>
+          <p:cNvSpPr/>
+          <p:nvPr/>
+        </p:nvSpPr>
+        <p:spPr>
+          <a:xfrm rot="5400000">
+            <a:off x="3226519" y="2324430"/>
+            <a:ext cx="5518332" cy="1975548"/>
+          </a:xfrm>
+          <a:prstGeom prst="rect">
+            <a:avLst/>
+          </a:prstGeom>
+          <a:noFill/>
+          <a:ln w="38100">
+            <a:solidFill>
+              <a:srgbClr val="002060"/>
+            </a:solidFill>
+          </a:ln>
+        </p:spPr>
+        <p:style>
+          <a:lnRef idx="2">
+            <a:schemeClr val="accent1">
+              <a:shade val="50000"/>
+            </a:schemeClr>
+          </a:lnRef>
+          <a:fillRef idx="1">
+            <a:schemeClr val="accent1"/>
+          </a:fillRef>
+          <a:effectRef idx="0">
+            <a:schemeClr val="accent1"/>
+          </a:effectRef>
+          <a:fontRef idx="minor">
+            <a:schemeClr val="lt1"/>
+          </a:fontRef>
+        </p:style>
+        <p:txBody>
+          <a:bodyPr rtlCol="0" anchor="ctr"/>
+          <a:lstStyle/>
+          <a:p>
+            <a:pPr algn="ctr"/>
+            <a:endParaRPr lang="en-SG"/>
+          </a:p>
+        </p:txBody>
+      </p:sp>
+      <p:sp>
+        <p:nvSpPr>
+          <p:cNvPr id="44" name="TextBox 43">
+            <a:extLst>
+              <a:ext uri="{FF2B5EF4-FFF2-40B4-BE49-F238E27FC236}">
+                <a16:creationId xmlns:a16="http://schemas.microsoft.com/office/drawing/2014/main" id="{451C2A20-7C1F-4A05-8091-EFE9A89BF0A8}"/>
+              </a:ext>
+            </a:extLst>
+          </p:cNvPr>
+          <p:cNvSpPr txBox="1"/>
+          <p:nvPr/>
+        </p:nvSpPr>
+        <p:spPr>
+          <a:xfrm>
+            <a:off x="10651873" y="2979755"/>
+            <a:ext cx="1430392" cy="1200329"/>
+          </a:xfrm>
+          <a:prstGeom prst="rect">
+            <a:avLst/>
+          </a:prstGeom>
+          <a:noFill/>
+        </p:spPr>
+        <p:txBody>
+          <a:bodyPr wrap="square" rtlCol="0">
+            <a:spAutoFit/>
+          </a:bodyPr>
+          <a:lstStyle/>
+          <a:p>
+            <a:pPr algn="ctr"/>
+            <a:r>
+              <a:rPr lang="en-SG" dirty="0">
+                <a:latin typeface="Consolas" panose="020B0609020204030204" pitchFamily="49" charset="0"/>
+              </a:rPr>
+              <a:t>User selected task at index 2</a:t>
+            </a:r>
+          </a:p>
+        </p:txBody>
+      </p:sp>
+      <p:cxnSp>
+        <p:nvCxnSpPr>
+          <p:cNvPr id="45" name="Straight Arrow Connector 44">
+            <a:extLst>
+              <a:ext uri="{FF2B5EF4-FFF2-40B4-BE49-F238E27FC236}">
+                <a16:creationId xmlns:a16="http://schemas.microsoft.com/office/drawing/2014/main" id="{B3742E7B-649B-4913-BF2F-095EA21DAF09}"/>
+              </a:ext>
+            </a:extLst>
+          </p:cNvPr>
+          <p:cNvCxnSpPr>
+            <a:cxnSpLocks/>
+          </p:cNvCxnSpPr>
+          <p:nvPr/>
+        </p:nvCxnSpPr>
+        <p:spPr>
+          <a:xfrm flipH="1" flipV="1">
+            <a:off x="10404380" y="3579920"/>
+            <a:ext cx="397988" cy="1"/>
+          </a:xfrm>
+          <a:prstGeom prst="straightConnector1">
+            <a:avLst/>
+          </a:prstGeom>
+          <a:ln w="28575">
+            <a:solidFill>
+              <a:srgbClr val="FF0000"/>
+            </a:solidFill>
+            <a:tailEnd type="triangle"/>
+          </a:ln>
+        </p:spPr>
+        <p:style>
+          <a:lnRef idx="1">
+            <a:schemeClr val="accent1"/>
+          </a:lnRef>
+          <a:fillRef idx="0">
+            <a:schemeClr val="accent1"/>
+          </a:fillRef>
+          <a:effectRef idx="0">
+            <a:schemeClr val="accent1"/>
+          </a:effectRef>
+          <a:fontRef idx="minor">
+            <a:schemeClr val="tx1"/>
+          </a:fontRef>
+        </p:style>
+      </p:cxnSp>
+      <p:graphicFrame>
+        <p:nvGraphicFramePr>
+          <p:cNvPr id="38" name="Table 37">
+            <a:extLst>
+              <a:ext uri="{FF2B5EF4-FFF2-40B4-BE49-F238E27FC236}">
+                <a16:creationId xmlns:a16="http://schemas.microsoft.com/office/drawing/2014/main" id="{70508A65-69D5-44ED-8625-7B995FB141EE}"/>
+              </a:ext>
+            </a:extLst>
+          </p:cNvPr>
+          <p:cNvGraphicFramePr>
+            <a:graphicFrameLocks noGrp="1"/>
+          </p:cNvGraphicFramePr>
+          <p:nvPr>
+            <p:extLst>
+              <p:ext uri="{D42A27DB-BD31-4B8C-83A1-F6EECF244321}">
+                <p14:modId xmlns:p14="http://schemas.microsoft.com/office/powerpoint/2010/main" val="995759673"/>
+              </p:ext>
+            </p:extLst>
+          </p:nvPr>
+        </p:nvGraphicFramePr>
+        <p:xfrm>
+          <a:off x="5083760" y="4479767"/>
+          <a:ext cx="1823715" cy="1432560"/>
+        </p:xfrm>
+        <a:graphic>
+          <a:graphicData uri="http://schemas.openxmlformats.org/drawingml/2006/table">
+            <a:tbl>
+              <a:tblPr>
+                <a:tableStyleId>{638B1855-1B75-4FBE-930C-398BA8C253C6}</a:tableStyleId>
+              </a:tblPr>
+              <a:tblGrid>
+                <a:gridCol w="1823715">
+                  <a:extLst>
+                    <a:ext uri="{9D8B030D-6E8A-4147-A177-3AD203B41FA5}">
+                      <a16:colId xmlns:a16="http://schemas.microsoft.com/office/drawing/2014/main" val="4240773277"/>
+                    </a:ext>
+                  </a:extLst>
+                </a:gridCol>
+              </a:tblGrid>
+              <a:tr h="272961">
+                <a:tc>
+                  <a:txBody>
+                    <a:bodyPr/>
+                    <a:lstStyle/>
+                    <a:p>
+                      <a:r>
+                        <a:rPr lang="en-SG" b="1" u="none" dirty="0">
+                          <a:solidFill>
+                            <a:schemeClr val="tx1"/>
+                          </a:solidFill>
+                        </a:rPr>
+                        <a:t>Task </a:t>
+                      </a:r>
+                    </a:p>
+                  </a:txBody>
+                  <a:tcPr/>
+                </a:tc>
+                <a:extLst>
+                  <a:ext uri="{0D108BD9-81ED-4DB2-BD59-A6C34878D82A}">
+                    <a16:rowId xmlns:a16="http://schemas.microsoft.com/office/drawing/2014/main" val="2194462629"/>
+                  </a:ext>
+                </a:extLst>
+              </a:tr>
+              <a:tr h="881977">
+                <a:tc>
+                  <a:txBody>
+                    <a:bodyPr/>
+                    <a:lstStyle/>
+                    <a:p>
+                      <a:pPr marL="0" marR="0" lvl="0" indent="0" algn="l" defTabSz="914400" rtl="0" eaLnBrk="1" fontAlgn="auto" latinLnBrk="0" hangingPunct="1">
+                        <a:lnSpc>
+                          <a:spcPct val="100000"/>
+                        </a:lnSpc>
+                        <a:spcBef>
+                          <a:spcPts val="0"/>
+                        </a:spcBef>
+                        <a:spcAft>
+                          <a:spcPts val="0"/>
+                        </a:spcAft>
+                        <a:buClrTx/>
+                        <a:buSzTx/>
+                        <a:buFontTx/>
+                        <a:buNone/>
+                        <a:tabLst/>
+                        <a:defRPr/>
+                      </a:pPr>
+                      <a:r>
+                        <a:rPr lang="en-SG" sz="1600" i="0" u="none" dirty="0">
+                          <a:solidFill>
+                            <a:schemeClr val="tx1"/>
+                          </a:solidFill>
+                        </a:rPr>
+                        <a:t>name: </a:t>
+                      </a:r>
+                      <a:r>
+                        <a:rPr lang="en-SG" sz="1600" i="0" u="none" dirty="0">
+                          <a:solidFill>
+                            <a:srgbClr val="FF0000"/>
+                          </a:solidFill>
+                        </a:rPr>
+                        <a:t>B Edit</a:t>
+                      </a:r>
+                    </a:p>
+                    <a:p>
+                      <a:r>
+                        <a:rPr lang="en-SG" sz="1600" i="0" u="none" dirty="0">
+                          <a:solidFill>
+                            <a:schemeClr val="tx1"/>
+                          </a:solidFill>
+                        </a:rPr>
+                        <a:t>description:</a:t>
+                      </a:r>
+                    </a:p>
+                    <a:p>
+                      <a:r>
+                        <a:rPr lang="en-SG" sz="1600" i="0" u="none" dirty="0">
+                          <a:solidFill>
+                            <a:schemeClr val="tx1"/>
+                          </a:solidFill>
+                        </a:rPr>
+                        <a:t>deadline:</a:t>
+                      </a:r>
+                    </a:p>
+                    <a:p>
+                      <a:r>
+                        <a:rPr lang="en-SG" sz="1600" i="0" u="none" dirty="0" err="1">
+                          <a:solidFill>
+                            <a:schemeClr val="tx1"/>
+                          </a:solidFill>
+                        </a:rPr>
+                        <a:t>taskId</a:t>
+                      </a:r>
+                      <a:r>
+                        <a:rPr lang="en-SG" sz="1600" i="0" u="none" dirty="0">
+                          <a:solidFill>
+                            <a:schemeClr val="tx1"/>
+                          </a:solidFill>
+                        </a:rPr>
+                        <a:t>: </a:t>
+                      </a:r>
+                      <a:r>
+                        <a:rPr lang="en-SG" sz="1600" i="0" u="none" dirty="0">
+                          <a:solidFill>
+                            <a:srgbClr val="FF0000"/>
+                          </a:solidFill>
+                        </a:rPr>
+                        <a:t>12345</a:t>
+                      </a:r>
+                      <a:endParaRPr lang="en-SG" sz="1600" i="0" u="none" dirty="0">
+                        <a:solidFill>
+                          <a:schemeClr val="tx1"/>
+                        </a:solidFill>
+                      </a:endParaRPr>
+                    </a:p>
+                  </a:txBody>
+                  <a:tcPr>
+                    <a:solidFill>
+                      <a:srgbClr val="92D050"/>
+                    </a:solidFill>
+                  </a:tcPr>
+                </a:tc>
+                <a:extLst>
+                  <a:ext uri="{0D108BD9-81ED-4DB2-BD59-A6C34878D82A}">
+                    <a16:rowId xmlns:a16="http://schemas.microsoft.com/office/drawing/2014/main" val="412482737"/>
+                  </a:ext>
+                </a:extLst>
+              </a:tr>
+            </a:tbl>
+          </a:graphicData>
+        </a:graphic>
+      </p:graphicFrame>
+      <p:cxnSp>
+        <p:nvCxnSpPr>
+          <p:cNvPr id="46" name="Straight Arrow Connector 45">
+            <a:extLst>
+              <a:ext uri="{FF2B5EF4-FFF2-40B4-BE49-F238E27FC236}">
+                <a16:creationId xmlns:a16="http://schemas.microsoft.com/office/drawing/2014/main" id="{8F497D88-ED97-45FF-86F5-9844EE8AC679}"/>
+              </a:ext>
+            </a:extLst>
+          </p:cNvPr>
+          <p:cNvCxnSpPr>
+            <a:cxnSpLocks/>
+          </p:cNvCxnSpPr>
+          <p:nvPr/>
+        </p:nvCxnSpPr>
+        <p:spPr>
+          <a:xfrm>
+            <a:off x="7236530" y="561939"/>
+            <a:ext cx="0" cy="5734121"/>
+          </a:xfrm>
+          <a:prstGeom prst="straightConnector1">
+            <a:avLst/>
+          </a:prstGeom>
+          <a:ln w="57150">
+            <a:solidFill>
+              <a:srgbClr val="00B0F0"/>
+            </a:solidFill>
+            <a:tailEnd type="triangle"/>
+          </a:ln>
+        </p:spPr>
+        <p:style>
+          <a:lnRef idx="1">
+            <a:schemeClr val="accent1"/>
+          </a:lnRef>
+          <a:fillRef idx="0">
+            <a:schemeClr val="accent1"/>
+          </a:fillRef>
+          <a:effectRef idx="0">
+            <a:schemeClr val="accent1"/>
+          </a:effectRef>
+          <a:fontRef idx="minor">
+            <a:schemeClr val="tx1"/>
+          </a:fontRef>
+        </p:style>
+      </p:cxnSp>
+      <p:graphicFrame>
+        <p:nvGraphicFramePr>
+          <p:cNvPr id="55" name="Table 54">
+            <a:extLst>
+              <a:ext uri="{FF2B5EF4-FFF2-40B4-BE49-F238E27FC236}">
+                <a16:creationId xmlns:a16="http://schemas.microsoft.com/office/drawing/2014/main" id="{141370C5-39B4-4666-A2B4-044592FB225C}"/>
+              </a:ext>
+            </a:extLst>
+          </p:cNvPr>
+          <p:cNvGraphicFramePr>
+            <a:graphicFrameLocks noGrp="1"/>
+          </p:cNvGraphicFramePr>
+          <p:nvPr>
+            <p:extLst>
+              <p:ext uri="{D42A27DB-BD31-4B8C-83A1-F6EECF244321}">
+                <p14:modId xmlns:p14="http://schemas.microsoft.com/office/powerpoint/2010/main" val="2241923366"/>
+              </p:ext>
+            </p:extLst>
+          </p:nvPr>
+        </p:nvGraphicFramePr>
+        <p:xfrm>
+          <a:off x="2678303" y="667042"/>
+          <a:ext cx="1825824" cy="417888"/>
+        </p:xfrm>
+        <a:graphic>
+          <a:graphicData uri="http://schemas.openxmlformats.org/drawingml/2006/table">
+            <a:tbl>
+              <a:tblPr>
+                <a:tableStyleId>{638B1855-1B75-4FBE-930C-398BA8C253C6}</a:tableStyleId>
+              </a:tblPr>
+              <a:tblGrid>
+                <a:gridCol w="1825824">
+                  <a:extLst>
+                    <a:ext uri="{9D8B030D-6E8A-4147-A177-3AD203B41FA5}">
+                      <a16:colId xmlns:a16="http://schemas.microsoft.com/office/drawing/2014/main" val="4240773277"/>
+                    </a:ext>
+                  </a:extLst>
+                </a:gridCol>
+              </a:tblGrid>
+              <a:tr h="417888">
+                <a:tc>
+                  <a:txBody>
+                    <a:bodyPr/>
+                    <a:lstStyle/>
+                    <a:p>
+                      <a:r>
+                        <a:rPr lang="en-SG" u="sng" dirty="0"/>
+                        <a:t>p1:Project</a:t>
+                      </a:r>
+                    </a:p>
+                  </a:txBody>
+                  <a:tcPr/>
+                </a:tc>
+                <a:extLst>
+                  <a:ext uri="{0D108BD9-81ED-4DB2-BD59-A6C34878D82A}">
+                    <a16:rowId xmlns:a16="http://schemas.microsoft.com/office/drawing/2014/main" val="2194462629"/>
+                  </a:ext>
+                </a:extLst>
+              </a:tr>
+            </a:tbl>
+          </a:graphicData>
+        </a:graphic>
+      </p:graphicFrame>
+      <p:graphicFrame>
+        <p:nvGraphicFramePr>
+          <p:cNvPr id="56" name="Table 55">
+            <a:extLst>
+              <a:ext uri="{FF2B5EF4-FFF2-40B4-BE49-F238E27FC236}">
+                <a16:creationId xmlns:a16="http://schemas.microsoft.com/office/drawing/2014/main" id="{3AF169BF-0E06-416D-9925-1D8DF22BA425}"/>
+              </a:ext>
+            </a:extLst>
+          </p:cNvPr>
+          <p:cNvGraphicFramePr>
+            <a:graphicFrameLocks noGrp="1"/>
+          </p:cNvGraphicFramePr>
+          <p:nvPr>
+            <p:extLst>
+              <p:ext uri="{D42A27DB-BD31-4B8C-83A1-F6EECF244321}">
+                <p14:modId xmlns:p14="http://schemas.microsoft.com/office/powerpoint/2010/main" val="2757266720"/>
+              </p:ext>
+            </p:extLst>
+          </p:nvPr>
+        </p:nvGraphicFramePr>
+        <p:xfrm>
+          <a:off x="2680412" y="1249718"/>
+          <a:ext cx="1823715" cy="1432560"/>
+        </p:xfrm>
+        <a:graphic>
+          <a:graphicData uri="http://schemas.openxmlformats.org/drawingml/2006/table">
+            <a:tbl>
+              <a:tblPr>
+                <a:tableStyleId>{638B1855-1B75-4FBE-930C-398BA8C253C6}</a:tableStyleId>
+              </a:tblPr>
+              <a:tblGrid>
+                <a:gridCol w="1823715">
+                  <a:extLst>
+                    <a:ext uri="{9D8B030D-6E8A-4147-A177-3AD203B41FA5}">
+                      <a16:colId xmlns:a16="http://schemas.microsoft.com/office/drawing/2014/main" val="4240773277"/>
+                    </a:ext>
+                  </a:extLst>
+                </a:gridCol>
+              </a:tblGrid>
+              <a:tr h="272961">
+                <a:tc>
+                  <a:txBody>
+                    <a:bodyPr/>
+                    <a:lstStyle/>
+                    <a:p>
+                      <a:r>
+                        <a:rPr lang="en-SG" b="1" u="none" dirty="0">
+                          <a:solidFill>
+                            <a:schemeClr val="tx1"/>
+                          </a:solidFill>
+                        </a:rPr>
+                        <a:t>Task</a:t>
+                      </a:r>
+                    </a:p>
+                  </a:txBody>
+                  <a:tcPr/>
+                </a:tc>
+                <a:extLst>
+                  <a:ext uri="{0D108BD9-81ED-4DB2-BD59-A6C34878D82A}">
+                    <a16:rowId xmlns:a16="http://schemas.microsoft.com/office/drawing/2014/main" val="2194462629"/>
+                  </a:ext>
+                </a:extLst>
+              </a:tr>
+              <a:tr h="881977">
+                <a:tc>
+                  <a:txBody>
+                    <a:bodyPr/>
+                    <a:lstStyle/>
+                    <a:p>
+                      <a:r>
+                        <a:rPr lang="en-SG" sz="1600" i="0" u="none" dirty="0">
+                          <a:solidFill>
+                            <a:schemeClr val="tx1"/>
+                          </a:solidFill>
+                        </a:rPr>
+                        <a:t>name:</a:t>
+                      </a:r>
+                    </a:p>
+                    <a:p>
+                      <a:r>
+                        <a:rPr lang="en-SG" sz="1600" i="0" u="none" dirty="0">
+                          <a:solidFill>
+                            <a:schemeClr val="tx1"/>
+                          </a:solidFill>
+                        </a:rPr>
+                        <a:t>description:</a:t>
+                      </a:r>
+                    </a:p>
+                    <a:p>
+                      <a:r>
+                        <a:rPr lang="en-SG" sz="1600" i="0" u="none" dirty="0">
+                          <a:solidFill>
+                            <a:schemeClr val="tx1"/>
+                          </a:solidFill>
+                        </a:rPr>
+                        <a:t>deadline:</a:t>
+                      </a:r>
+                    </a:p>
+                    <a:p>
+                      <a:r>
+                        <a:rPr lang="en-SG" sz="1600" i="0" u="none" dirty="0" err="1">
+                          <a:solidFill>
+                            <a:schemeClr val="tx1"/>
+                          </a:solidFill>
+                        </a:rPr>
+                        <a:t>taskId</a:t>
+                      </a:r>
+                      <a:r>
+                        <a:rPr lang="en-SG" sz="1600" i="0" u="none" dirty="0">
+                          <a:solidFill>
+                            <a:schemeClr val="tx1"/>
+                          </a:solidFill>
+                        </a:rPr>
+                        <a:t>: 6789</a:t>
+                      </a:r>
+                    </a:p>
+                  </a:txBody>
+                  <a:tcPr>
+                    <a:solidFill>
+                      <a:srgbClr val="92D050"/>
+                    </a:solidFill>
+                  </a:tcPr>
+                </a:tc>
+                <a:extLst>
+                  <a:ext uri="{0D108BD9-81ED-4DB2-BD59-A6C34878D82A}">
+                    <a16:rowId xmlns:a16="http://schemas.microsoft.com/office/drawing/2014/main" val="412482737"/>
+                  </a:ext>
+                </a:extLst>
+              </a:tr>
+            </a:tbl>
+          </a:graphicData>
+        </a:graphic>
+      </p:graphicFrame>
+      <p:sp>
+        <p:nvSpPr>
+          <p:cNvPr id="58" name="Rectangle 57">
+            <a:extLst>
+              <a:ext uri="{FF2B5EF4-FFF2-40B4-BE49-F238E27FC236}">
+                <a16:creationId xmlns:a16="http://schemas.microsoft.com/office/drawing/2014/main" id="{C6764EF4-D347-4D01-BC56-DF4367E4BE7A}"/>
+              </a:ext>
+            </a:extLst>
+          </p:cNvPr>
+          <p:cNvSpPr/>
+          <p:nvPr/>
+        </p:nvSpPr>
+        <p:spPr>
+          <a:xfrm rot="5400000">
+            <a:off x="1627850" y="1528629"/>
+            <a:ext cx="3926729" cy="1975548"/>
+          </a:xfrm>
+          <a:prstGeom prst="rect">
+            <a:avLst/>
+          </a:prstGeom>
+          <a:noFill/>
+          <a:ln w="38100">
+            <a:solidFill>
+              <a:srgbClr val="002060"/>
+            </a:solidFill>
+          </a:ln>
+        </p:spPr>
+        <p:style>
+          <a:lnRef idx="2">
+            <a:schemeClr val="accent1">
+              <a:shade val="50000"/>
+            </a:schemeClr>
+          </a:lnRef>
+          <a:fillRef idx="1">
+            <a:schemeClr val="accent1"/>
+          </a:fillRef>
+          <a:effectRef idx="0">
+            <a:schemeClr val="accent1"/>
+          </a:effectRef>
+          <a:fontRef idx="minor">
+            <a:schemeClr val="lt1"/>
+          </a:fontRef>
+        </p:style>
+        <p:txBody>
+          <a:bodyPr rtlCol="0" anchor="ctr"/>
+          <a:lstStyle/>
+          <a:p>
+            <a:pPr algn="ctr"/>
+            <a:endParaRPr lang="en-SG"/>
+          </a:p>
+        </p:txBody>
+      </p:sp>
+      <p:graphicFrame>
+        <p:nvGraphicFramePr>
+          <p:cNvPr id="59" name="Table 58">
+            <a:extLst>
+              <a:ext uri="{FF2B5EF4-FFF2-40B4-BE49-F238E27FC236}">
+                <a16:creationId xmlns:a16="http://schemas.microsoft.com/office/drawing/2014/main" id="{4756CEDA-7171-45F3-A124-DDD8724415D5}"/>
+              </a:ext>
+            </a:extLst>
+          </p:cNvPr>
+          <p:cNvGraphicFramePr>
+            <a:graphicFrameLocks noGrp="1"/>
+          </p:cNvGraphicFramePr>
+          <p:nvPr>
+            <p:extLst>
+              <p:ext uri="{D42A27DB-BD31-4B8C-83A1-F6EECF244321}">
+                <p14:modId xmlns:p14="http://schemas.microsoft.com/office/powerpoint/2010/main" val="2812064567"/>
+              </p:ext>
+            </p:extLst>
+          </p:nvPr>
+        </p:nvGraphicFramePr>
+        <p:xfrm>
+          <a:off x="2685242" y="2837395"/>
+          <a:ext cx="1823715" cy="1432560"/>
+        </p:xfrm>
+        <a:graphic>
+          <a:graphicData uri="http://schemas.openxmlformats.org/drawingml/2006/table">
+            <a:tbl>
+              <a:tblPr>
+                <a:tableStyleId>{638B1855-1B75-4FBE-930C-398BA8C253C6}</a:tableStyleId>
+              </a:tblPr>
+              <a:tblGrid>
+                <a:gridCol w="1823715">
+                  <a:extLst>
+                    <a:ext uri="{9D8B030D-6E8A-4147-A177-3AD203B41FA5}">
+                      <a16:colId xmlns:a16="http://schemas.microsoft.com/office/drawing/2014/main" val="4240773277"/>
+                    </a:ext>
+                  </a:extLst>
+                </a:gridCol>
+              </a:tblGrid>
+              <a:tr h="272961">
+                <a:tc>
+                  <a:txBody>
+                    <a:bodyPr/>
+                    <a:lstStyle/>
+                    <a:p>
+                      <a:r>
+                        <a:rPr lang="en-SG" b="1" u="none" dirty="0">
+                          <a:solidFill>
+                            <a:schemeClr val="tx1"/>
+                          </a:solidFill>
+                        </a:rPr>
+                        <a:t>Task </a:t>
+                      </a:r>
+                    </a:p>
+                  </a:txBody>
+                  <a:tcPr/>
+                </a:tc>
+                <a:extLst>
+                  <a:ext uri="{0D108BD9-81ED-4DB2-BD59-A6C34878D82A}">
+                    <a16:rowId xmlns:a16="http://schemas.microsoft.com/office/drawing/2014/main" val="2194462629"/>
+                  </a:ext>
+                </a:extLst>
+              </a:tr>
+              <a:tr h="881977">
+                <a:tc>
+                  <a:txBody>
+                    <a:bodyPr/>
+                    <a:lstStyle/>
+                    <a:p>
+                      <a:pPr marL="0" marR="0" lvl="0" indent="0" algn="l" defTabSz="914400" rtl="0" eaLnBrk="1" fontAlgn="auto" latinLnBrk="0" hangingPunct="1">
+                        <a:lnSpc>
+                          <a:spcPct val="100000"/>
+                        </a:lnSpc>
+                        <a:spcBef>
+                          <a:spcPts val="0"/>
+                        </a:spcBef>
+                        <a:spcAft>
+                          <a:spcPts val="0"/>
+                        </a:spcAft>
+                        <a:buClrTx/>
+                        <a:buSzTx/>
+                        <a:buFontTx/>
+                        <a:buNone/>
+                        <a:tabLst/>
+                        <a:defRPr/>
+                      </a:pPr>
+                      <a:r>
+                        <a:rPr lang="en-SG" sz="1600" i="0" u="none" dirty="0">
+                          <a:solidFill>
+                            <a:schemeClr val="tx1"/>
+                          </a:solidFill>
+                        </a:rPr>
+                        <a:t>name: </a:t>
+                      </a:r>
+                      <a:r>
+                        <a:rPr lang="en-SG" sz="1600" i="0" u="none" dirty="0">
+                          <a:solidFill>
+                            <a:srgbClr val="FF0000"/>
+                          </a:solidFill>
+                        </a:rPr>
+                        <a:t>B Edit</a:t>
+                      </a:r>
+                    </a:p>
+                    <a:p>
+                      <a:r>
+                        <a:rPr lang="en-SG" sz="1600" i="0" u="none" dirty="0">
+                          <a:solidFill>
+                            <a:schemeClr val="tx1"/>
+                          </a:solidFill>
+                        </a:rPr>
+                        <a:t>description:</a:t>
+                      </a:r>
+                    </a:p>
+                    <a:p>
+                      <a:r>
+                        <a:rPr lang="en-SG" sz="1600" i="0" u="none" dirty="0">
+                          <a:solidFill>
+                            <a:schemeClr val="tx1"/>
+                          </a:solidFill>
+                        </a:rPr>
+                        <a:t>deadline:</a:t>
+                      </a:r>
+                    </a:p>
+                    <a:p>
+                      <a:r>
+                        <a:rPr lang="en-SG" sz="1600" i="0" u="none" dirty="0" err="1">
+                          <a:solidFill>
+                            <a:schemeClr val="tx1"/>
+                          </a:solidFill>
+                        </a:rPr>
+                        <a:t>taskId</a:t>
+                      </a:r>
+                      <a:r>
+                        <a:rPr lang="en-SG" sz="1600" i="0" u="none" dirty="0">
+                          <a:solidFill>
+                            <a:schemeClr val="tx1"/>
+                          </a:solidFill>
+                        </a:rPr>
+                        <a:t>: </a:t>
+                      </a:r>
+                      <a:r>
+                        <a:rPr lang="en-SG" sz="1600" i="0" u="none" dirty="0">
+                          <a:solidFill>
+                            <a:srgbClr val="FF0000"/>
+                          </a:solidFill>
+                        </a:rPr>
+                        <a:t>12345</a:t>
+                      </a:r>
+                      <a:endParaRPr lang="en-SG" sz="1600" i="0" u="none" dirty="0">
+                        <a:solidFill>
+                          <a:schemeClr val="tx1"/>
+                        </a:solidFill>
+                      </a:endParaRPr>
+                    </a:p>
+                  </a:txBody>
+                  <a:tcPr>
+                    <a:solidFill>
+                      <a:srgbClr val="92D050"/>
+                    </a:solidFill>
+                  </a:tcPr>
+                </a:tc>
+                <a:extLst>
+                  <a:ext uri="{0D108BD9-81ED-4DB2-BD59-A6C34878D82A}">
+                    <a16:rowId xmlns:a16="http://schemas.microsoft.com/office/drawing/2014/main" val="412482737"/>
+                  </a:ext>
+                </a:extLst>
+              </a:tr>
+            </a:tbl>
+          </a:graphicData>
+        </a:graphic>
+      </p:graphicFrame>
+      <p:graphicFrame>
+        <p:nvGraphicFramePr>
+          <p:cNvPr id="64" name="Table 63">
+            <a:extLst>
+              <a:ext uri="{FF2B5EF4-FFF2-40B4-BE49-F238E27FC236}">
+                <a16:creationId xmlns:a16="http://schemas.microsoft.com/office/drawing/2014/main" id="{A795F416-6A84-47ED-AF2F-D90ED19D76B6}"/>
+              </a:ext>
+            </a:extLst>
+          </p:cNvPr>
+          <p:cNvGraphicFramePr>
+            <a:graphicFrameLocks noGrp="1"/>
+          </p:cNvGraphicFramePr>
+          <p:nvPr>
+            <p:extLst>
+              <p:ext uri="{D42A27DB-BD31-4B8C-83A1-F6EECF244321}">
+                <p14:modId xmlns:p14="http://schemas.microsoft.com/office/powerpoint/2010/main" val="3143954761"/>
+              </p:ext>
+            </p:extLst>
+          </p:nvPr>
+        </p:nvGraphicFramePr>
+        <p:xfrm>
+          <a:off x="312973" y="667042"/>
+          <a:ext cx="1825824" cy="417888"/>
+        </p:xfrm>
+        <a:graphic>
+          <a:graphicData uri="http://schemas.openxmlformats.org/drawingml/2006/table">
+            <a:tbl>
+              <a:tblPr>
+                <a:tableStyleId>{638B1855-1B75-4FBE-930C-398BA8C253C6}</a:tableStyleId>
+              </a:tblPr>
+              <a:tblGrid>
+                <a:gridCol w="1825824">
+                  <a:extLst>
+                    <a:ext uri="{9D8B030D-6E8A-4147-A177-3AD203B41FA5}">
+                      <a16:colId xmlns:a16="http://schemas.microsoft.com/office/drawing/2014/main" val="4240773277"/>
+                    </a:ext>
+                  </a:extLst>
+                </a:gridCol>
+              </a:tblGrid>
+              <a:tr h="417888">
+                <a:tc>
+                  <a:txBody>
+                    <a:bodyPr/>
+                    <a:lstStyle/>
+                    <a:p>
+                      <a:r>
+                        <a:rPr lang="en-SG" u="sng" dirty="0"/>
+                        <a:t>p0:Project</a:t>
+                      </a:r>
+                    </a:p>
+                  </a:txBody>
+                  <a:tcPr/>
+                </a:tc>
+                <a:extLst>
+                  <a:ext uri="{0D108BD9-81ED-4DB2-BD59-A6C34878D82A}">
+                    <a16:rowId xmlns:a16="http://schemas.microsoft.com/office/drawing/2014/main" val="2194462629"/>
+                  </a:ext>
+                </a:extLst>
+              </a:tr>
+            </a:tbl>
+          </a:graphicData>
+        </a:graphic>
+      </p:graphicFrame>
+      <p:graphicFrame>
+        <p:nvGraphicFramePr>
+          <p:cNvPr id="65" name="Table 64">
+            <a:extLst>
+              <a:ext uri="{FF2B5EF4-FFF2-40B4-BE49-F238E27FC236}">
+                <a16:creationId xmlns:a16="http://schemas.microsoft.com/office/drawing/2014/main" id="{93F2022B-7813-43EF-8589-DC8EE262A1CD}"/>
+              </a:ext>
+            </a:extLst>
+          </p:cNvPr>
+          <p:cNvGraphicFramePr>
+            <a:graphicFrameLocks noGrp="1"/>
+          </p:cNvGraphicFramePr>
+          <p:nvPr>
+            <p:extLst>
+              <p:ext uri="{D42A27DB-BD31-4B8C-83A1-F6EECF244321}">
+                <p14:modId xmlns:p14="http://schemas.microsoft.com/office/powerpoint/2010/main" val="1567856778"/>
+              </p:ext>
+            </p:extLst>
+          </p:nvPr>
+        </p:nvGraphicFramePr>
+        <p:xfrm>
+          <a:off x="315082" y="1249718"/>
+          <a:ext cx="1823715" cy="1432560"/>
+        </p:xfrm>
+        <a:graphic>
+          <a:graphicData uri="http://schemas.openxmlformats.org/drawingml/2006/table">
+            <a:tbl>
+              <a:tblPr>
+                <a:tableStyleId>{638B1855-1B75-4FBE-930C-398BA8C253C6}</a:tableStyleId>
+              </a:tblPr>
+              <a:tblGrid>
+                <a:gridCol w="1823715">
+                  <a:extLst>
+                    <a:ext uri="{9D8B030D-6E8A-4147-A177-3AD203B41FA5}">
+                      <a16:colId xmlns:a16="http://schemas.microsoft.com/office/drawing/2014/main" val="4240773277"/>
+                    </a:ext>
+                  </a:extLst>
+                </a:gridCol>
+              </a:tblGrid>
+              <a:tr h="272961">
+                <a:tc>
+                  <a:txBody>
+                    <a:bodyPr/>
+                    <a:lstStyle/>
+                    <a:p>
+                      <a:r>
+                        <a:rPr lang="en-SG" b="1" u="none" dirty="0">
+                          <a:solidFill>
+                            <a:schemeClr val="tx1"/>
+                          </a:solidFill>
+                        </a:rPr>
+                        <a:t>Task</a:t>
+                      </a:r>
+                    </a:p>
+                  </a:txBody>
+                  <a:tcPr/>
+                </a:tc>
+                <a:extLst>
+                  <a:ext uri="{0D108BD9-81ED-4DB2-BD59-A6C34878D82A}">
+                    <a16:rowId xmlns:a16="http://schemas.microsoft.com/office/drawing/2014/main" val="2194462629"/>
+                  </a:ext>
+                </a:extLst>
+              </a:tr>
+              <a:tr h="881977">
+                <a:tc>
+                  <a:txBody>
+                    <a:bodyPr/>
+                    <a:lstStyle/>
+                    <a:p>
+                      <a:r>
+                        <a:rPr lang="en-SG" sz="1600" i="0" u="none" dirty="0">
+                          <a:solidFill>
+                            <a:schemeClr val="tx1"/>
+                          </a:solidFill>
+                        </a:rPr>
+                        <a:t>name:</a:t>
+                      </a:r>
+                    </a:p>
+                    <a:p>
+                      <a:r>
+                        <a:rPr lang="en-SG" sz="1600" i="0" u="none" dirty="0">
+                          <a:solidFill>
+                            <a:schemeClr val="tx1"/>
+                          </a:solidFill>
+                        </a:rPr>
+                        <a:t>description:</a:t>
+                      </a:r>
+                    </a:p>
+                    <a:p>
+                      <a:r>
+                        <a:rPr lang="en-SG" sz="1600" i="0" u="none" dirty="0">
+                          <a:solidFill>
+                            <a:schemeClr val="tx1"/>
+                          </a:solidFill>
+                        </a:rPr>
+                        <a:t>deadline:</a:t>
+                      </a:r>
+                    </a:p>
+                    <a:p>
+                      <a:r>
+                        <a:rPr lang="en-SG" sz="1600" i="0" u="none" dirty="0" err="1">
+                          <a:solidFill>
+                            <a:schemeClr val="tx1"/>
+                          </a:solidFill>
+                        </a:rPr>
+                        <a:t>taskId</a:t>
+                      </a:r>
+                      <a:r>
+                        <a:rPr lang="en-SG" sz="1600" i="0" u="none" dirty="0">
+                          <a:solidFill>
+                            <a:schemeClr val="tx1"/>
+                          </a:solidFill>
+                        </a:rPr>
+                        <a:t>: 6789</a:t>
+                      </a:r>
+                    </a:p>
+                  </a:txBody>
+                  <a:tcPr>
+                    <a:solidFill>
+                      <a:srgbClr val="92D050"/>
+                    </a:solidFill>
+                  </a:tcPr>
+                </a:tc>
+                <a:extLst>
+                  <a:ext uri="{0D108BD9-81ED-4DB2-BD59-A6C34878D82A}">
+                    <a16:rowId xmlns:a16="http://schemas.microsoft.com/office/drawing/2014/main" val="412482737"/>
+                  </a:ext>
+                </a:extLst>
+              </a:tr>
+            </a:tbl>
+          </a:graphicData>
+        </a:graphic>
+      </p:graphicFrame>
+      <p:sp>
+        <p:nvSpPr>
+          <p:cNvPr id="66" name="Rectangle 65">
+            <a:extLst>
+              <a:ext uri="{FF2B5EF4-FFF2-40B4-BE49-F238E27FC236}">
+                <a16:creationId xmlns:a16="http://schemas.microsoft.com/office/drawing/2014/main" id="{25D36AD3-E92C-490D-B3EF-91E822EBBA3B}"/>
+              </a:ext>
+            </a:extLst>
+          </p:cNvPr>
+          <p:cNvSpPr/>
+          <p:nvPr/>
+        </p:nvSpPr>
+        <p:spPr>
+          <a:xfrm rot="5400000">
+            <a:off x="-737480" y="1528629"/>
+            <a:ext cx="3926729" cy="1975548"/>
+          </a:xfrm>
+          <a:prstGeom prst="rect">
+            <a:avLst/>
+          </a:prstGeom>
+          <a:noFill/>
+          <a:ln w="38100">
+            <a:solidFill>
+              <a:srgbClr val="002060"/>
+            </a:solidFill>
+          </a:ln>
+        </p:spPr>
+        <p:style>
+          <a:lnRef idx="2">
+            <a:schemeClr val="accent1">
+              <a:shade val="50000"/>
+            </a:schemeClr>
+          </a:lnRef>
+          <a:fillRef idx="1">
+            <a:schemeClr val="accent1"/>
+          </a:fillRef>
+          <a:effectRef idx="0">
+            <a:schemeClr val="accent1"/>
+          </a:effectRef>
+          <a:fontRef idx="minor">
+            <a:schemeClr val="lt1"/>
+          </a:fontRef>
+        </p:style>
+        <p:txBody>
+          <a:bodyPr rtlCol="0" anchor="ctr"/>
+          <a:lstStyle/>
+          <a:p>
+            <a:pPr algn="ctr"/>
+            <a:endParaRPr lang="en-SG"/>
+          </a:p>
+        </p:txBody>
+      </p:sp>
+      <p:graphicFrame>
+        <p:nvGraphicFramePr>
+          <p:cNvPr id="67" name="Table 66">
+            <a:extLst>
+              <a:ext uri="{FF2B5EF4-FFF2-40B4-BE49-F238E27FC236}">
+                <a16:creationId xmlns:a16="http://schemas.microsoft.com/office/drawing/2014/main" id="{E467DB03-AB02-4FD1-9B28-527CFFE48CC5}"/>
+              </a:ext>
+            </a:extLst>
+          </p:cNvPr>
+          <p:cNvGraphicFramePr>
+            <a:graphicFrameLocks noGrp="1"/>
+          </p:cNvGraphicFramePr>
+          <p:nvPr>
+            <p:extLst>
+              <p:ext uri="{D42A27DB-BD31-4B8C-83A1-F6EECF244321}">
+                <p14:modId xmlns:p14="http://schemas.microsoft.com/office/powerpoint/2010/main" val="1082038753"/>
+              </p:ext>
+            </p:extLst>
+          </p:nvPr>
+        </p:nvGraphicFramePr>
+        <p:xfrm>
+          <a:off x="319912" y="2837395"/>
+          <a:ext cx="1823715" cy="1432560"/>
+        </p:xfrm>
+        <a:graphic>
+          <a:graphicData uri="http://schemas.openxmlformats.org/drawingml/2006/table">
+            <a:tbl>
+              <a:tblPr>
+                <a:tableStyleId>{638B1855-1B75-4FBE-930C-398BA8C253C6}</a:tableStyleId>
+              </a:tblPr>
+              <a:tblGrid>
+                <a:gridCol w="1823715">
+                  <a:extLst>
+                    <a:ext uri="{9D8B030D-6E8A-4147-A177-3AD203B41FA5}">
+                      <a16:colId xmlns:a16="http://schemas.microsoft.com/office/drawing/2014/main" val="4240773277"/>
+                    </a:ext>
+                  </a:extLst>
+                </a:gridCol>
+              </a:tblGrid>
+              <a:tr h="272961">
+                <a:tc>
+                  <a:txBody>
+                    <a:bodyPr/>
+                    <a:lstStyle/>
+                    <a:p>
+                      <a:r>
+                        <a:rPr lang="en-SG" b="1" u="none" dirty="0">
+                          <a:solidFill>
+                            <a:schemeClr val="tx1"/>
+                          </a:solidFill>
+                        </a:rPr>
+                        <a:t>Task </a:t>
+                      </a:r>
+                    </a:p>
+                  </a:txBody>
+                  <a:tcPr/>
+                </a:tc>
+                <a:extLst>
+                  <a:ext uri="{0D108BD9-81ED-4DB2-BD59-A6C34878D82A}">
+                    <a16:rowId xmlns:a16="http://schemas.microsoft.com/office/drawing/2014/main" val="2194462629"/>
+                  </a:ext>
+                </a:extLst>
+              </a:tr>
+              <a:tr h="881977">
+                <a:tc>
+                  <a:txBody>
+                    <a:bodyPr/>
+                    <a:lstStyle/>
+                    <a:p>
+                      <a:pPr marL="0" marR="0" lvl="0" indent="0" algn="l" defTabSz="914400" rtl="0" eaLnBrk="1" fontAlgn="auto" latinLnBrk="0" hangingPunct="1">
+                        <a:lnSpc>
+                          <a:spcPct val="100000"/>
+                        </a:lnSpc>
+                        <a:spcBef>
+                          <a:spcPts val="0"/>
+                        </a:spcBef>
+                        <a:spcAft>
+                          <a:spcPts val="0"/>
+                        </a:spcAft>
+                        <a:buClrTx/>
+                        <a:buSzTx/>
+                        <a:buFontTx/>
+                        <a:buNone/>
+                        <a:tabLst/>
+                        <a:defRPr/>
+                      </a:pPr>
+                      <a:r>
+                        <a:rPr lang="en-SG" sz="1600" i="0" u="none" dirty="0">
+                          <a:solidFill>
+                            <a:schemeClr val="tx1"/>
+                          </a:solidFill>
+                        </a:rPr>
+                        <a:t>name: </a:t>
+                      </a:r>
+                      <a:r>
+                        <a:rPr lang="en-SG" sz="1600" i="0" u="none" dirty="0">
+                          <a:solidFill>
+                            <a:srgbClr val="FF0000"/>
+                          </a:solidFill>
+                        </a:rPr>
+                        <a:t>B</a:t>
+                      </a:r>
+                    </a:p>
+                    <a:p>
+                      <a:r>
+                        <a:rPr lang="en-SG" sz="1600" i="0" u="none" dirty="0">
+                          <a:solidFill>
+                            <a:schemeClr val="tx1"/>
+                          </a:solidFill>
+                        </a:rPr>
+                        <a:t>description:</a:t>
+                      </a:r>
+                    </a:p>
+                    <a:p>
+                      <a:r>
+                        <a:rPr lang="en-SG" sz="1600" i="0" u="none" dirty="0">
+                          <a:solidFill>
+                            <a:schemeClr val="tx1"/>
+                          </a:solidFill>
+                        </a:rPr>
+                        <a:t>deadline:</a:t>
+                      </a:r>
+                    </a:p>
+                    <a:p>
+                      <a:r>
+                        <a:rPr lang="en-SG" sz="1600" i="0" u="none" dirty="0" err="1">
+                          <a:solidFill>
+                            <a:schemeClr val="tx1"/>
+                          </a:solidFill>
+                        </a:rPr>
+                        <a:t>taskId</a:t>
+                      </a:r>
+                      <a:r>
+                        <a:rPr lang="en-SG" sz="1600" i="0" u="none" dirty="0">
+                          <a:solidFill>
+                            <a:schemeClr val="tx1"/>
+                          </a:solidFill>
+                        </a:rPr>
+                        <a:t>: </a:t>
+                      </a:r>
+                      <a:r>
+                        <a:rPr lang="en-SG" sz="1600" i="0" u="none" dirty="0">
+                          <a:solidFill>
+                            <a:srgbClr val="FF0000"/>
+                          </a:solidFill>
+                        </a:rPr>
+                        <a:t>12345</a:t>
+                      </a:r>
+                      <a:endParaRPr lang="en-SG" sz="1600" i="0" u="none" dirty="0">
+                        <a:solidFill>
+                          <a:schemeClr val="tx1"/>
+                        </a:solidFill>
+                      </a:endParaRPr>
+                    </a:p>
+                  </a:txBody>
+                  <a:tcPr>
+                    <a:solidFill>
+                      <a:srgbClr val="92D050"/>
+                    </a:solidFill>
+                  </a:tcPr>
+                </a:tc>
+                <a:extLst>
+                  <a:ext uri="{0D108BD9-81ED-4DB2-BD59-A6C34878D82A}">
+                    <a16:rowId xmlns:a16="http://schemas.microsoft.com/office/drawing/2014/main" val="412482737"/>
+                  </a:ext>
+                </a:extLst>
+              </a:tr>
+            </a:tbl>
+          </a:graphicData>
+        </a:graphic>
+      </p:graphicFrame>
+      <p:cxnSp>
+        <p:nvCxnSpPr>
+          <p:cNvPr id="69" name="Straight Arrow Connector 68">
+            <a:extLst>
+              <a:ext uri="{FF2B5EF4-FFF2-40B4-BE49-F238E27FC236}">
+                <a16:creationId xmlns:a16="http://schemas.microsoft.com/office/drawing/2014/main" id="{C33E9BFE-9FEF-4CE6-9D87-6582C1654B07}"/>
+              </a:ext>
+            </a:extLst>
+          </p:cNvPr>
+          <p:cNvCxnSpPr>
+            <a:cxnSpLocks/>
+          </p:cNvCxnSpPr>
+          <p:nvPr/>
+        </p:nvCxnSpPr>
+        <p:spPr>
+          <a:xfrm flipH="1">
+            <a:off x="238110" y="6487544"/>
+            <a:ext cx="6809023" cy="0"/>
+          </a:xfrm>
+          <a:prstGeom prst="straightConnector1">
+            <a:avLst/>
+          </a:prstGeom>
+          <a:ln w="57150">
+            <a:solidFill>
+              <a:srgbClr val="FFC000"/>
+            </a:solidFill>
+            <a:tailEnd type="triangle"/>
+          </a:ln>
+        </p:spPr>
+        <p:style>
+          <a:lnRef idx="1">
+            <a:schemeClr val="accent1"/>
+          </a:lnRef>
+          <a:fillRef idx="0">
+            <a:schemeClr val="accent1"/>
+          </a:fillRef>
+          <a:effectRef idx="0">
+            <a:schemeClr val="accent1"/>
+          </a:effectRef>
+          <a:fontRef idx="minor">
+            <a:schemeClr val="tx1"/>
+          </a:fontRef>
+        </p:style>
+      </p:cxnSp>
+      <p:sp>
+        <p:nvSpPr>
+          <p:cNvPr id="72" name="TextBox 71">
+            <a:extLst>
+              <a:ext uri="{FF2B5EF4-FFF2-40B4-BE49-F238E27FC236}">
+                <a16:creationId xmlns:a16="http://schemas.microsoft.com/office/drawing/2014/main" id="{F33A65C2-6648-4DC0-BE72-E8D139BFF0AE}"/>
+              </a:ext>
+            </a:extLst>
+          </p:cNvPr>
+          <p:cNvSpPr txBox="1"/>
+          <p:nvPr/>
+        </p:nvSpPr>
+        <p:spPr>
+          <a:xfrm>
+            <a:off x="7134693" y="488670"/>
+            <a:ext cx="2976965" cy="646331"/>
+          </a:xfrm>
+          <a:prstGeom prst="rect">
+            <a:avLst/>
+          </a:prstGeom>
+          <a:noFill/>
+        </p:spPr>
+        <p:txBody>
+          <a:bodyPr wrap="square" rtlCol="0">
+            <a:spAutoFit/>
+          </a:bodyPr>
+          <a:lstStyle/>
+          <a:p>
+            <a:pPr algn="ctr"/>
+            <a:r>
+              <a:rPr lang="en-SG" dirty="0">
+                <a:solidFill>
+                  <a:srgbClr val="00B0F0"/>
+                </a:solidFill>
+                <a:latin typeface="Consolas" panose="020B0609020204030204" pitchFamily="49" charset="0"/>
+              </a:rPr>
+              <a:t>1. Find the task with the same </a:t>
+            </a:r>
+            <a:r>
+              <a:rPr lang="en-SG" dirty="0" err="1">
+                <a:solidFill>
+                  <a:srgbClr val="00B0F0"/>
+                </a:solidFill>
+                <a:latin typeface="Consolas" panose="020B0609020204030204" pitchFamily="49" charset="0"/>
+              </a:rPr>
+              <a:t>taskId</a:t>
+            </a:r>
+            <a:endParaRPr lang="en-SG" dirty="0">
+              <a:solidFill>
+                <a:srgbClr val="00B0F0"/>
+              </a:solidFill>
+              <a:latin typeface="Consolas" panose="020B0609020204030204" pitchFamily="49" charset="0"/>
+            </a:endParaRPr>
+          </a:p>
+        </p:txBody>
+      </p:sp>
+      <p:sp>
+        <p:nvSpPr>
+          <p:cNvPr id="73" name="TextBox 72">
+            <a:extLst>
+              <a:ext uri="{FF2B5EF4-FFF2-40B4-BE49-F238E27FC236}">
+                <a16:creationId xmlns:a16="http://schemas.microsoft.com/office/drawing/2014/main" id="{65406D24-D1F6-4114-AE8E-9C585D05043F}"/>
+              </a:ext>
+            </a:extLst>
+          </p:cNvPr>
+          <p:cNvSpPr txBox="1"/>
+          <p:nvPr/>
+        </p:nvSpPr>
+        <p:spPr>
+          <a:xfrm>
+            <a:off x="400928" y="5841213"/>
+            <a:ext cx="2976965" cy="646331"/>
+          </a:xfrm>
+          <a:prstGeom prst="rect">
+            <a:avLst/>
+          </a:prstGeom>
+          <a:noFill/>
+        </p:spPr>
+        <p:txBody>
+          <a:bodyPr wrap="square" rtlCol="0">
+            <a:spAutoFit/>
+          </a:bodyPr>
+          <a:lstStyle/>
+          <a:p>
+            <a:pPr algn="ctr"/>
+            <a:r>
+              <a:rPr lang="en-SG" dirty="0">
+                <a:solidFill>
+                  <a:srgbClr val="FFC000"/>
+                </a:solidFill>
+                <a:latin typeface="Consolas" panose="020B0609020204030204" pitchFamily="49" charset="0"/>
+              </a:rPr>
+              <a:t>3. Iterate through all project versions</a:t>
+            </a:r>
+          </a:p>
+        </p:txBody>
+      </p:sp>
+      <p:sp>
+        <p:nvSpPr>
+          <p:cNvPr id="74" name="TextBox 73">
+            <a:extLst>
+              <a:ext uri="{FF2B5EF4-FFF2-40B4-BE49-F238E27FC236}">
+                <a16:creationId xmlns:a16="http://schemas.microsoft.com/office/drawing/2014/main" id="{089F338F-7A69-430D-867E-93025E921E4D}"/>
+              </a:ext>
+            </a:extLst>
+          </p:cNvPr>
+          <p:cNvSpPr txBox="1"/>
+          <p:nvPr/>
+        </p:nvSpPr>
+        <p:spPr>
+          <a:xfrm>
+            <a:off x="7329800" y="4781273"/>
+            <a:ext cx="3379439" cy="646331"/>
+          </a:xfrm>
+          <a:prstGeom prst="rect">
+            <a:avLst/>
+          </a:prstGeom>
+          <a:noFill/>
+          <a:ln w="9525">
+            <a:solidFill>
+              <a:schemeClr val="tx1"/>
+            </a:solidFill>
+          </a:ln>
+        </p:spPr>
+        <p:txBody>
+          <a:bodyPr wrap="square" rtlCol="0">
+            <a:spAutoFit/>
+          </a:bodyPr>
+          <a:lstStyle/>
+          <a:p>
+            <a:pPr algn="ctr"/>
+            <a:r>
+              <a:rPr lang="en-SG" dirty="0">
+                <a:solidFill>
+                  <a:srgbClr val="C00000"/>
+                </a:solidFill>
+                <a:latin typeface="Consolas" panose="020B0609020204030204" pitchFamily="49" charset="0"/>
+              </a:rPr>
+              <a:t>2. Check if there is any difference in the fields</a:t>
+            </a:r>
+          </a:p>
+        </p:txBody>
+      </p:sp>
+      <p:sp>
+        <p:nvSpPr>
+          <p:cNvPr id="75" name="Rectangle 74">
+            <a:extLst>
+              <a:ext uri="{FF2B5EF4-FFF2-40B4-BE49-F238E27FC236}">
+                <a16:creationId xmlns:a16="http://schemas.microsoft.com/office/drawing/2014/main" id="{5D2E7A89-5607-43DF-A590-75FB15B22894}"/>
+              </a:ext>
+            </a:extLst>
+          </p:cNvPr>
+          <p:cNvSpPr/>
+          <p:nvPr/>
+        </p:nvSpPr>
+        <p:spPr>
+          <a:xfrm rot="5400000">
+            <a:off x="9078813" y="2707965"/>
+            <a:ext cx="304047" cy="1331502"/>
+          </a:xfrm>
+          <a:prstGeom prst="rect">
+            <a:avLst/>
+          </a:prstGeom>
+          <a:noFill/>
+          <a:ln w="57150">
+            <a:solidFill>
+              <a:srgbClr val="C00000"/>
+            </a:solidFill>
+          </a:ln>
+        </p:spPr>
+        <p:style>
+          <a:lnRef idx="2">
+            <a:schemeClr val="accent1">
+              <a:shade val="50000"/>
+            </a:schemeClr>
+          </a:lnRef>
+          <a:fillRef idx="1">
+            <a:schemeClr val="accent1"/>
+          </a:fillRef>
+          <a:effectRef idx="0">
+            <a:schemeClr val="accent1"/>
+          </a:effectRef>
+          <a:fontRef idx="minor">
+            <a:schemeClr val="lt1"/>
+          </a:fontRef>
+        </p:style>
+        <p:txBody>
+          <a:bodyPr rtlCol="0" anchor="ctr"/>
+          <a:lstStyle/>
+          <a:p>
+            <a:pPr algn="ctr"/>
+            <a:endParaRPr lang="en-SG"/>
+          </a:p>
+        </p:txBody>
+      </p:sp>
+      <p:sp>
+        <p:nvSpPr>
+          <p:cNvPr id="76" name="Rectangle 75">
+            <a:extLst>
+              <a:ext uri="{FF2B5EF4-FFF2-40B4-BE49-F238E27FC236}">
+                <a16:creationId xmlns:a16="http://schemas.microsoft.com/office/drawing/2014/main" id="{313CF479-B4C5-4F59-9453-AB441AA6F61E}"/>
+              </a:ext>
+            </a:extLst>
+          </p:cNvPr>
+          <p:cNvSpPr/>
+          <p:nvPr/>
+        </p:nvSpPr>
+        <p:spPr>
+          <a:xfrm rot="5400000">
+            <a:off x="9116500" y="3435897"/>
+            <a:ext cx="304047" cy="1331502"/>
+          </a:xfrm>
+          <a:prstGeom prst="rect">
+            <a:avLst/>
+          </a:prstGeom>
+          <a:noFill/>
+          <a:ln w="57150">
+            <a:solidFill>
+              <a:srgbClr val="00B0F0"/>
+            </a:solidFill>
+          </a:ln>
+        </p:spPr>
+        <p:style>
+          <a:lnRef idx="2">
+            <a:schemeClr val="accent1">
+              <a:shade val="50000"/>
+            </a:schemeClr>
+          </a:lnRef>
+          <a:fillRef idx="1">
+            <a:schemeClr val="accent1"/>
+          </a:fillRef>
+          <a:effectRef idx="0">
+            <a:schemeClr val="accent1"/>
+          </a:effectRef>
+          <a:fontRef idx="minor">
+            <a:schemeClr val="lt1"/>
+          </a:fontRef>
+        </p:style>
+        <p:txBody>
+          <a:bodyPr rtlCol="0" anchor="ctr"/>
+          <a:lstStyle/>
+          <a:p>
+            <a:pPr algn="ctr"/>
+            <a:endParaRPr lang="en-SG"/>
+          </a:p>
+        </p:txBody>
+      </p:sp>
+      <p:sp>
+        <p:nvSpPr>
+          <p:cNvPr id="77" name="Rectangle 76">
+            <a:extLst>
+              <a:ext uri="{FF2B5EF4-FFF2-40B4-BE49-F238E27FC236}">
+                <a16:creationId xmlns:a16="http://schemas.microsoft.com/office/drawing/2014/main" id="{D3E01BA8-D8C7-447A-AFA2-AE579E247230}"/>
+              </a:ext>
+            </a:extLst>
+          </p:cNvPr>
+          <p:cNvSpPr/>
+          <p:nvPr/>
+        </p:nvSpPr>
+        <p:spPr>
+          <a:xfrm rot="5400000">
+            <a:off x="5631787" y="4364443"/>
+            <a:ext cx="304047" cy="1331502"/>
+          </a:xfrm>
+          <a:prstGeom prst="rect">
+            <a:avLst/>
+          </a:prstGeom>
+          <a:noFill/>
+          <a:ln w="57150">
+            <a:solidFill>
+              <a:srgbClr val="C00000"/>
+            </a:solidFill>
+          </a:ln>
+        </p:spPr>
+        <p:style>
+          <a:lnRef idx="2">
+            <a:schemeClr val="accent1">
+              <a:shade val="50000"/>
+            </a:schemeClr>
+          </a:lnRef>
+          <a:fillRef idx="1">
+            <a:schemeClr val="accent1"/>
+          </a:fillRef>
+          <a:effectRef idx="0">
+            <a:schemeClr val="accent1"/>
+          </a:effectRef>
+          <a:fontRef idx="minor">
+            <a:schemeClr val="lt1"/>
+          </a:fontRef>
+        </p:style>
+        <p:txBody>
+          <a:bodyPr rtlCol="0" anchor="ctr"/>
+          <a:lstStyle/>
+          <a:p>
+            <a:pPr algn="ctr"/>
+            <a:endParaRPr lang="en-SG"/>
+          </a:p>
+        </p:txBody>
+      </p:sp>
+      <p:sp>
+        <p:nvSpPr>
+          <p:cNvPr id="78" name="Rectangle 77">
+            <a:extLst>
+              <a:ext uri="{FF2B5EF4-FFF2-40B4-BE49-F238E27FC236}">
+                <a16:creationId xmlns:a16="http://schemas.microsoft.com/office/drawing/2014/main" id="{71C56155-E713-4602-B33E-ADF76B73AAA3}"/>
+              </a:ext>
+            </a:extLst>
+          </p:cNvPr>
+          <p:cNvSpPr/>
+          <p:nvPr/>
+        </p:nvSpPr>
+        <p:spPr>
+          <a:xfrm rot="5400000">
+            <a:off x="5619074" y="5102406"/>
+            <a:ext cx="304047" cy="1331502"/>
+          </a:xfrm>
+          <a:prstGeom prst="rect">
+            <a:avLst/>
+          </a:prstGeom>
+          <a:noFill/>
+          <a:ln w="57150">
+            <a:solidFill>
+              <a:srgbClr val="00B0F0"/>
+            </a:solidFill>
+          </a:ln>
+        </p:spPr>
+        <p:style>
+          <a:lnRef idx="2">
+            <a:schemeClr val="accent1">
+              <a:shade val="50000"/>
+            </a:schemeClr>
+          </a:lnRef>
+          <a:fillRef idx="1">
+            <a:schemeClr val="accent1"/>
+          </a:fillRef>
+          <a:effectRef idx="0">
+            <a:schemeClr val="accent1"/>
+          </a:effectRef>
+          <a:fontRef idx="minor">
+            <a:schemeClr val="lt1"/>
+          </a:fontRef>
+        </p:style>
+        <p:txBody>
+          <a:bodyPr rtlCol="0" anchor="ctr"/>
+          <a:lstStyle/>
+          <a:p>
+            <a:pPr algn="ctr"/>
+            <a:endParaRPr lang="en-SG"/>
+          </a:p>
+        </p:txBody>
+      </p:sp>
+      <p:cxnSp>
+        <p:nvCxnSpPr>
+          <p:cNvPr id="79" name="Straight Arrow Connector 78">
+            <a:extLst>
+              <a:ext uri="{FF2B5EF4-FFF2-40B4-BE49-F238E27FC236}">
+                <a16:creationId xmlns:a16="http://schemas.microsoft.com/office/drawing/2014/main" id="{FC64A772-EF2B-476D-B554-F968457E0D66}"/>
+              </a:ext>
+            </a:extLst>
+          </p:cNvPr>
+          <p:cNvCxnSpPr>
+            <a:cxnSpLocks/>
+            <a:stCxn id="74" idx="1"/>
+            <a:endCxn id="77" idx="0"/>
+          </p:cNvCxnSpPr>
+          <p:nvPr/>
+        </p:nvCxnSpPr>
+        <p:spPr>
+          <a:xfrm flipH="1" flipV="1">
+            <a:off x="6449562" y="5030195"/>
+            <a:ext cx="880238" cy="74244"/>
+          </a:xfrm>
+          <a:prstGeom prst="straightConnector1">
+            <a:avLst/>
+          </a:prstGeom>
+          <a:ln w="28575">
+            <a:solidFill>
+              <a:srgbClr val="C00000"/>
+            </a:solidFill>
+            <a:tailEnd type="triangle"/>
+          </a:ln>
+        </p:spPr>
+        <p:style>
+          <a:lnRef idx="1">
+            <a:schemeClr val="accent1"/>
+          </a:lnRef>
+          <a:fillRef idx="0">
+            <a:schemeClr val="accent1"/>
+          </a:fillRef>
+          <a:effectRef idx="0">
+            <a:schemeClr val="accent1"/>
+          </a:effectRef>
+          <a:fontRef idx="minor">
+            <a:schemeClr val="tx1"/>
+          </a:fontRef>
+        </p:style>
+      </p:cxnSp>
+      <p:cxnSp>
+        <p:nvCxnSpPr>
+          <p:cNvPr id="81" name="Straight Arrow Connector 80">
+            <a:extLst>
+              <a:ext uri="{FF2B5EF4-FFF2-40B4-BE49-F238E27FC236}">
+                <a16:creationId xmlns:a16="http://schemas.microsoft.com/office/drawing/2014/main" id="{445C68EB-7AA8-4A0A-A679-9B0707D95414}"/>
+              </a:ext>
+            </a:extLst>
+          </p:cNvPr>
+          <p:cNvCxnSpPr>
+            <a:cxnSpLocks/>
+          </p:cNvCxnSpPr>
+          <p:nvPr/>
+        </p:nvCxnSpPr>
+        <p:spPr>
+          <a:xfrm flipV="1">
+            <a:off x="7778117" y="3401281"/>
+            <a:ext cx="786967" cy="1379992"/>
+          </a:xfrm>
+          <a:prstGeom prst="straightConnector1">
+            <a:avLst/>
+          </a:prstGeom>
+          <a:ln w="28575">
+            <a:solidFill>
+              <a:srgbClr val="C00000"/>
+            </a:solidFill>
+            <a:tailEnd type="triangle"/>
+          </a:ln>
+        </p:spPr>
+        <p:style>
+          <a:lnRef idx="1">
+            <a:schemeClr val="accent1"/>
+          </a:lnRef>
+          <a:fillRef idx="0">
+            <a:schemeClr val="accent1"/>
+          </a:fillRef>
+          <a:effectRef idx="0">
+            <a:schemeClr val="accent1"/>
+          </a:effectRef>
+          <a:fontRef idx="minor">
+            <a:schemeClr val="tx1"/>
+          </a:fontRef>
+        </p:style>
+      </p:cxnSp>
+    </p:spTree>
+    <p:extLst>
+      <p:ext uri="{BB962C8B-B14F-4D97-AF65-F5344CB8AC3E}">
+        <p14:creationId xmlns:p14="http://schemas.microsoft.com/office/powerpoint/2010/main" val="1841582777"/>
+      </p:ext>
+    </p:extLst>
+  </p:cSld>
+  <p:clrMapOvr>
+    <a:masterClrMapping/>
+  </p:clrMapOvr>
+</p:sld>
+</file>
+
+<file path=ppt/slides/slide4.xml><?xml version="1.0" encoding="utf-8"?>
+<p:sld xmlns:a="http://schemas.openxmlformats.org/drawingml/2006/main" xmlns:r="http://schemas.openxmlformats.org/officeDocument/2006/relationships" xmlns:p="http://schemas.openxmlformats.org/presentationml/2006/main">
+  <p:cSld>
+    <p:spTree>
+      <p:nvGrpSpPr>
+        <p:cNvPr id="1" name=""/>
+        <p:cNvGrpSpPr/>
+        <p:nvPr/>
+      </p:nvGrpSpPr>
+      <p:grpSpPr>
+        <a:xfrm>
+          <a:off x="0" y="0"/>
+          <a:ext cx="0" cy="0"/>
+          <a:chOff x="0" y="0"/>
+          <a:chExt cx="0" cy="0"/>
+        </a:xfrm>
+      </p:grpSpPr>
+      <p:graphicFrame>
+        <p:nvGraphicFramePr>
+          <p:cNvPr id="37" name="Table 36">
+            <a:extLst>
+              <a:ext uri="{FF2B5EF4-FFF2-40B4-BE49-F238E27FC236}">
+                <a16:creationId xmlns:a16="http://schemas.microsoft.com/office/drawing/2014/main" id="{6E743056-8038-48B0-9AC8-63BAA60BF720}"/>
+              </a:ext>
+            </a:extLst>
+          </p:cNvPr>
+          <p:cNvGraphicFramePr>
+            <a:graphicFrameLocks noGrp="1"/>
+          </p:cNvGraphicFramePr>
+          <p:nvPr>
+            <p:extLst>
+              <p:ext uri="{D42A27DB-BD31-4B8C-83A1-F6EECF244321}">
+                <p14:modId xmlns:p14="http://schemas.microsoft.com/office/powerpoint/2010/main" val="1486111441"/>
+              </p:ext>
+            </p:extLst>
+          </p:nvPr>
+        </p:nvGraphicFramePr>
+        <p:xfrm>
+          <a:off x="7144659" y="4000370"/>
+          <a:ext cx="1823715" cy="1432560"/>
+        </p:xfrm>
+        <a:graphic>
+          <a:graphicData uri="http://schemas.openxmlformats.org/drawingml/2006/table">
+            <a:tbl>
+              <a:tblPr>
+                <a:tableStyleId>{638B1855-1B75-4FBE-930C-398BA8C253C6}</a:tableStyleId>
+              </a:tblPr>
+              <a:tblGrid>
+                <a:gridCol w="1823715">
+                  <a:extLst>
+                    <a:ext uri="{9D8B030D-6E8A-4147-A177-3AD203B41FA5}">
+                      <a16:colId xmlns:a16="http://schemas.microsoft.com/office/drawing/2014/main" val="4240773277"/>
+                    </a:ext>
+                  </a:extLst>
+                </a:gridCol>
+              </a:tblGrid>
+              <a:tr h="0">
+                <a:tc>
+                  <a:txBody>
+                    <a:bodyPr/>
+                    <a:lstStyle/>
+                    <a:p>
+                      <a:r>
+                        <a:rPr lang="en-SG" b="1" u="none" dirty="0">
+                          <a:solidFill>
+                            <a:schemeClr val="tx1"/>
+                          </a:solidFill>
+                        </a:rPr>
+                        <a:t>Task </a:t>
+                      </a:r>
+                    </a:p>
+                  </a:txBody>
+                  <a:tcPr/>
+                </a:tc>
+                <a:extLst>
+                  <a:ext uri="{0D108BD9-81ED-4DB2-BD59-A6C34878D82A}">
+                    <a16:rowId xmlns:a16="http://schemas.microsoft.com/office/drawing/2014/main" val="2194462629"/>
+                  </a:ext>
+                </a:extLst>
+              </a:tr>
+              <a:tr h="269424">
+                <a:tc>
+                  <a:txBody>
+                    <a:bodyPr/>
+                    <a:lstStyle/>
+                    <a:p>
+                      <a:pPr marL="0" marR="0" lvl="0" indent="0" algn="l" defTabSz="914400" rtl="0" eaLnBrk="1" fontAlgn="auto" latinLnBrk="0" hangingPunct="1">
+                        <a:lnSpc>
+                          <a:spcPct val="100000"/>
+                        </a:lnSpc>
+                        <a:spcBef>
+                          <a:spcPts val="0"/>
+                        </a:spcBef>
+                        <a:spcAft>
+                          <a:spcPts val="0"/>
+                        </a:spcAft>
+                        <a:buClrTx/>
+                        <a:buSzTx/>
+                        <a:buFontTx/>
+                        <a:buNone/>
+                        <a:tabLst/>
+                        <a:defRPr/>
+                      </a:pPr>
+                      <a:r>
+                        <a:rPr lang="en-SG" sz="1600" i="0" u="none" dirty="0">
+                          <a:solidFill>
+                            <a:schemeClr val="tx1"/>
+                          </a:solidFill>
+                        </a:rPr>
+                        <a:t>name: </a:t>
+                      </a:r>
+                      <a:r>
+                        <a:rPr lang="en-SG" sz="1600" i="0" u="none" dirty="0">
+                          <a:solidFill>
+                            <a:srgbClr val="FF0000"/>
+                          </a:solidFill>
+                        </a:rPr>
+                        <a:t>B Edit</a:t>
+                      </a:r>
+                    </a:p>
+                    <a:p>
+                      <a:r>
+                        <a:rPr lang="en-SG" sz="1600" i="0" u="none" dirty="0">
+                          <a:solidFill>
+                            <a:schemeClr val="tx1"/>
+                          </a:solidFill>
+                        </a:rPr>
+                        <a:t>description:</a:t>
+                      </a:r>
+                    </a:p>
+                    <a:p>
+                      <a:r>
+                        <a:rPr lang="en-SG" sz="1600" i="0" u="none" dirty="0">
+                          <a:solidFill>
+                            <a:schemeClr val="tx1"/>
+                          </a:solidFill>
+                        </a:rPr>
+                        <a:t>deadline:</a:t>
+                      </a:r>
+                    </a:p>
+                    <a:p>
+                      <a:r>
+                        <a:rPr lang="en-SG" sz="1600" i="0" u="none" dirty="0" err="1">
+                          <a:solidFill>
+                            <a:schemeClr val="tx1"/>
+                          </a:solidFill>
+                        </a:rPr>
+                        <a:t>taskId</a:t>
+                      </a:r>
+                      <a:r>
+                        <a:rPr lang="en-SG" sz="1600" i="0" u="none" dirty="0">
+                          <a:solidFill>
+                            <a:schemeClr val="tx1"/>
+                          </a:solidFill>
+                        </a:rPr>
+                        <a:t>: </a:t>
+                      </a:r>
+                      <a:r>
+                        <a:rPr lang="en-SG" sz="1600" i="0" u="none" dirty="0">
+                          <a:solidFill>
+                            <a:srgbClr val="FF0000"/>
+                          </a:solidFill>
+                        </a:rPr>
+                        <a:t>12345</a:t>
+                      </a:r>
+                      <a:endParaRPr lang="en-SG" sz="1600" i="0" u="none" dirty="0">
+                        <a:solidFill>
+                          <a:schemeClr val="tx1"/>
+                        </a:solidFill>
+                      </a:endParaRPr>
+                    </a:p>
+                  </a:txBody>
+                  <a:tcPr>
+                    <a:solidFill>
+                      <a:srgbClr val="92D050"/>
+                    </a:solidFill>
+                  </a:tcPr>
+                </a:tc>
+                <a:extLst>
+                  <a:ext uri="{0D108BD9-81ED-4DB2-BD59-A6C34878D82A}">
+                    <a16:rowId xmlns:a16="http://schemas.microsoft.com/office/drawing/2014/main" val="412482737"/>
+                  </a:ext>
+                </a:extLst>
+              </a:tr>
+            </a:tbl>
+          </a:graphicData>
+        </a:graphic>
+      </p:graphicFrame>
+      <p:sp>
+        <p:nvSpPr>
+          <p:cNvPr id="44" name="TextBox 43">
+            <a:extLst>
+              <a:ext uri="{FF2B5EF4-FFF2-40B4-BE49-F238E27FC236}">
+                <a16:creationId xmlns:a16="http://schemas.microsoft.com/office/drawing/2014/main" id="{451C2A20-7C1F-4A05-8091-EFE9A89BF0A8}"/>
+              </a:ext>
+            </a:extLst>
+          </p:cNvPr>
+          <p:cNvSpPr txBox="1"/>
+          <p:nvPr/>
+        </p:nvSpPr>
+        <p:spPr>
+          <a:xfrm>
+            <a:off x="9231446" y="4149211"/>
+            <a:ext cx="1430392" cy="1200329"/>
+          </a:xfrm>
+          <a:prstGeom prst="rect">
+            <a:avLst/>
+          </a:prstGeom>
+          <a:noFill/>
+        </p:spPr>
+        <p:txBody>
+          <a:bodyPr wrap="square" rtlCol="0">
+            <a:spAutoFit/>
+          </a:bodyPr>
+          <a:lstStyle/>
+          <a:p>
+            <a:pPr algn="ctr"/>
+            <a:r>
+              <a:rPr lang="en-SG" dirty="0">
+                <a:latin typeface="Consolas" panose="020B0609020204030204" pitchFamily="49" charset="0"/>
+              </a:rPr>
+              <a:t>User selected task at index 2</a:t>
+            </a:r>
+          </a:p>
+        </p:txBody>
+      </p:sp>
+      <p:cxnSp>
+        <p:nvCxnSpPr>
+          <p:cNvPr id="45" name="Straight Arrow Connector 44">
+            <a:extLst>
+              <a:ext uri="{FF2B5EF4-FFF2-40B4-BE49-F238E27FC236}">
+                <a16:creationId xmlns:a16="http://schemas.microsoft.com/office/drawing/2014/main" id="{B3742E7B-649B-4913-BF2F-095EA21DAF09}"/>
+              </a:ext>
+            </a:extLst>
+          </p:cNvPr>
+          <p:cNvCxnSpPr>
+            <a:cxnSpLocks/>
+          </p:cNvCxnSpPr>
+          <p:nvPr/>
+        </p:nvCxnSpPr>
+        <p:spPr>
+          <a:xfrm flipH="1" flipV="1">
+            <a:off x="8983953" y="4749376"/>
+            <a:ext cx="397988" cy="1"/>
+          </a:xfrm>
+          <a:prstGeom prst="straightConnector1">
+            <a:avLst/>
+          </a:prstGeom>
+          <a:ln w="28575">
+            <a:solidFill>
+              <a:srgbClr val="FF0000"/>
+            </a:solidFill>
+            <a:tailEnd type="triangle"/>
+          </a:ln>
+        </p:spPr>
+        <p:style>
+          <a:lnRef idx="1">
+            <a:schemeClr val="accent1"/>
+          </a:lnRef>
+          <a:fillRef idx="0">
+            <a:schemeClr val="accent1"/>
+          </a:fillRef>
+          <a:effectRef idx="0">
+            <a:schemeClr val="accent1"/>
+          </a:effectRef>
+          <a:fontRef idx="minor">
+            <a:schemeClr val="tx1"/>
+          </a:fontRef>
+        </p:style>
+      </p:cxnSp>
+      <p:graphicFrame>
+        <p:nvGraphicFramePr>
+          <p:cNvPr id="64" name="Table 63">
+            <a:extLst>
+              <a:ext uri="{FF2B5EF4-FFF2-40B4-BE49-F238E27FC236}">
+                <a16:creationId xmlns:a16="http://schemas.microsoft.com/office/drawing/2014/main" id="{A795F416-6A84-47ED-AF2F-D90ED19D76B6}"/>
+              </a:ext>
+            </a:extLst>
+          </p:cNvPr>
+          <p:cNvGraphicFramePr>
+            <a:graphicFrameLocks noGrp="1"/>
+          </p:cNvGraphicFramePr>
+          <p:nvPr>
+            <p:extLst>
+              <p:ext uri="{D42A27DB-BD31-4B8C-83A1-F6EECF244321}">
+                <p14:modId xmlns:p14="http://schemas.microsoft.com/office/powerpoint/2010/main" val="3497222210"/>
+              </p:ext>
+            </p:extLst>
+          </p:nvPr>
+        </p:nvGraphicFramePr>
+        <p:xfrm>
+          <a:off x="3269238" y="1830017"/>
+          <a:ext cx="1825824" cy="417888"/>
+        </p:xfrm>
+        <a:graphic>
+          <a:graphicData uri="http://schemas.openxmlformats.org/drawingml/2006/table">
+            <a:tbl>
+              <a:tblPr>
+                <a:tableStyleId>{638B1855-1B75-4FBE-930C-398BA8C253C6}</a:tableStyleId>
+              </a:tblPr>
+              <a:tblGrid>
+                <a:gridCol w="1825824">
+                  <a:extLst>
+                    <a:ext uri="{9D8B030D-6E8A-4147-A177-3AD203B41FA5}">
+                      <a16:colId xmlns:a16="http://schemas.microsoft.com/office/drawing/2014/main" val="4240773277"/>
+                    </a:ext>
+                  </a:extLst>
+                </a:gridCol>
+              </a:tblGrid>
+              <a:tr h="417888">
+                <a:tc>
+                  <a:txBody>
+                    <a:bodyPr/>
+                    <a:lstStyle/>
+                    <a:p>
+                      <a:r>
+                        <a:rPr lang="en-SG" u="sng" dirty="0"/>
+                        <a:t>p0:Project</a:t>
+                      </a:r>
+                    </a:p>
+                  </a:txBody>
+                  <a:tcPr/>
+                </a:tc>
+                <a:extLst>
+                  <a:ext uri="{0D108BD9-81ED-4DB2-BD59-A6C34878D82A}">
+                    <a16:rowId xmlns:a16="http://schemas.microsoft.com/office/drawing/2014/main" val="2194462629"/>
+                  </a:ext>
+                </a:extLst>
+              </a:tr>
+            </a:tbl>
+          </a:graphicData>
+        </a:graphic>
+      </p:graphicFrame>
+      <p:graphicFrame>
+        <p:nvGraphicFramePr>
+          <p:cNvPr id="65" name="Table 64">
+            <a:extLst>
+              <a:ext uri="{FF2B5EF4-FFF2-40B4-BE49-F238E27FC236}">
+                <a16:creationId xmlns:a16="http://schemas.microsoft.com/office/drawing/2014/main" id="{93F2022B-7813-43EF-8589-DC8EE262A1CD}"/>
+              </a:ext>
+            </a:extLst>
+          </p:cNvPr>
+          <p:cNvGraphicFramePr>
+            <a:graphicFrameLocks noGrp="1"/>
+          </p:cNvGraphicFramePr>
+          <p:nvPr>
+            <p:extLst>
+              <p:ext uri="{D42A27DB-BD31-4B8C-83A1-F6EECF244321}">
+                <p14:modId xmlns:p14="http://schemas.microsoft.com/office/powerpoint/2010/main" val="53555327"/>
+              </p:ext>
+            </p:extLst>
+          </p:nvPr>
+        </p:nvGraphicFramePr>
+        <p:xfrm>
+          <a:off x="3271347" y="2412693"/>
+          <a:ext cx="1823715" cy="1432560"/>
+        </p:xfrm>
+        <a:graphic>
+          <a:graphicData uri="http://schemas.openxmlformats.org/drawingml/2006/table">
+            <a:tbl>
+              <a:tblPr>
+                <a:tableStyleId>{638B1855-1B75-4FBE-930C-398BA8C253C6}</a:tableStyleId>
+              </a:tblPr>
+              <a:tblGrid>
+                <a:gridCol w="1823715">
+                  <a:extLst>
+                    <a:ext uri="{9D8B030D-6E8A-4147-A177-3AD203B41FA5}">
+                      <a16:colId xmlns:a16="http://schemas.microsoft.com/office/drawing/2014/main" val="4240773277"/>
+                    </a:ext>
+                  </a:extLst>
+                </a:gridCol>
+              </a:tblGrid>
+              <a:tr h="272961">
+                <a:tc>
+                  <a:txBody>
+                    <a:bodyPr/>
+                    <a:lstStyle/>
+                    <a:p>
+                      <a:r>
+                        <a:rPr lang="en-SG" b="1" u="none" dirty="0">
+                          <a:solidFill>
+                            <a:schemeClr val="tx1"/>
+                          </a:solidFill>
+                        </a:rPr>
+                        <a:t>Task</a:t>
+                      </a:r>
+                    </a:p>
+                  </a:txBody>
+                  <a:tcPr/>
+                </a:tc>
+                <a:extLst>
+                  <a:ext uri="{0D108BD9-81ED-4DB2-BD59-A6C34878D82A}">
+                    <a16:rowId xmlns:a16="http://schemas.microsoft.com/office/drawing/2014/main" val="2194462629"/>
+                  </a:ext>
+                </a:extLst>
+              </a:tr>
+              <a:tr h="881977">
+                <a:tc>
+                  <a:txBody>
+                    <a:bodyPr/>
+                    <a:lstStyle/>
+                    <a:p>
+                      <a:r>
+                        <a:rPr lang="en-SG" sz="1600" i="0" u="none" dirty="0">
+                          <a:solidFill>
+                            <a:schemeClr val="tx1"/>
+                          </a:solidFill>
+                        </a:rPr>
+                        <a:t>name:</a:t>
+                      </a:r>
+                    </a:p>
+                    <a:p>
+                      <a:r>
+                        <a:rPr lang="en-SG" sz="1600" i="0" u="none" dirty="0">
+                          <a:solidFill>
+                            <a:schemeClr val="tx1"/>
+                          </a:solidFill>
+                        </a:rPr>
+                        <a:t>description:</a:t>
+                      </a:r>
+                    </a:p>
+                    <a:p>
+                      <a:r>
+                        <a:rPr lang="en-SG" sz="1600" i="0" u="none" dirty="0">
+                          <a:solidFill>
+                            <a:schemeClr val="tx1"/>
+                          </a:solidFill>
+                        </a:rPr>
+                        <a:t>deadline:</a:t>
+                      </a:r>
+                    </a:p>
+                    <a:p>
+                      <a:r>
+                        <a:rPr lang="en-SG" sz="1600" i="0" u="none" dirty="0" err="1">
+                          <a:solidFill>
+                            <a:schemeClr val="tx1"/>
+                          </a:solidFill>
+                        </a:rPr>
+                        <a:t>taskId</a:t>
+                      </a:r>
+                      <a:r>
+                        <a:rPr lang="en-SG" sz="1600" i="0" u="none" dirty="0">
+                          <a:solidFill>
+                            <a:schemeClr val="tx1"/>
+                          </a:solidFill>
+                        </a:rPr>
+                        <a:t>: 6789</a:t>
+                      </a:r>
+                    </a:p>
+                  </a:txBody>
+                  <a:tcPr>
+                    <a:solidFill>
+                      <a:srgbClr val="92D050"/>
+                    </a:solidFill>
+                  </a:tcPr>
+                </a:tc>
+                <a:extLst>
+                  <a:ext uri="{0D108BD9-81ED-4DB2-BD59-A6C34878D82A}">
+                    <a16:rowId xmlns:a16="http://schemas.microsoft.com/office/drawing/2014/main" val="412482737"/>
+                  </a:ext>
+                </a:extLst>
+              </a:tr>
+            </a:tbl>
+          </a:graphicData>
+        </a:graphic>
+      </p:graphicFrame>
+      <p:sp>
+        <p:nvSpPr>
+          <p:cNvPr id="66" name="Rectangle 65">
+            <a:extLst>
+              <a:ext uri="{FF2B5EF4-FFF2-40B4-BE49-F238E27FC236}">
+                <a16:creationId xmlns:a16="http://schemas.microsoft.com/office/drawing/2014/main" id="{25D36AD3-E92C-490D-B3EF-91E822EBBA3B}"/>
+              </a:ext>
+            </a:extLst>
+          </p:cNvPr>
+          <p:cNvSpPr/>
+          <p:nvPr/>
+        </p:nvSpPr>
+        <p:spPr>
+          <a:xfrm rot="5400000">
+            <a:off x="2265884" y="2644508"/>
+            <a:ext cx="3832532" cy="1975548"/>
+          </a:xfrm>
+          <a:prstGeom prst="rect">
+            <a:avLst/>
+          </a:prstGeom>
+          <a:noFill/>
+          <a:ln w="38100">
+            <a:solidFill>
+              <a:srgbClr val="002060"/>
+            </a:solidFill>
+          </a:ln>
+        </p:spPr>
+        <p:style>
+          <a:lnRef idx="2">
+            <a:schemeClr val="accent1">
+              <a:shade val="50000"/>
+            </a:schemeClr>
+          </a:lnRef>
+          <a:fillRef idx="1">
+            <a:schemeClr val="accent1"/>
+          </a:fillRef>
+          <a:effectRef idx="0">
+            <a:schemeClr val="accent1"/>
+          </a:effectRef>
+          <a:fontRef idx="minor">
+            <a:schemeClr val="lt1"/>
+          </a:fontRef>
+        </p:style>
+        <p:txBody>
+          <a:bodyPr rtlCol="0" anchor="ctr"/>
+          <a:lstStyle/>
+          <a:p>
+            <a:pPr algn="ctr"/>
+            <a:endParaRPr lang="en-SG"/>
+          </a:p>
+        </p:txBody>
+      </p:sp>
+      <p:graphicFrame>
+        <p:nvGraphicFramePr>
+          <p:cNvPr id="67" name="Table 66">
+            <a:extLst>
+              <a:ext uri="{FF2B5EF4-FFF2-40B4-BE49-F238E27FC236}">
+                <a16:creationId xmlns:a16="http://schemas.microsoft.com/office/drawing/2014/main" id="{E467DB03-AB02-4FD1-9B28-527CFFE48CC5}"/>
+              </a:ext>
+            </a:extLst>
+          </p:cNvPr>
+          <p:cNvGraphicFramePr>
+            <a:graphicFrameLocks noGrp="1"/>
+          </p:cNvGraphicFramePr>
+          <p:nvPr>
+            <p:extLst>
+              <p:ext uri="{D42A27DB-BD31-4B8C-83A1-F6EECF244321}">
+                <p14:modId xmlns:p14="http://schemas.microsoft.com/office/powerpoint/2010/main" val="401124064"/>
+              </p:ext>
+            </p:extLst>
+          </p:nvPr>
+        </p:nvGraphicFramePr>
+        <p:xfrm>
+          <a:off x="3276177" y="4000370"/>
+          <a:ext cx="1823715" cy="1432560"/>
+        </p:xfrm>
+        <a:graphic>
+          <a:graphicData uri="http://schemas.openxmlformats.org/drawingml/2006/table">
+            <a:tbl>
+              <a:tblPr>
+                <a:tableStyleId>{638B1855-1B75-4FBE-930C-398BA8C253C6}</a:tableStyleId>
+              </a:tblPr>
+              <a:tblGrid>
+                <a:gridCol w="1823715">
+                  <a:extLst>
+                    <a:ext uri="{9D8B030D-6E8A-4147-A177-3AD203B41FA5}">
+                      <a16:colId xmlns:a16="http://schemas.microsoft.com/office/drawing/2014/main" val="4240773277"/>
+                    </a:ext>
+                  </a:extLst>
+                </a:gridCol>
+              </a:tblGrid>
+              <a:tr h="272961">
+                <a:tc>
+                  <a:txBody>
+                    <a:bodyPr/>
+                    <a:lstStyle/>
+                    <a:p>
+                      <a:r>
+                        <a:rPr lang="en-SG" b="1" u="none" dirty="0">
+                          <a:solidFill>
+                            <a:schemeClr val="tx1"/>
+                          </a:solidFill>
+                        </a:rPr>
+                        <a:t>Task </a:t>
+                      </a:r>
+                    </a:p>
+                  </a:txBody>
+                  <a:tcPr/>
+                </a:tc>
+                <a:extLst>
+                  <a:ext uri="{0D108BD9-81ED-4DB2-BD59-A6C34878D82A}">
+                    <a16:rowId xmlns:a16="http://schemas.microsoft.com/office/drawing/2014/main" val="2194462629"/>
+                  </a:ext>
+                </a:extLst>
+              </a:tr>
+              <a:tr h="881977">
+                <a:tc>
+                  <a:txBody>
+                    <a:bodyPr/>
+                    <a:lstStyle/>
+                    <a:p>
+                      <a:pPr marL="0" marR="0" lvl="0" indent="0" algn="l" defTabSz="914400" rtl="0" eaLnBrk="1" fontAlgn="auto" latinLnBrk="0" hangingPunct="1">
+                        <a:lnSpc>
+                          <a:spcPct val="100000"/>
+                        </a:lnSpc>
+                        <a:spcBef>
+                          <a:spcPts val="0"/>
+                        </a:spcBef>
+                        <a:spcAft>
+                          <a:spcPts val="0"/>
+                        </a:spcAft>
+                        <a:buClrTx/>
+                        <a:buSzTx/>
+                        <a:buFontTx/>
+                        <a:buNone/>
+                        <a:tabLst/>
+                        <a:defRPr/>
+                      </a:pPr>
+                      <a:r>
+                        <a:rPr lang="en-SG" sz="1600" i="0" u="none" dirty="0">
+                          <a:solidFill>
+                            <a:schemeClr val="tx1"/>
+                          </a:solidFill>
+                        </a:rPr>
+                        <a:t>name: </a:t>
+                      </a:r>
+                      <a:r>
+                        <a:rPr lang="en-SG" sz="1600" i="0" u="none" dirty="0">
+                          <a:solidFill>
+                            <a:srgbClr val="FF0000"/>
+                          </a:solidFill>
+                        </a:rPr>
+                        <a:t>B</a:t>
+                      </a:r>
+                    </a:p>
+                    <a:p>
+                      <a:r>
+                        <a:rPr lang="en-SG" sz="1600" i="0" u="none" dirty="0">
+                          <a:solidFill>
+                            <a:schemeClr val="tx1"/>
+                          </a:solidFill>
+                        </a:rPr>
+                        <a:t>description:</a:t>
+                      </a:r>
+                    </a:p>
+                    <a:p>
+                      <a:r>
+                        <a:rPr lang="en-SG" sz="1600" i="0" u="none" dirty="0">
+                          <a:solidFill>
+                            <a:schemeClr val="tx1"/>
+                          </a:solidFill>
+                        </a:rPr>
+                        <a:t>deadline:</a:t>
+                      </a:r>
+                    </a:p>
+                    <a:p>
+                      <a:r>
+                        <a:rPr lang="en-SG" sz="1600" i="0" u="none" dirty="0" err="1">
+                          <a:solidFill>
+                            <a:schemeClr val="tx1"/>
+                          </a:solidFill>
+                        </a:rPr>
+                        <a:t>taskId</a:t>
+                      </a:r>
+                      <a:r>
+                        <a:rPr lang="en-SG" sz="1600" i="0" u="none" dirty="0">
+                          <a:solidFill>
+                            <a:schemeClr val="tx1"/>
+                          </a:solidFill>
+                        </a:rPr>
+                        <a:t>: </a:t>
+                      </a:r>
+                      <a:r>
+                        <a:rPr lang="en-SG" sz="1600" i="0" u="none" dirty="0">
+                          <a:solidFill>
+                            <a:srgbClr val="FF0000"/>
+                          </a:solidFill>
+                        </a:rPr>
+                        <a:t>12345</a:t>
+                      </a:r>
+                      <a:endParaRPr lang="en-SG" sz="1600" i="0" u="none" dirty="0">
+                        <a:solidFill>
+                          <a:schemeClr val="tx1"/>
+                        </a:solidFill>
+                      </a:endParaRPr>
+                    </a:p>
+                  </a:txBody>
+                  <a:tcPr>
+                    <a:solidFill>
+                      <a:srgbClr val="92D050"/>
+                    </a:solidFill>
+                  </a:tcPr>
+                </a:tc>
+                <a:extLst>
+                  <a:ext uri="{0D108BD9-81ED-4DB2-BD59-A6C34878D82A}">
+                    <a16:rowId xmlns:a16="http://schemas.microsoft.com/office/drawing/2014/main" val="412482737"/>
+                  </a:ext>
+                </a:extLst>
+              </a:tr>
+            </a:tbl>
+          </a:graphicData>
+        </a:graphic>
+      </p:graphicFrame>
+      <p:sp>
+        <p:nvSpPr>
+          <p:cNvPr id="75" name="Rectangle 74">
+            <a:extLst>
+              <a:ext uri="{FF2B5EF4-FFF2-40B4-BE49-F238E27FC236}">
+                <a16:creationId xmlns:a16="http://schemas.microsoft.com/office/drawing/2014/main" id="{5D2E7A89-5607-43DF-A590-75FB15B22894}"/>
+              </a:ext>
+            </a:extLst>
+          </p:cNvPr>
+          <p:cNvSpPr/>
+          <p:nvPr/>
+        </p:nvSpPr>
+        <p:spPr>
+          <a:xfrm rot="5400000">
+            <a:off x="7658386" y="3877421"/>
+            <a:ext cx="304047" cy="1331502"/>
+          </a:xfrm>
+          <a:prstGeom prst="rect">
+            <a:avLst/>
+          </a:prstGeom>
+          <a:noFill/>
+          <a:ln w="57150">
+            <a:solidFill>
+              <a:srgbClr val="C00000"/>
+            </a:solidFill>
+          </a:ln>
+        </p:spPr>
+        <p:style>
+          <a:lnRef idx="2">
+            <a:schemeClr val="accent1">
+              <a:shade val="50000"/>
+            </a:schemeClr>
+          </a:lnRef>
+          <a:fillRef idx="1">
+            <a:schemeClr val="accent1"/>
+          </a:fillRef>
+          <a:effectRef idx="0">
+            <a:schemeClr val="accent1"/>
+          </a:effectRef>
+          <a:fontRef idx="minor">
+            <a:schemeClr val="lt1"/>
+          </a:fontRef>
+        </p:style>
+        <p:txBody>
+          <a:bodyPr rtlCol="0" anchor="ctr"/>
+          <a:lstStyle/>
+          <a:p>
+            <a:pPr algn="ctr"/>
+            <a:endParaRPr lang="en-SG"/>
+          </a:p>
+        </p:txBody>
+      </p:sp>
+      <p:sp>
+        <p:nvSpPr>
+          <p:cNvPr id="29" name="Rectangle 28">
+            <a:extLst>
+              <a:ext uri="{FF2B5EF4-FFF2-40B4-BE49-F238E27FC236}">
+                <a16:creationId xmlns:a16="http://schemas.microsoft.com/office/drawing/2014/main" id="{CCCB9830-5E23-4DAA-A6B4-CA8920EC24FF}"/>
+              </a:ext>
+            </a:extLst>
+          </p:cNvPr>
+          <p:cNvSpPr/>
+          <p:nvPr/>
+        </p:nvSpPr>
+        <p:spPr>
+          <a:xfrm rot="5400000">
+            <a:off x="3817934" y="3881521"/>
+            <a:ext cx="304047" cy="1331502"/>
+          </a:xfrm>
+          <a:prstGeom prst="rect">
+            <a:avLst/>
+          </a:prstGeom>
+          <a:noFill/>
+          <a:ln w="57150">
+            <a:solidFill>
+              <a:srgbClr val="C00000"/>
+            </a:solidFill>
+          </a:ln>
+        </p:spPr>
+        <p:style>
+          <a:lnRef idx="2">
+            <a:schemeClr val="accent1">
+              <a:shade val="50000"/>
+            </a:schemeClr>
+          </a:lnRef>
+          <a:fillRef idx="1">
+            <a:schemeClr val="accent1"/>
+          </a:fillRef>
+          <a:effectRef idx="0">
+            <a:schemeClr val="accent1"/>
+          </a:effectRef>
+          <a:fontRef idx="minor">
+            <a:schemeClr val="lt1"/>
+          </a:fontRef>
+        </p:style>
+        <p:txBody>
+          <a:bodyPr rtlCol="0" anchor="ctr"/>
+          <a:lstStyle/>
+          <a:p>
+            <a:pPr algn="ctr"/>
+            <a:endParaRPr lang="en-SG"/>
+          </a:p>
+        </p:txBody>
+      </p:sp>
+      <p:cxnSp>
+        <p:nvCxnSpPr>
+          <p:cNvPr id="3" name="Straight Arrow Connector 2">
+            <a:extLst>
+              <a:ext uri="{FF2B5EF4-FFF2-40B4-BE49-F238E27FC236}">
+                <a16:creationId xmlns:a16="http://schemas.microsoft.com/office/drawing/2014/main" id="{D669375B-A6C1-4FB2-8437-407D153D8F5D}"/>
+              </a:ext>
+            </a:extLst>
+          </p:cNvPr>
+          <p:cNvCxnSpPr>
+            <a:stCxn id="29" idx="0"/>
+            <a:endCxn id="75" idx="2"/>
+          </p:cNvCxnSpPr>
+          <p:nvPr/>
+        </p:nvCxnSpPr>
+        <p:spPr>
+          <a:xfrm flipV="1">
+            <a:off x="4635709" y="4543173"/>
+            <a:ext cx="2508950" cy="4100"/>
+          </a:xfrm>
+          <a:prstGeom prst="straightConnector1">
+            <a:avLst/>
+          </a:prstGeom>
+          <a:ln w="57150">
+            <a:solidFill>
+              <a:srgbClr val="C00000"/>
+            </a:solidFill>
+            <a:headEnd type="triangle"/>
+            <a:tailEnd type="triangle"/>
+          </a:ln>
+        </p:spPr>
+        <p:style>
+          <a:lnRef idx="1">
+            <a:schemeClr val="accent1"/>
+          </a:lnRef>
+          <a:fillRef idx="0">
+            <a:schemeClr val="accent1"/>
+          </a:fillRef>
+          <a:effectRef idx="0">
+            <a:schemeClr val="accent1"/>
+          </a:effectRef>
+          <a:fontRef idx="minor">
+            <a:schemeClr val="tx1"/>
+          </a:fontRef>
+        </p:style>
+      </p:cxnSp>
+      <p:sp>
+        <p:nvSpPr>
+          <p:cNvPr id="32" name="TextBox 31">
+            <a:extLst>
+              <a:ext uri="{FF2B5EF4-FFF2-40B4-BE49-F238E27FC236}">
+                <a16:creationId xmlns:a16="http://schemas.microsoft.com/office/drawing/2014/main" id="{8E8B103A-A44C-4ECA-A96F-0E4DA0F61B45}"/>
+              </a:ext>
+            </a:extLst>
+          </p:cNvPr>
+          <p:cNvSpPr txBox="1"/>
+          <p:nvPr/>
+        </p:nvSpPr>
+        <p:spPr>
+          <a:xfrm>
+            <a:off x="5197953" y="3903367"/>
+            <a:ext cx="1604359" cy="646331"/>
+          </a:xfrm>
+          <a:prstGeom prst="rect">
+            <a:avLst/>
+          </a:prstGeom>
+          <a:noFill/>
+        </p:spPr>
+        <p:txBody>
+          <a:bodyPr wrap="square" rtlCol="0">
+            <a:spAutoFit/>
+          </a:bodyPr>
+          <a:lstStyle/>
+          <a:p>
+            <a:pPr algn="ctr"/>
+            <a:r>
+              <a:rPr lang="en-SG" dirty="0">
+                <a:latin typeface="Consolas" panose="020B0609020204030204" pitchFamily="49" charset="0"/>
+              </a:rPr>
+              <a:t>Difference in name</a:t>
+            </a:r>
+          </a:p>
+        </p:txBody>
+      </p:sp>
+    </p:spTree>
+    <p:extLst>
+      <p:ext uri="{BB962C8B-B14F-4D97-AF65-F5344CB8AC3E}">
+        <p14:creationId xmlns:p14="http://schemas.microsoft.com/office/powerpoint/2010/main" val="698597442"/>
+      </p:ext>
+    </p:extLst>
+  </p:cSld>
+  <p:clrMapOvr>
+    <a:masterClrMapping/>
+  </p:clrMapOvr>
+</p:sld>
+</file>
+
+<file path=ppt/slides/slide5.xml><?xml version="1.0" encoding="utf-8"?>
+<p:sld xmlns:a="http://schemas.openxmlformats.org/drawingml/2006/main" xmlns:r="http://schemas.openxmlformats.org/officeDocument/2006/relationships" xmlns:p="http://schemas.openxmlformats.org/presentationml/2006/main">
+  <p:cSld>
+    <p:spTree>
+      <p:nvGrpSpPr>
+        <p:cNvPr id="1" name=""/>
+        <p:cNvGrpSpPr/>
+        <p:nvPr/>
+      </p:nvGrpSpPr>
+      <p:grpSpPr>
+        <a:xfrm>
+          <a:off x="0" y="0"/>
+          <a:ext cx="0" cy="0"/>
+          <a:chOff x="0" y="0"/>
+          <a:chExt cx="0" cy="0"/>
+        </a:xfrm>
+      </p:grpSpPr>
+    </p:spTree>
+    <p:extLst>
+      <p:ext uri="{BB962C8B-B14F-4D97-AF65-F5344CB8AC3E}">
+        <p14:creationId xmlns:p14="http://schemas.microsoft.com/office/powerpoint/2010/main" val="101347623"/>
       </p:ext>
     </p:extLst>
   </p:cSld>
